--- a/Presentation/PROJECT FOR GESTURE BASED UI DEVELOPMENT.pptx
+++ b/Presentation/PROJECT FOR GESTURE BASED UI DEVELOPMENT.pptx
@@ -6,11 +6,14 @@
   </p:sldMasterIdLst>
   <p:sldIdLst>
     <p:sldId id="256" r:id="rId2"/>
-    <p:sldId id="257" r:id="rId3"/>
-    <p:sldId id="258" r:id="rId4"/>
-    <p:sldId id="259" r:id="rId5"/>
-    <p:sldId id="261" r:id="rId6"/>
-    <p:sldId id="260" r:id="rId7"/>
+    <p:sldId id="262" r:id="rId3"/>
+    <p:sldId id="257" r:id="rId4"/>
+    <p:sldId id="258" r:id="rId5"/>
+    <p:sldId id="259" r:id="rId6"/>
+    <p:sldId id="263" r:id="rId7"/>
+    <p:sldId id="261" r:id="rId8"/>
+    <p:sldId id="264" r:id="rId9"/>
+    <p:sldId id="260" r:id="rId10"/>
   </p:sldIdLst>
   <p:sldSz cx="12192000" cy="6858000"/>
   <p:notesSz cx="6858000" cy="9144000"/>
@@ -109,6 +112,11 @@
       </a:defRPr>
     </a:lvl9pPr>
   </p:defaultTextStyle>
+  <p:extLst>
+    <p:ext uri="{EFAFB233-063F-42B5-8137-9DF3F51BA10A}">
+      <p15:sldGuideLst xmlns:p15="http://schemas.microsoft.com/office/powerpoint/2012/main"/>
+    </p:ext>
+  </p:extLst>
 </p:presentation>
 </file>
 
@@ -859,7 +867,998 @@
 </dgm:colorsDef>
 </file>
 
+<file path=ppt/diagrams/colors2.xml><?xml version="1.0" encoding="utf-8"?>
+<dgm:colorsDef xmlns:dgm="http://schemas.openxmlformats.org/drawingml/2006/diagram" xmlns:a="http://schemas.openxmlformats.org/drawingml/2006/main" uniqueId="urn:microsoft.com/office/officeart/2005/8/colors/accent1_2">
+  <dgm:title val=""/>
+  <dgm:desc val=""/>
+  <dgm:catLst>
+    <dgm:cat type="accent1" pri="11200"/>
+  </dgm:catLst>
+  <dgm:styleLbl name="node0">
+    <dgm:fillClrLst meth="repeat">
+      <a:schemeClr val="accent1"/>
+    </dgm:fillClrLst>
+    <dgm:linClrLst meth="repeat">
+      <a:schemeClr val="lt1"/>
+    </dgm:linClrLst>
+    <dgm:effectClrLst/>
+    <dgm:txLinClrLst/>
+    <dgm:txFillClrLst/>
+    <dgm:txEffectClrLst/>
+  </dgm:styleLbl>
+  <dgm:styleLbl name="alignNode1">
+    <dgm:fillClrLst meth="repeat">
+      <a:schemeClr val="accent1"/>
+    </dgm:fillClrLst>
+    <dgm:linClrLst meth="repeat">
+      <a:schemeClr val="accent1"/>
+    </dgm:linClrLst>
+    <dgm:effectClrLst/>
+    <dgm:txLinClrLst/>
+    <dgm:txFillClrLst/>
+    <dgm:txEffectClrLst/>
+  </dgm:styleLbl>
+  <dgm:styleLbl name="node1">
+    <dgm:fillClrLst meth="repeat">
+      <a:schemeClr val="accent1"/>
+    </dgm:fillClrLst>
+    <dgm:linClrLst meth="repeat">
+      <a:schemeClr val="lt1"/>
+    </dgm:linClrLst>
+    <dgm:effectClrLst/>
+    <dgm:txLinClrLst/>
+    <dgm:txFillClrLst/>
+    <dgm:txEffectClrLst/>
+  </dgm:styleLbl>
+  <dgm:styleLbl name="lnNode1">
+    <dgm:fillClrLst meth="repeat">
+      <a:schemeClr val="accent1"/>
+    </dgm:fillClrLst>
+    <dgm:linClrLst meth="repeat">
+      <a:schemeClr val="lt1"/>
+    </dgm:linClrLst>
+    <dgm:effectClrLst/>
+    <dgm:txLinClrLst/>
+    <dgm:txFillClrLst/>
+    <dgm:txEffectClrLst/>
+  </dgm:styleLbl>
+  <dgm:styleLbl name="vennNode1">
+    <dgm:fillClrLst meth="repeat">
+      <a:schemeClr val="accent1">
+        <a:alpha val="50000"/>
+      </a:schemeClr>
+    </dgm:fillClrLst>
+    <dgm:linClrLst meth="repeat">
+      <a:schemeClr val="lt1"/>
+    </dgm:linClrLst>
+    <dgm:effectClrLst/>
+    <dgm:txLinClrLst/>
+    <dgm:txFillClrLst/>
+    <dgm:txEffectClrLst/>
+  </dgm:styleLbl>
+  <dgm:styleLbl name="node2">
+    <dgm:fillClrLst meth="repeat">
+      <a:schemeClr val="accent1"/>
+    </dgm:fillClrLst>
+    <dgm:linClrLst meth="repeat">
+      <a:schemeClr val="lt1"/>
+    </dgm:linClrLst>
+    <dgm:effectClrLst/>
+    <dgm:txLinClrLst/>
+    <dgm:txFillClrLst/>
+    <dgm:txEffectClrLst/>
+  </dgm:styleLbl>
+  <dgm:styleLbl name="node3">
+    <dgm:fillClrLst meth="repeat">
+      <a:schemeClr val="accent1"/>
+    </dgm:fillClrLst>
+    <dgm:linClrLst meth="repeat">
+      <a:schemeClr val="lt1"/>
+    </dgm:linClrLst>
+    <dgm:effectClrLst/>
+    <dgm:txLinClrLst/>
+    <dgm:txFillClrLst/>
+    <dgm:txEffectClrLst/>
+  </dgm:styleLbl>
+  <dgm:styleLbl name="node4">
+    <dgm:fillClrLst meth="repeat">
+      <a:schemeClr val="accent1"/>
+    </dgm:fillClrLst>
+    <dgm:linClrLst meth="repeat">
+      <a:schemeClr val="lt1"/>
+    </dgm:linClrLst>
+    <dgm:effectClrLst/>
+    <dgm:txLinClrLst/>
+    <dgm:txFillClrLst/>
+    <dgm:txEffectClrLst/>
+  </dgm:styleLbl>
+  <dgm:styleLbl name="fgImgPlace1">
+    <dgm:fillClrLst meth="repeat">
+      <a:schemeClr val="accent1">
+        <a:tint val="50000"/>
+      </a:schemeClr>
+    </dgm:fillClrLst>
+    <dgm:linClrLst meth="repeat">
+      <a:schemeClr val="lt1"/>
+    </dgm:linClrLst>
+    <dgm:effectClrLst/>
+    <dgm:txLinClrLst/>
+    <dgm:txFillClrLst meth="repeat">
+      <a:schemeClr val="lt1"/>
+    </dgm:txFillClrLst>
+    <dgm:txEffectClrLst/>
+  </dgm:styleLbl>
+  <dgm:styleLbl name="alignImgPlace1">
+    <dgm:fillClrLst meth="repeat">
+      <a:schemeClr val="accent1">
+        <a:tint val="50000"/>
+      </a:schemeClr>
+    </dgm:fillClrLst>
+    <dgm:linClrLst meth="repeat">
+      <a:schemeClr val="lt1"/>
+    </dgm:linClrLst>
+    <dgm:effectClrLst/>
+    <dgm:txLinClrLst/>
+    <dgm:txFillClrLst meth="repeat">
+      <a:schemeClr val="lt1"/>
+    </dgm:txFillClrLst>
+    <dgm:txEffectClrLst/>
+  </dgm:styleLbl>
+  <dgm:styleLbl name="bgImgPlace1">
+    <dgm:fillClrLst meth="repeat">
+      <a:schemeClr val="accent1">
+        <a:tint val="50000"/>
+      </a:schemeClr>
+    </dgm:fillClrLst>
+    <dgm:linClrLst meth="repeat">
+      <a:schemeClr val="lt1"/>
+    </dgm:linClrLst>
+    <dgm:effectClrLst/>
+    <dgm:txLinClrLst/>
+    <dgm:txFillClrLst meth="repeat">
+      <a:schemeClr val="lt1"/>
+    </dgm:txFillClrLst>
+    <dgm:txEffectClrLst/>
+  </dgm:styleLbl>
+  <dgm:styleLbl name="sibTrans2D1">
+    <dgm:fillClrLst meth="repeat">
+      <a:schemeClr val="accent1">
+        <a:tint val="60000"/>
+      </a:schemeClr>
+    </dgm:fillClrLst>
+    <dgm:linClrLst meth="repeat">
+      <a:schemeClr val="accent1">
+        <a:tint val="60000"/>
+      </a:schemeClr>
+    </dgm:linClrLst>
+    <dgm:effectClrLst/>
+    <dgm:txLinClrLst/>
+    <dgm:txFillClrLst/>
+    <dgm:txEffectClrLst/>
+  </dgm:styleLbl>
+  <dgm:styleLbl name="fgSibTrans2D1">
+    <dgm:fillClrLst meth="repeat">
+      <a:schemeClr val="accent1">
+        <a:tint val="60000"/>
+      </a:schemeClr>
+    </dgm:fillClrLst>
+    <dgm:linClrLst meth="repeat">
+      <a:schemeClr val="accent1">
+        <a:tint val="60000"/>
+      </a:schemeClr>
+    </dgm:linClrLst>
+    <dgm:effectClrLst/>
+    <dgm:txLinClrLst/>
+    <dgm:txFillClrLst/>
+    <dgm:txEffectClrLst/>
+  </dgm:styleLbl>
+  <dgm:styleLbl name="bgSibTrans2D1">
+    <dgm:fillClrLst meth="repeat">
+      <a:schemeClr val="accent1">
+        <a:tint val="60000"/>
+      </a:schemeClr>
+    </dgm:fillClrLst>
+    <dgm:linClrLst meth="repeat">
+      <a:schemeClr val="accent1">
+        <a:tint val="60000"/>
+      </a:schemeClr>
+    </dgm:linClrLst>
+    <dgm:effectClrLst/>
+    <dgm:txLinClrLst/>
+    <dgm:txFillClrLst/>
+    <dgm:txEffectClrLst/>
+  </dgm:styleLbl>
+  <dgm:styleLbl name="sibTrans1D1">
+    <dgm:fillClrLst meth="repeat">
+      <a:schemeClr val="accent1"/>
+    </dgm:fillClrLst>
+    <dgm:linClrLst meth="repeat">
+      <a:schemeClr val="accent1"/>
+    </dgm:linClrLst>
+    <dgm:effectClrLst/>
+    <dgm:txLinClrLst/>
+    <dgm:txFillClrLst meth="repeat">
+      <a:schemeClr val="tx1"/>
+    </dgm:txFillClrLst>
+    <dgm:txEffectClrLst/>
+  </dgm:styleLbl>
+  <dgm:styleLbl name="callout">
+    <dgm:fillClrLst meth="repeat">
+      <a:schemeClr val="accent1"/>
+    </dgm:fillClrLst>
+    <dgm:linClrLst meth="repeat">
+      <a:schemeClr val="accent1">
+        <a:tint val="50000"/>
+      </a:schemeClr>
+    </dgm:linClrLst>
+    <dgm:effectClrLst/>
+    <dgm:txLinClrLst/>
+    <dgm:txFillClrLst meth="repeat">
+      <a:schemeClr val="tx1"/>
+    </dgm:txFillClrLst>
+    <dgm:txEffectClrLst/>
+  </dgm:styleLbl>
+  <dgm:styleLbl name="asst0">
+    <dgm:fillClrLst meth="repeat">
+      <a:schemeClr val="accent1"/>
+    </dgm:fillClrLst>
+    <dgm:linClrLst meth="repeat">
+      <a:schemeClr val="lt1"/>
+    </dgm:linClrLst>
+    <dgm:effectClrLst/>
+    <dgm:txLinClrLst/>
+    <dgm:txFillClrLst/>
+    <dgm:txEffectClrLst/>
+  </dgm:styleLbl>
+  <dgm:styleLbl name="asst1">
+    <dgm:fillClrLst meth="repeat">
+      <a:schemeClr val="accent1"/>
+    </dgm:fillClrLst>
+    <dgm:linClrLst meth="repeat">
+      <a:schemeClr val="lt1"/>
+    </dgm:linClrLst>
+    <dgm:effectClrLst/>
+    <dgm:txLinClrLst/>
+    <dgm:txFillClrLst/>
+    <dgm:txEffectClrLst/>
+  </dgm:styleLbl>
+  <dgm:styleLbl name="asst2">
+    <dgm:fillClrLst meth="repeat">
+      <a:schemeClr val="accent1"/>
+    </dgm:fillClrLst>
+    <dgm:linClrLst meth="repeat">
+      <a:schemeClr val="lt1"/>
+    </dgm:linClrLst>
+    <dgm:effectClrLst/>
+    <dgm:txLinClrLst/>
+    <dgm:txFillClrLst/>
+    <dgm:txEffectClrLst/>
+  </dgm:styleLbl>
+  <dgm:styleLbl name="asst3">
+    <dgm:fillClrLst meth="repeat">
+      <a:schemeClr val="accent1"/>
+    </dgm:fillClrLst>
+    <dgm:linClrLst meth="repeat">
+      <a:schemeClr val="lt1"/>
+    </dgm:linClrLst>
+    <dgm:effectClrLst/>
+    <dgm:txLinClrLst/>
+    <dgm:txFillClrLst/>
+    <dgm:txEffectClrLst/>
+  </dgm:styleLbl>
+  <dgm:styleLbl name="asst4">
+    <dgm:fillClrLst meth="repeat">
+      <a:schemeClr val="accent1"/>
+    </dgm:fillClrLst>
+    <dgm:linClrLst meth="repeat">
+      <a:schemeClr val="lt1"/>
+    </dgm:linClrLst>
+    <dgm:effectClrLst/>
+    <dgm:txLinClrLst/>
+    <dgm:txFillClrLst/>
+    <dgm:txEffectClrLst/>
+  </dgm:styleLbl>
+  <dgm:styleLbl name="parChTrans2D1">
+    <dgm:fillClrLst meth="repeat">
+      <a:schemeClr val="accent1">
+        <a:tint val="60000"/>
+      </a:schemeClr>
+    </dgm:fillClrLst>
+    <dgm:linClrLst meth="repeat">
+      <a:schemeClr val="accent1">
+        <a:tint val="60000"/>
+      </a:schemeClr>
+    </dgm:linClrLst>
+    <dgm:effectClrLst/>
+    <dgm:txLinClrLst/>
+    <dgm:txFillClrLst meth="repeat">
+      <a:schemeClr val="lt1"/>
+    </dgm:txFillClrLst>
+    <dgm:txEffectClrLst/>
+  </dgm:styleLbl>
+  <dgm:styleLbl name="parChTrans2D2">
+    <dgm:fillClrLst meth="repeat">
+      <a:schemeClr val="accent1"/>
+    </dgm:fillClrLst>
+    <dgm:linClrLst meth="repeat">
+      <a:schemeClr val="accent1"/>
+    </dgm:linClrLst>
+    <dgm:effectClrLst/>
+    <dgm:txLinClrLst/>
+    <dgm:txFillClrLst meth="repeat">
+      <a:schemeClr val="lt1"/>
+    </dgm:txFillClrLst>
+    <dgm:txEffectClrLst/>
+  </dgm:styleLbl>
+  <dgm:styleLbl name="parChTrans2D3">
+    <dgm:fillClrLst meth="repeat">
+      <a:schemeClr val="accent1"/>
+    </dgm:fillClrLst>
+    <dgm:linClrLst meth="repeat">
+      <a:schemeClr val="accent1"/>
+    </dgm:linClrLst>
+    <dgm:effectClrLst/>
+    <dgm:txLinClrLst/>
+    <dgm:txFillClrLst meth="repeat">
+      <a:schemeClr val="lt1"/>
+    </dgm:txFillClrLst>
+    <dgm:txEffectClrLst/>
+  </dgm:styleLbl>
+  <dgm:styleLbl name="parChTrans2D4">
+    <dgm:fillClrLst meth="repeat">
+      <a:schemeClr val="accent1"/>
+    </dgm:fillClrLst>
+    <dgm:linClrLst meth="repeat">
+      <a:schemeClr val="accent1"/>
+    </dgm:linClrLst>
+    <dgm:effectClrLst/>
+    <dgm:txLinClrLst/>
+    <dgm:txFillClrLst meth="repeat">
+      <a:schemeClr val="lt1"/>
+    </dgm:txFillClrLst>
+    <dgm:txEffectClrLst/>
+  </dgm:styleLbl>
+  <dgm:styleLbl name="parChTrans1D1">
+    <dgm:fillClrLst meth="repeat">
+      <a:schemeClr val="accent1"/>
+    </dgm:fillClrLst>
+    <dgm:linClrLst meth="repeat">
+      <a:schemeClr val="accent1">
+        <a:shade val="60000"/>
+      </a:schemeClr>
+    </dgm:linClrLst>
+    <dgm:effectClrLst/>
+    <dgm:txLinClrLst/>
+    <dgm:txFillClrLst meth="repeat">
+      <a:schemeClr val="tx1"/>
+    </dgm:txFillClrLst>
+    <dgm:txEffectClrLst/>
+  </dgm:styleLbl>
+  <dgm:styleLbl name="parChTrans1D2">
+    <dgm:fillClrLst meth="repeat">
+      <a:schemeClr val="accent1"/>
+    </dgm:fillClrLst>
+    <dgm:linClrLst meth="repeat">
+      <a:schemeClr val="accent1">
+        <a:shade val="60000"/>
+      </a:schemeClr>
+    </dgm:linClrLst>
+    <dgm:effectClrLst/>
+    <dgm:txLinClrLst/>
+    <dgm:txFillClrLst meth="repeat">
+      <a:schemeClr val="tx1"/>
+    </dgm:txFillClrLst>
+    <dgm:txEffectClrLst/>
+  </dgm:styleLbl>
+  <dgm:styleLbl name="parChTrans1D3">
+    <dgm:fillClrLst meth="repeat">
+      <a:schemeClr val="accent1"/>
+    </dgm:fillClrLst>
+    <dgm:linClrLst meth="repeat">
+      <a:schemeClr val="accent1">
+        <a:shade val="80000"/>
+      </a:schemeClr>
+    </dgm:linClrLst>
+    <dgm:effectClrLst/>
+    <dgm:txLinClrLst/>
+    <dgm:txFillClrLst meth="repeat">
+      <a:schemeClr val="tx1"/>
+    </dgm:txFillClrLst>
+    <dgm:txEffectClrLst/>
+  </dgm:styleLbl>
+  <dgm:styleLbl name="parChTrans1D4">
+    <dgm:fillClrLst meth="repeat">
+      <a:schemeClr val="accent1"/>
+    </dgm:fillClrLst>
+    <dgm:linClrLst meth="repeat">
+      <a:schemeClr val="accent1">
+        <a:shade val="80000"/>
+      </a:schemeClr>
+    </dgm:linClrLst>
+    <dgm:effectClrLst/>
+    <dgm:txLinClrLst/>
+    <dgm:txFillClrLst meth="repeat">
+      <a:schemeClr val="tx1"/>
+    </dgm:txFillClrLst>
+    <dgm:txEffectClrLst/>
+  </dgm:styleLbl>
+  <dgm:styleLbl name="fgAcc1">
+    <dgm:fillClrLst meth="repeat">
+      <a:schemeClr val="lt1">
+        <a:alpha val="90000"/>
+      </a:schemeClr>
+    </dgm:fillClrLst>
+    <dgm:linClrLst meth="repeat">
+      <a:schemeClr val="accent1"/>
+    </dgm:linClrLst>
+    <dgm:effectClrLst/>
+    <dgm:txLinClrLst/>
+    <dgm:txFillClrLst meth="repeat">
+      <a:schemeClr val="dk1"/>
+    </dgm:txFillClrLst>
+    <dgm:txEffectClrLst/>
+  </dgm:styleLbl>
+  <dgm:styleLbl name="conFgAcc1">
+    <dgm:fillClrLst meth="repeat">
+      <a:schemeClr val="lt1">
+        <a:alpha val="90000"/>
+      </a:schemeClr>
+    </dgm:fillClrLst>
+    <dgm:linClrLst meth="repeat">
+      <a:schemeClr val="accent1"/>
+    </dgm:linClrLst>
+    <dgm:effectClrLst/>
+    <dgm:txLinClrLst/>
+    <dgm:txFillClrLst meth="repeat">
+      <a:schemeClr val="dk1"/>
+    </dgm:txFillClrLst>
+    <dgm:txEffectClrLst/>
+  </dgm:styleLbl>
+  <dgm:styleLbl name="alignAcc1">
+    <dgm:fillClrLst meth="repeat">
+      <a:schemeClr val="lt1">
+        <a:alpha val="90000"/>
+      </a:schemeClr>
+    </dgm:fillClrLst>
+    <dgm:linClrLst meth="repeat">
+      <a:schemeClr val="accent1"/>
+    </dgm:linClrLst>
+    <dgm:effectClrLst/>
+    <dgm:txLinClrLst/>
+    <dgm:txFillClrLst meth="repeat">
+      <a:schemeClr val="dk1"/>
+    </dgm:txFillClrLst>
+    <dgm:txEffectClrLst/>
+  </dgm:styleLbl>
+  <dgm:styleLbl name="trAlignAcc1">
+    <dgm:fillClrLst meth="repeat">
+      <a:schemeClr val="lt1">
+        <a:alpha val="40000"/>
+      </a:schemeClr>
+    </dgm:fillClrLst>
+    <dgm:linClrLst meth="repeat">
+      <a:schemeClr val="accent1"/>
+    </dgm:linClrLst>
+    <dgm:effectClrLst/>
+    <dgm:txLinClrLst/>
+    <dgm:txFillClrLst meth="repeat">
+      <a:schemeClr val="dk1"/>
+    </dgm:txFillClrLst>
+    <dgm:txEffectClrLst/>
+  </dgm:styleLbl>
+  <dgm:styleLbl name="bgAcc1">
+    <dgm:fillClrLst meth="repeat">
+      <a:schemeClr val="lt1">
+        <a:alpha val="90000"/>
+      </a:schemeClr>
+    </dgm:fillClrLst>
+    <dgm:linClrLst meth="repeat">
+      <a:schemeClr val="accent1"/>
+    </dgm:linClrLst>
+    <dgm:effectClrLst/>
+    <dgm:txLinClrLst/>
+    <dgm:txFillClrLst meth="repeat">
+      <a:schemeClr val="dk1"/>
+    </dgm:txFillClrLst>
+    <dgm:txEffectClrLst/>
+  </dgm:styleLbl>
+  <dgm:styleLbl name="solidFgAcc1">
+    <dgm:fillClrLst meth="repeat">
+      <a:schemeClr val="lt1"/>
+    </dgm:fillClrLst>
+    <dgm:linClrLst meth="repeat">
+      <a:schemeClr val="accent1"/>
+    </dgm:linClrLst>
+    <dgm:effectClrLst/>
+    <dgm:txLinClrLst/>
+    <dgm:txFillClrLst meth="repeat">
+      <a:schemeClr val="dk1"/>
+    </dgm:txFillClrLst>
+    <dgm:txEffectClrLst/>
+  </dgm:styleLbl>
+  <dgm:styleLbl name="solidAlignAcc1">
+    <dgm:fillClrLst meth="repeat">
+      <a:schemeClr val="lt1"/>
+    </dgm:fillClrLst>
+    <dgm:linClrLst meth="repeat">
+      <a:schemeClr val="accent1"/>
+    </dgm:linClrLst>
+    <dgm:effectClrLst/>
+    <dgm:txLinClrLst/>
+    <dgm:txFillClrLst meth="repeat">
+      <a:schemeClr val="dk1"/>
+    </dgm:txFillClrLst>
+    <dgm:txEffectClrLst/>
+  </dgm:styleLbl>
+  <dgm:styleLbl name="solidBgAcc1">
+    <dgm:fillClrLst meth="repeat">
+      <a:schemeClr val="lt1"/>
+    </dgm:fillClrLst>
+    <dgm:linClrLst meth="repeat">
+      <a:schemeClr val="accent1"/>
+    </dgm:linClrLst>
+    <dgm:effectClrLst/>
+    <dgm:txLinClrLst/>
+    <dgm:txFillClrLst meth="repeat">
+      <a:schemeClr val="dk1"/>
+    </dgm:txFillClrLst>
+    <dgm:txEffectClrLst/>
+  </dgm:styleLbl>
+  <dgm:styleLbl name="fgAccFollowNode1">
+    <dgm:fillClrLst meth="repeat">
+      <a:schemeClr val="accent1">
+        <a:alpha val="90000"/>
+        <a:tint val="40000"/>
+      </a:schemeClr>
+    </dgm:fillClrLst>
+    <dgm:linClrLst meth="repeat">
+      <a:schemeClr val="accent1">
+        <a:alpha val="90000"/>
+        <a:tint val="40000"/>
+      </a:schemeClr>
+    </dgm:linClrLst>
+    <dgm:effectClrLst/>
+    <dgm:txLinClrLst/>
+    <dgm:txFillClrLst meth="repeat">
+      <a:schemeClr val="dk1"/>
+    </dgm:txFillClrLst>
+    <dgm:txEffectClrLst/>
+  </dgm:styleLbl>
+  <dgm:styleLbl name="alignAccFollowNode1">
+    <dgm:fillClrLst meth="repeat">
+      <a:schemeClr val="accent1">
+        <a:alpha val="90000"/>
+        <a:tint val="40000"/>
+      </a:schemeClr>
+    </dgm:fillClrLst>
+    <dgm:linClrLst meth="repeat">
+      <a:schemeClr val="accent1">
+        <a:alpha val="90000"/>
+        <a:tint val="40000"/>
+      </a:schemeClr>
+    </dgm:linClrLst>
+    <dgm:effectClrLst/>
+    <dgm:txLinClrLst/>
+    <dgm:txFillClrLst meth="repeat">
+      <a:schemeClr val="dk1"/>
+    </dgm:txFillClrLst>
+    <dgm:txEffectClrLst/>
+  </dgm:styleLbl>
+  <dgm:styleLbl name="bgAccFollowNode1">
+    <dgm:fillClrLst meth="repeat">
+      <a:schemeClr val="accent1">
+        <a:alpha val="90000"/>
+        <a:tint val="40000"/>
+      </a:schemeClr>
+    </dgm:fillClrLst>
+    <dgm:linClrLst meth="repeat">
+      <a:schemeClr val="accent1">
+        <a:alpha val="90000"/>
+        <a:tint val="40000"/>
+      </a:schemeClr>
+    </dgm:linClrLst>
+    <dgm:effectClrLst/>
+    <dgm:txLinClrLst/>
+    <dgm:txFillClrLst meth="repeat">
+      <a:schemeClr val="dk1"/>
+    </dgm:txFillClrLst>
+    <dgm:txEffectClrLst/>
+  </dgm:styleLbl>
+  <dgm:styleLbl name="fgAcc0">
+    <dgm:fillClrLst meth="repeat">
+      <a:schemeClr val="lt1">
+        <a:alpha val="90000"/>
+      </a:schemeClr>
+    </dgm:fillClrLst>
+    <dgm:linClrLst meth="repeat">
+      <a:schemeClr val="accent1"/>
+    </dgm:linClrLst>
+    <dgm:effectClrLst/>
+    <dgm:txLinClrLst/>
+    <dgm:txFillClrLst meth="repeat">
+      <a:schemeClr val="dk1"/>
+    </dgm:txFillClrLst>
+    <dgm:txEffectClrLst/>
+  </dgm:styleLbl>
+  <dgm:styleLbl name="fgAcc2">
+    <dgm:fillClrLst meth="repeat">
+      <a:schemeClr val="lt1">
+        <a:alpha val="90000"/>
+      </a:schemeClr>
+    </dgm:fillClrLst>
+    <dgm:linClrLst meth="repeat">
+      <a:schemeClr val="accent1"/>
+    </dgm:linClrLst>
+    <dgm:effectClrLst/>
+    <dgm:txLinClrLst/>
+    <dgm:txFillClrLst meth="repeat">
+      <a:schemeClr val="dk1"/>
+    </dgm:txFillClrLst>
+    <dgm:txEffectClrLst/>
+  </dgm:styleLbl>
+  <dgm:styleLbl name="fgAcc3">
+    <dgm:fillClrLst meth="repeat">
+      <a:schemeClr val="lt1">
+        <a:alpha val="90000"/>
+      </a:schemeClr>
+    </dgm:fillClrLst>
+    <dgm:linClrLst meth="repeat">
+      <a:schemeClr val="accent1"/>
+    </dgm:linClrLst>
+    <dgm:effectClrLst/>
+    <dgm:txLinClrLst/>
+    <dgm:txFillClrLst meth="repeat">
+      <a:schemeClr val="dk1"/>
+    </dgm:txFillClrLst>
+    <dgm:txEffectClrLst/>
+  </dgm:styleLbl>
+  <dgm:styleLbl name="fgAcc4">
+    <dgm:fillClrLst meth="repeat">
+      <a:schemeClr val="lt1">
+        <a:alpha val="90000"/>
+      </a:schemeClr>
+    </dgm:fillClrLst>
+    <dgm:linClrLst meth="repeat">
+      <a:schemeClr val="accent1"/>
+    </dgm:linClrLst>
+    <dgm:effectClrLst/>
+    <dgm:txLinClrLst/>
+    <dgm:txFillClrLst meth="repeat">
+      <a:schemeClr val="dk1"/>
+    </dgm:txFillClrLst>
+    <dgm:txEffectClrLst/>
+  </dgm:styleLbl>
+  <dgm:styleLbl name="bgShp">
+    <dgm:fillClrLst meth="repeat">
+      <a:schemeClr val="accent1">
+        <a:tint val="40000"/>
+      </a:schemeClr>
+    </dgm:fillClrLst>
+    <dgm:linClrLst meth="repeat">
+      <a:schemeClr val="accent1"/>
+    </dgm:linClrLst>
+    <dgm:effectClrLst/>
+    <dgm:txLinClrLst/>
+    <dgm:txFillClrLst meth="repeat">
+      <a:schemeClr val="dk1"/>
+    </dgm:txFillClrLst>
+    <dgm:txEffectClrLst/>
+  </dgm:styleLbl>
+  <dgm:styleLbl name="dkBgShp">
+    <dgm:fillClrLst meth="repeat">
+      <a:schemeClr val="accent1">
+        <a:shade val="80000"/>
+      </a:schemeClr>
+    </dgm:fillClrLst>
+    <dgm:linClrLst meth="repeat">
+      <a:schemeClr val="accent1"/>
+    </dgm:linClrLst>
+    <dgm:effectClrLst/>
+    <dgm:txLinClrLst/>
+    <dgm:txFillClrLst meth="repeat">
+      <a:schemeClr val="lt1"/>
+    </dgm:txFillClrLst>
+    <dgm:txEffectClrLst/>
+  </dgm:styleLbl>
+  <dgm:styleLbl name="trBgShp">
+    <dgm:fillClrLst meth="repeat">
+      <a:schemeClr val="accent1">
+        <a:tint val="50000"/>
+        <a:alpha val="40000"/>
+      </a:schemeClr>
+    </dgm:fillClrLst>
+    <dgm:linClrLst meth="repeat">
+      <a:schemeClr val="accent1"/>
+    </dgm:linClrLst>
+    <dgm:effectClrLst/>
+    <dgm:txLinClrLst/>
+    <dgm:txFillClrLst meth="repeat">
+      <a:schemeClr val="lt1"/>
+    </dgm:txFillClrLst>
+    <dgm:txEffectClrLst/>
+  </dgm:styleLbl>
+  <dgm:styleLbl name="fgShp">
+    <dgm:fillClrLst meth="repeat">
+      <a:schemeClr val="accent1">
+        <a:tint val="60000"/>
+      </a:schemeClr>
+    </dgm:fillClrLst>
+    <dgm:linClrLst meth="repeat">
+      <a:schemeClr val="lt1"/>
+    </dgm:linClrLst>
+    <dgm:effectClrLst/>
+    <dgm:txLinClrLst/>
+    <dgm:txFillClrLst meth="repeat">
+      <a:schemeClr val="dk1"/>
+    </dgm:txFillClrLst>
+    <dgm:txEffectClrLst/>
+  </dgm:styleLbl>
+  <dgm:styleLbl name="revTx">
+    <dgm:fillClrLst meth="repeat">
+      <a:schemeClr val="lt1">
+        <a:alpha val="0"/>
+      </a:schemeClr>
+    </dgm:fillClrLst>
+    <dgm:linClrLst meth="repeat">
+      <a:schemeClr val="dk1">
+        <a:alpha val="0"/>
+      </a:schemeClr>
+    </dgm:linClrLst>
+    <dgm:effectClrLst/>
+    <dgm:txLinClrLst/>
+    <dgm:txFillClrLst meth="repeat">
+      <a:schemeClr val="tx1"/>
+    </dgm:txFillClrLst>
+    <dgm:txEffectClrLst/>
+  </dgm:styleLbl>
+</dgm:colorsDef>
+</file>
+
 <file path=ppt/diagrams/data1.xml><?xml version="1.0" encoding="utf-8"?>
+<dgm:dataModel xmlns:dgm="http://schemas.openxmlformats.org/drawingml/2006/diagram" xmlns:a="http://schemas.openxmlformats.org/drawingml/2006/main">
+  <dgm:ptLst>
+    <dgm:pt modelId="{DAB7E543-8ED2-482F-92A0-0C265CB0A2F2}" type="doc">
+      <dgm:prSet loTypeId="urn:microsoft.com/office/officeart/2005/8/layout/hierarchy1" loCatId="hierarchy" qsTypeId="urn:microsoft.com/office/officeart/2005/8/quickstyle/simple1" qsCatId="simple" csTypeId="urn:microsoft.com/office/officeart/2005/8/colors/accent1_2" csCatId="accent1"/>
+      <dgm:spPr/>
+      <dgm:t>
+        <a:bodyPr/>
+        <a:lstStyle/>
+        <a:p>
+          <a:endParaRPr lang="en-US"/>
+        </a:p>
+      </dgm:t>
+    </dgm:pt>
+    <dgm:pt modelId="{3AD440DD-0FE8-4725-AB4A-E462631A549E}">
+      <dgm:prSet/>
+      <dgm:spPr/>
+      <dgm:t>
+        <a:bodyPr/>
+        <a:lstStyle/>
+        <a:p>
+          <a:r>
+            <a:rPr lang="en-GB" b="0" i="0"/>
+            <a:t>Create a simple command line application that is being controlled by Leap Motion. </a:t>
+          </a:r>
+          <a:endParaRPr lang="en-US"/>
+        </a:p>
+      </dgm:t>
+    </dgm:pt>
+    <dgm:pt modelId="{1E80BD00-7FF5-4B84-847F-716E689DC250}" type="parTrans" cxnId="{732C788F-C5DE-4984-9AB8-971049F8DD61}">
+      <dgm:prSet/>
+      <dgm:spPr/>
+      <dgm:t>
+        <a:bodyPr/>
+        <a:lstStyle/>
+        <a:p>
+          <a:endParaRPr lang="en-US"/>
+        </a:p>
+      </dgm:t>
+    </dgm:pt>
+    <dgm:pt modelId="{CE3E0A71-FBCD-43AF-BC26-33288223F318}" type="sibTrans" cxnId="{732C788F-C5DE-4984-9AB8-971049F8DD61}">
+      <dgm:prSet/>
+      <dgm:spPr/>
+      <dgm:t>
+        <a:bodyPr/>
+        <a:lstStyle/>
+        <a:p>
+          <a:endParaRPr lang="en-US"/>
+        </a:p>
+      </dgm:t>
+    </dgm:pt>
+    <dgm:pt modelId="{2A84CAE2-03A7-4879-9E1B-CF6BC706682E}">
+      <dgm:prSet/>
+      <dgm:spPr/>
+      <dgm:t>
+        <a:bodyPr/>
+        <a:lstStyle/>
+        <a:p>
+          <a:r>
+            <a:rPr lang="en-GB" b="0" i="0"/>
+            <a:t>Leap Motion will be connected to an Arduino board</a:t>
+          </a:r>
+          <a:endParaRPr lang="en-US"/>
+        </a:p>
+      </dgm:t>
+    </dgm:pt>
+    <dgm:pt modelId="{78B994DF-BC1D-4C07-803E-3DB7BC6AE836}" type="parTrans" cxnId="{35184EE6-5686-4B83-9B51-2E12E2001DCE}">
+      <dgm:prSet/>
+      <dgm:spPr/>
+      <dgm:t>
+        <a:bodyPr/>
+        <a:lstStyle/>
+        <a:p>
+          <a:endParaRPr lang="en-US"/>
+        </a:p>
+      </dgm:t>
+    </dgm:pt>
+    <dgm:pt modelId="{DEA85581-A592-499C-88B9-084D3423D032}" type="sibTrans" cxnId="{35184EE6-5686-4B83-9B51-2E12E2001DCE}">
+      <dgm:prSet/>
+      <dgm:spPr/>
+      <dgm:t>
+        <a:bodyPr/>
+        <a:lstStyle/>
+        <a:p>
+          <a:endParaRPr lang="en-US"/>
+        </a:p>
+      </dgm:t>
+    </dgm:pt>
+    <dgm:pt modelId="{0D356BAD-316A-4A9E-98BD-2EB67D2AA956}">
+      <dgm:prSet/>
+      <dgm:spPr/>
+      <dgm:t>
+        <a:bodyPr/>
+        <a:lstStyle/>
+        <a:p>
+          <a:r>
+            <a:rPr lang="en-GB" b="0" i="0"/>
+            <a:t>Arduino board will be plugged into a Breadboard circuit with some LEDs to prove the gestures are working.</a:t>
+          </a:r>
+          <a:endParaRPr lang="en-US"/>
+        </a:p>
+      </dgm:t>
+    </dgm:pt>
+    <dgm:pt modelId="{2D85B3FA-3760-4E35-9367-732D075FB987}" type="parTrans" cxnId="{347E764C-944C-466A-BB3E-56EC631370CD}">
+      <dgm:prSet/>
+      <dgm:spPr/>
+      <dgm:t>
+        <a:bodyPr/>
+        <a:lstStyle/>
+        <a:p>
+          <a:endParaRPr lang="en-US"/>
+        </a:p>
+      </dgm:t>
+    </dgm:pt>
+    <dgm:pt modelId="{DFF9A219-0DD3-4880-8FD2-730CBD853ED2}" type="sibTrans" cxnId="{347E764C-944C-466A-BB3E-56EC631370CD}">
+      <dgm:prSet/>
+      <dgm:spPr/>
+      <dgm:t>
+        <a:bodyPr/>
+        <a:lstStyle/>
+        <a:p>
+          <a:endParaRPr lang="en-US"/>
+        </a:p>
+      </dgm:t>
+    </dgm:pt>
+    <dgm:pt modelId="{33ACF326-81FD-4E35-9359-9A9E9D41BDF4}" type="pres">
+      <dgm:prSet presAssocID="{DAB7E543-8ED2-482F-92A0-0C265CB0A2F2}" presName="hierChild1" presStyleCnt="0">
+        <dgm:presLayoutVars>
+          <dgm:chPref val="1"/>
+          <dgm:dir/>
+          <dgm:animOne val="branch"/>
+          <dgm:animLvl val="lvl"/>
+          <dgm:resizeHandles/>
+        </dgm:presLayoutVars>
+      </dgm:prSet>
+      <dgm:spPr/>
+    </dgm:pt>
+    <dgm:pt modelId="{62C44A56-8F39-4699-99AD-4C9C3D82A8DF}" type="pres">
+      <dgm:prSet presAssocID="{3AD440DD-0FE8-4725-AB4A-E462631A549E}" presName="hierRoot1" presStyleCnt="0"/>
+      <dgm:spPr/>
+    </dgm:pt>
+    <dgm:pt modelId="{208E053B-B265-432E-B8A5-F770F497EBC0}" type="pres">
+      <dgm:prSet presAssocID="{3AD440DD-0FE8-4725-AB4A-E462631A549E}" presName="composite" presStyleCnt="0"/>
+      <dgm:spPr/>
+    </dgm:pt>
+    <dgm:pt modelId="{CCCEDAC2-9748-446C-BC5C-2311D4989EC4}" type="pres">
+      <dgm:prSet presAssocID="{3AD440DD-0FE8-4725-AB4A-E462631A549E}" presName="background" presStyleLbl="node0" presStyleIdx="0" presStyleCnt="3"/>
+      <dgm:spPr/>
+    </dgm:pt>
+    <dgm:pt modelId="{FFEB3100-A889-4787-9C63-11E12F918471}" type="pres">
+      <dgm:prSet presAssocID="{3AD440DD-0FE8-4725-AB4A-E462631A549E}" presName="text" presStyleLbl="fgAcc0" presStyleIdx="0" presStyleCnt="3">
+        <dgm:presLayoutVars>
+          <dgm:chPref val="3"/>
+        </dgm:presLayoutVars>
+      </dgm:prSet>
+      <dgm:spPr/>
+    </dgm:pt>
+    <dgm:pt modelId="{DF72630B-1C64-49C5-9CF1-C62817CF4616}" type="pres">
+      <dgm:prSet presAssocID="{3AD440DD-0FE8-4725-AB4A-E462631A549E}" presName="hierChild2" presStyleCnt="0"/>
+      <dgm:spPr/>
+    </dgm:pt>
+    <dgm:pt modelId="{DC46D004-1AE6-41E7-8AF4-74A372C552C6}" type="pres">
+      <dgm:prSet presAssocID="{2A84CAE2-03A7-4879-9E1B-CF6BC706682E}" presName="hierRoot1" presStyleCnt="0"/>
+      <dgm:spPr/>
+    </dgm:pt>
+    <dgm:pt modelId="{4498C0D4-00D0-402D-987D-B81C7C427CDC}" type="pres">
+      <dgm:prSet presAssocID="{2A84CAE2-03A7-4879-9E1B-CF6BC706682E}" presName="composite" presStyleCnt="0"/>
+      <dgm:spPr/>
+    </dgm:pt>
+    <dgm:pt modelId="{7933BDFD-5BB1-4A33-AA9F-AFE32726F74C}" type="pres">
+      <dgm:prSet presAssocID="{2A84CAE2-03A7-4879-9E1B-CF6BC706682E}" presName="background" presStyleLbl="node0" presStyleIdx="1" presStyleCnt="3"/>
+      <dgm:spPr/>
+    </dgm:pt>
+    <dgm:pt modelId="{829D5F42-A7B5-4357-8207-9A256C52F517}" type="pres">
+      <dgm:prSet presAssocID="{2A84CAE2-03A7-4879-9E1B-CF6BC706682E}" presName="text" presStyleLbl="fgAcc0" presStyleIdx="1" presStyleCnt="3">
+        <dgm:presLayoutVars>
+          <dgm:chPref val="3"/>
+        </dgm:presLayoutVars>
+      </dgm:prSet>
+      <dgm:spPr/>
+    </dgm:pt>
+    <dgm:pt modelId="{F56550BA-CF93-412E-AC10-5AEA6784D0B5}" type="pres">
+      <dgm:prSet presAssocID="{2A84CAE2-03A7-4879-9E1B-CF6BC706682E}" presName="hierChild2" presStyleCnt="0"/>
+      <dgm:spPr/>
+    </dgm:pt>
+    <dgm:pt modelId="{2E16710B-9A8F-4D87-87C8-C6DA69041666}" type="pres">
+      <dgm:prSet presAssocID="{0D356BAD-316A-4A9E-98BD-2EB67D2AA956}" presName="hierRoot1" presStyleCnt="0"/>
+      <dgm:spPr/>
+    </dgm:pt>
+    <dgm:pt modelId="{803B3FDD-3E45-4A39-934C-DECCA53877B0}" type="pres">
+      <dgm:prSet presAssocID="{0D356BAD-316A-4A9E-98BD-2EB67D2AA956}" presName="composite" presStyleCnt="0"/>
+      <dgm:spPr/>
+    </dgm:pt>
+    <dgm:pt modelId="{16A05D10-0FCC-455A-B348-CFC4DDD89688}" type="pres">
+      <dgm:prSet presAssocID="{0D356BAD-316A-4A9E-98BD-2EB67D2AA956}" presName="background" presStyleLbl="node0" presStyleIdx="2" presStyleCnt="3"/>
+      <dgm:spPr/>
+    </dgm:pt>
+    <dgm:pt modelId="{A52B1A8C-9C02-45AF-B5B2-D081FDAC44AC}" type="pres">
+      <dgm:prSet presAssocID="{0D356BAD-316A-4A9E-98BD-2EB67D2AA956}" presName="text" presStyleLbl="fgAcc0" presStyleIdx="2" presStyleCnt="3">
+        <dgm:presLayoutVars>
+          <dgm:chPref val="3"/>
+        </dgm:presLayoutVars>
+      </dgm:prSet>
+      <dgm:spPr/>
+    </dgm:pt>
+    <dgm:pt modelId="{30099FD3-36BB-459F-94FD-E1E44BD28AF2}" type="pres">
+      <dgm:prSet presAssocID="{0D356BAD-316A-4A9E-98BD-2EB67D2AA956}" presName="hierChild2" presStyleCnt="0"/>
+      <dgm:spPr/>
+    </dgm:pt>
+  </dgm:ptLst>
+  <dgm:cxnLst>
+    <dgm:cxn modelId="{55F99801-2708-4C02-9089-14FE6F5139D1}" type="presOf" srcId="{3AD440DD-0FE8-4725-AB4A-E462631A549E}" destId="{FFEB3100-A889-4787-9C63-11E12F918471}" srcOrd="0" destOrd="0" presId="urn:microsoft.com/office/officeart/2005/8/layout/hierarchy1"/>
+    <dgm:cxn modelId="{38A5BC24-80A8-4F80-A19A-7B63B387D09D}" type="presOf" srcId="{2A84CAE2-03A7-4879-9E1B-CF6BC706682E}" destId="{829D5F42-A7B5-4357-8207-9A256C52F517}" srcOrd="0" destOrd="0" presId="urn:microsoft.com/office/officeart/2005/8/layout/hierarchy1"/>
+    <dgm:cxn modelId="{347E764C-944C-466A-BB3E-56EC631370CD}" srcId="{DAB7E543-8ED2-482F-92A0-0C265CB0A2F2}" destId="{0D356BAD-316A-4A9E-98BD-2EB67D2AA956}" srcOrd="2" destOrd="0" parTransId="{2D85B3FA-3760-4E35-9367-732D075FB987}" sibTransId="{DFF9A219-0DD3-4880-8FD2-730CBD853ED2}"/>
+    <dgm:cxn modelId="{732C788F-C5DE-4984-9AB8-971049F8DD61}" srcId="{DAB7E543-8ED2-482F-92A0-0C265CB0A2F2}" destId="{3AD440DD-0FE8-4725-AB4A-E462631A549E}" srcOrd="0" destOrd="0" parTransId="{1E80BD00-7FF5-4B84-847F-716E689DC250}" sibTransId="{CE3E0A71-FBCD-43AF-BC26-33288223F318}"/>
+    <dgm:cxn modelId="{DF5D7FA0-DFEB-4BB6-833E-57857A58EB99}" type="presOf" srcId="{DAB7E543-8ED2-482F-92A0-0C265CB0A2F2}" destId="{33ACF326-81FD-4E35-9359-9A9E9D41BDF4}" srcOrd="0" destOrd="0" presId="urn:microsoft.com/office/officeart/2005/8/layout/hierarchy1"/>
+    <dgm:cxn modelId="{66BE80AE-E73B-409F-ACEA-A04F9C1933BE}" type="presOf" srcId="{0D356BAD-316A-4A9E-98BD-2EB67D2AA956}" destId="{A52B1A8C-9C02-45AF-B5B2-D081FDAC44AC}" srcOrd="0" destOrd="0" presId="urn:microsoft.com/office/officeart/2005/8/layout/hierarchy1"/>
+    <dgm:cxn modelId="{35184EE6-5686-4B83-9B51-2E12E2001DCE}" srcId="{DAB7E543-8ED2-482F-92A0-0C265CB0A2F2}" destId="{2A84CAE2-03A7-4879-9E1B-CF6BC706682E}" srcOrd="1" destOrd="0" parTransId="{78B994DF-BC1D-4C07-803E-3DB7BC6AE836}" sibTransId="{DEA85581-A592-499C-88B9-084D3423D032}"/>
+    <dgm:cxn modelId="{BB21A3C0-76F5-41FD-948D-98E545FFF2A8}" type="presParOf" srcId="{33ACF326-81FD-4E35-9359-9A9E9D41BDF4}" destId="{62C44A56-8F39-4699-99AD-4C9C3D82A8DF}" srcOrd="0" destOrd="0" presId="urn:microsoft.com/office/officeart/2005/8/layout/hierarchy1"/>
+    <dgm:cxn modelId="{18726C04-F473-43FA-B75A-5C10DBB29105}" type="presParOf" srcId="{62C44A56-8F39-4699-99AD-4C9C3D82A8DF}" destId="{208E053B-B265-432E-B8A5-F770F497EBC0}" srcOrd="0" destOrd="0" presId="urn:microsoft.com/office/officeart/2005/8/layout/hierarchy1"/>
+    <dgm:cxn modelId="{BE4B41C2-B98C-404E-B71A-13D4760CD099}" type="presParOf" srcId="{208E053B-B265-432E-B8A5-F770F497EBC0}" destId="{CCCEDAC2-9748-446C-BC5C-2311D4989EC4}" srcOrd="0" destOrd="0" presId="urn:microsoft.com/office/officeart/2005/8/layout/hierarchy1"/>
+    <dgm:cxn modelId="{398B5E85-48B1-41D8-B5FC-DE2EF8F6D9DF}" type="presParOf" srcId="{208E053B-B265-432E-B8A5-F770F497EBC0}" destId="{FFEB3100-A889-4787-9C63-11E12F918471}" srcOrd="1" destOrd="0" presId="urn:microsoft.com/office/officeart/2005/8/layout/hierarchy1"/>
+    <dgm:cxn modelId="{26BE3ACA-9F57-42B5-90C0-64E6DB262B7E}" type="presParOf" srcId="{62C44A56-8F39-4699-99AD-4C9C3D82A8DF}" destId="{DF72630B-1C64-49C5-9CF1-C62817CF4616}" srcOrd="1" destOrd="0" presId="urn:microsoft.com/office/officeart/2005/8/layout/hierarchy1"/>
+    <dgm:cxn modelId="{F375A9E4-30B6-4E23-8A1E-452998B32A62}" type="presParOf" srcId="{33ACF326-81FD-4E35-9359-9A9E9D41BDF4}" destId="{DC46D004-1AE6-41E7-8AF4-74A372C552C6}" srcOrd="1" destOrd="0" presId="urn:microsoft.com/office/officeart/2005/8/layout/hierarchy1"/>
+    <dgm:cxn modelId="{FDB131E2-3262-4605-AA82-D746B8D8DC39}" type="presParOf" srcId="{DC46D004-1AE6-41E7-8AF4-74A372C552C6}" destId="{4498C0D4-00D0-402D-987D-B81C7C427CDC}" srcOrd="0" destOrd="0" presId="urn:microsoft.com/office/officeart/2005/8/layout/hierarchy1"/>
+    <dgm:cxn modelId="{3EDA50C7-1D9A-47CA-AC09-3587C78C950B}" type="presParOf" srcId="{4498C0D4-00D0-402D-987D-B81C7C427CDC}" destId="{7933BDFD-5BB1-4A33-AA9F-AFE32726F74C}" srcOrd="0" destOrd="0" presId="urn:microsoft.com/office/officeart/2005/8/layout/hierarchy1"/>
+    <dgm:cxn modelId="{3DB21111-5D95-4820-98EC-C641E3BD525E}" type="presParOf" srcId="{4498C0D4-00D0-402D-987D-B81C7C427CDC}" destId="{829D5F42-A7B5-4357-8207-9A256C52F517}" srcOrd="1" destOrd="0" presId="urn:microsoft.com/office/officeart/2005/8/layout/hierarchy1"/>
+    <dgm:cxn modelId="{3318A225-AFF3-49BC-849B-CA1AC0BE16D0}" type="presParOf" srcId="{DC46D004-1AE6-41E7-8AF4-74A372C552C6}" destId="{F56550BA-CF93-412E-AC10-5AEA6784D0B5}" srcOrd="1" destOrd="0" presId="urn:microsoft.com/office/officeart/2005/8/layout/hierarchy1"/>
+    <dgm:cxn modelId="{41AFFCD1-E48A-48B7-86A1-5325999A3FC6}" type="presParOf" srcId="{33ACF326-81FD-4E35-9359-9A9E9D41BDF4}" destId="{2E16710B-9A8F-4D87-87C8-C6DA69041666}" srcOrd="2" destOrd="0" presId="urn:microsoft.com/office/officeart/2005/8/layout/hierarchy1"/>
+    <dgm:cxn modelId="{BB8EC1AC-DC69-4416-B8E3-6807926525D4}" type="presParOf" srcId="{2E16710B-9A8F-4D87-87C8-C6DA69041666}" destId="{803B3FDD-3E45-4A39-934C-DECCA53877B0}" srcOrd="0" destOrd="0" presId="urn:microsoft.com/office/officeart/2005/8/layout/hierarchy1"/>
+    <dgm:cxn modelId="{6DA1054B-1F3F-48D1-AA99-2368C9122791}" type="presParOf" srcId="{803B3FDD-3E45-4A39-934C-DECCA53877B0}" destId="{16A05D10-0FCC-455A-B348-CFC4DDD89688}" srcOrd="0" destOrd="0" presId="urn:microsoft.com/office/officeart/2005/8/layout/hierarchy1"/>
+    <dgm:cxn modelId="{77E9D3AD-0072-4BEB-9E07-559927F78C61}" type="presParOf" srcId="{803B3FDD-3E45-4A39-934C-DECCA53877B0}" destId="{A52B1A8C-9C02-45AF-B5B2-D081FDAC44AC}" srcOrd="1" destOrd="0" presId="urn:microsoft.com/office/officeart/2005/8/layout/hierarchy1"/>
+    <dgm:cxn modelId="{52452274-30DE-49BA-A7B9-6D9DD160A080}" type="presParOf" srcId="{2E16710B-9A8F-4D87-87C8-C6DA69041666}" destId="{30099FD3-36BB-459F-94FD-E1E44BD28AF2}" srcOrd="1" destOrd="0" presId="urn:microsoft.com/office/officeart/2005/8/layout/hierarchy1"/>
+  </dgm:cxnLst>
+  <dgm:bg/>
+  <dgm:whole/>
+  <dgm:extLst>
+    <a:ext uri="http://schemas.microsoft.com/office/drawing/2008/diagram">
+      <dsp:dataModelExt xmlns:dsp="http://schemas.microsoft.com/office/drawing/2008/diagram" relId="rId6" minVer="http://schemas.openxmlformats.org/drawingml/2006/diagram"/>
+    </a:ext>
+  </dgm:extLst>
+</dgm:dataModel>
+</file>
+
+<file path=ppt/diagrams/data2.xml><?xml version="1.0" encoding="utf-8"?>
 <dgm:dataModel xmlns:dgm="http://schemas.openxmlformats.org/drawingml/2006/diagram" xmlns:a="http://schemas.openxmlformats.org/drawingml/2006/main">
   <dgm:ptLst>
     <dgm:pt modelId="{13D62DB6-3C90-41BE-84E6-7D495A207D93}" type="doc">
@@ -1121,6 +2120,408 @@
 </file>
 
 <file path=ppt/diagrams/drawing1.xml><?xml version="1.0" encoding="utf-8"?>
+<dsp:drawing xmlns:dgm="http://schemas.openxmlformats.org/drawingml/2006/diagram" xmlns:dsp="http://schemas.microsoft.com/office/drawing/2008/diagram" xmlns:a="http://schemas.openxmlformats.org/drawingml/2006/main">
+  <dsp:spTree>
+    <dsp:nvGrpSpPr>
+      <dsp:cNvPr id="0" name=""/>
+      <dsp:cNvGrpSpPr/>
+    </dsp:nvGrpSpPr>
+    <dsp:grpSpPr/>
+    <dsp:sp modelId="{CCCEDAC2-9748-446C-BC5C-2311D4989EC4}">
+      <dsp:nvSpPr>
+        <dsp:cNvPr id="0" name=""/>
+        <dsp:cNvSpPr/>
+      </dsp:nvSpPr>
+      <dsp:spPr>
+        <a:xfrm>
+          <a:off x="0" y="567487"/>
+          <a:ext cx="3064322" cy="1945844"/>
+        </a:xfrm>
+        <a:prstGeom prst="roundRect">
+          <a:avLst>
+            <a:gd name="adj" fmla="val 10000"/>
+          </a:avLst>
+        </a:prstGeom>
+        <a:solidFill>
+          <a:schemeClr val="accent1">
+            <a:hueOff val="0"/>
+            <a:satOff val="0"/>
+            <a:lumOff val="0"/>
+            <a:alphaOff val="0"/>
+          </a:schemeClr>
+        </a:solidFill>
+        <a:ln w="19050" cap="rnd" cmpd="sng" algn="ctr">
+          <a:solidFill>
+            <a:schemeClr val="lt1">
+              <a:hueOff val="0"/>
+              <a:satOff val="0"/>
+              <a:lumOff val="0"/>
+              <a:alphaOff val="0"/>
+            </a:schemeClr>
+          </a:solidFill>
+          <a:prstDash val="solid"/>
+        </a:ln>
+        <a:effectLst/>
+      </dsp:spPr>
+      <dsp:style>
+        <a:lnRef idx="2">
+          <a:scrgbClr r="0" g="0" b="0"/>
+        </a:lnRef>
+        <a:fillRef idx="1">
+          <a:scrgbClr r="0" g="0" b="0"/>
+        </a:fillRef>
+        <a:effectRef idx="0">
+          <a:scrgbClr r="0" g="0" b="0"/>
+        </a:effectRef>
+        <a:fontRef idx="minor">
+          <a:schemeClr val="lt1"/>
+        </a:fontRef>
+      </dsp:style>
+    </dsp:sp>
+    <dsp:sp modelId="{FFEB3100-A889-4787-9C63-11E12F918471}">
+      <dsp:nvSpPr>
+        <dsp:cNvPr id="0" name=""/>
+        <dsp:cNvSpPr/>
+      </dsp:nvSpPr>
+      <dsp:spPr>
+        <a:xfrm>
+          <a:off x="340480" y="890944"/>
+          <a:ext cx="3064322" cy="1945844"/>
+        </a:xfrm>
+        <a:prstGeom prst="roundRect">
+          <a:avLst>
+            <a:gd name="adj" fmla="val 10000"/>
+          </a:avLst>
+        </a:prstGeom>
+        <a:solidFill>
+          <a:schemeClr val="lt1">
+            <a:alpha val="90000"/>
+            <a:hueOff val="0"/>
+            <a:satOff val="0"/>
+            <a:lumOff val="0"/>
+            <a:alphaOff val="0"/>
+          </a:schemeClr>
+        </a:solidFill>
+        <a:ln w="19050" cap="rnd" cmpd="sng" algn="ctr">
+          <a:solidFill>
+            <a:schemeClr val="accent1">
+              <a:hueOff val="0"/>
+              <a:satOff val="0"/>
+              <a:lumOff val="0"/>
+              <a:alphaOff val="0"/>
+            </a:schemeClr>
+          </a:solidFill>
+          <a:prstDash val="solid"/>
+        </a:ln>
+        <a:effectLst/>
+      </dsp:spPr>
+      <dsp:style>
+        <a:lnRef idx="2">
+          <a:scrgbClr r="0" g="0" b="0"/>
+        </a:lnRef>
+        <a:fillRef idx="1">
+          <a:scrgbClr r="0" g="0" b="0"/>
+        </a:fillRef>
+        <a:effectRef idx="0">
+          <a:scrgbClr r="0" g="0" b="0"/>
+        </a:effectRef>
+        <a:fontRef idx="minor"/>
+      </dsp:style>
+      <dsp:txBody>
+        <a:bodyPr spcFirstLastPara="0" vert="horz" wrap="square" lIns="72390" tIns="72390" rIns="72390" bIns="72390" numCol="1" spcCol="1270" anchor="ctr" anchorCtr="0">
+          <a:noAutofit/>
+        </a:bodyPr>
+        <a:lstStyle/>
+        <a:p>
+          <a:pPr marL="0" lvl="0" indent="0" algn="ctr" defTabSz="844550">
+            <a:lnSpc>
+              <a:spcPct val="90000"/>
+            </a:lnSpc>
+            <a:spcBef>
+              <a:spcPct val="0"/>
+            </a:spcBef>
+            <a:spcAft>
+              <a:spcPct val="35000"/>
+            </a:spcAft>
+            <a:buNone/>
+          </a:pPr>
+          <a:r>
+            <a:rPr lang="en-GB" sz="1900" b="0" i="0" kern="1200"/>
+            <a:t>Create a simple command line application that is being controlled by Leap Motion. </a:t>
+          </a:r>
+          <a:endParaRPr lang="en-US" sz="1900" kern="1200"/>
+        </a:p>
+      </dsp:txBody>
+      <dsp:txXfrm>
+        <a:off x="397472" y="947936"/>
+        <a:ext cx="2950338" cy="1831860"/>
+      </dsp:txXfrm>
+    </dsp:sp>
+    <dsp:sp modelId="{7933BDFD-5BB1-4A33-AA9F-AFE32726F74C}">
+      <dsp:nvSpPr>
+        <dsp:cNvPr id="0" name=""/>
+        <dsp:cNvSpPr/>
+      </dsp:nvSpPr>
+      <dsp:spPr>
+        <a:xfrm>
+          <a:off x="3745283" y="567487"/>
+          <a:ext cx="3064322" cy="1945844"/>
+        </a:xfrm>
+        <a:prstGeom prst="roundRect">
+          <a:avLst>
+            <a:gd name="adj" fmla="val 10000"/>
+          </a:avLst>
+        </a:prstGeom>
+        <a:solidFill>
+          <a:schemeClr val="accent1">
+            <a:hueOff val="0"/>
+            <a:satOff val="0"/>
+            <a:lumOff val="0"/>
+            <a:alphaOff val="0"/>
+          </a:schemeClr>
+        </a:solidFill>
+        <a:ln w="19050" cap="rnd" cmpd="sng" algn="ctr">
+          <a:solidFill>
+            <a:schemeClr val="lt1">
+              <a:hueOff val="0"/>
+              <a:satOff val="0"/>
+              <a:lumOff val="0"/>
+              <a:alphaOff val="0"/>
+            </a:schemeClr>
+          </a:solidFill>
+          <a:prstDash val="solid"/>
+        </a:ln>
+        <a:effectLst/>
+      </dsp:spPr>
+      <dsp:style>
+        <a:lnRef idx="2">
+          <a:scrgbClr r="0" g="0" b="0"/>
+        </a:lnRef>
+        <a:fillRef idx="1">
+          <a:scrgbClr r="0" g="0" b="0"/>
+        </a:fillRef>
+        <a:effectRef idx="0">
+          <a:scrgbClr r="0" g="0" b="0"/>
+        </a:effectRef>
+        <a:fontRef idx="minor">
+          <a:schemeClr val="lt1"/>
+        </a:fontRef>
+      </dsp:style>
+    </dsp:sp>
+    <dsp:sp modelId="{829D5F42-A7B5-4357-8207-9A256C52F517}">
+      <dsp:nvSpPr>
+        <dsp:cNvPr id="0" name=""/>
+        <dsp:cNvSpPr/>
+      </dsp:nvSpPr>
+      <dsp:spPr>
+        <a:xfrm>
+          <a:off x="4085763" y="890944"/>
+          <a:ext cx="3064322" cy="1945844"/>
+        </a:xfrm>
+        <a:prstGeom prst="roundRect">
+          <a:avLst>
+            <a:gd name="adj" fmla="val 10000"/>
+          </a:avLst>
+        </a:prstGeom>
+        <a:solidFill>
+          <a:schemeClr val="lt1">
+            <a:alpha val="90000"/>
+            <a:hueOff val="0"/>
+            <a:satOff val="0"/>
+            <a:lumOff val="0"/>
+            <a:alphaOff val="0"/>
+          </a:schemeClr>
+        </a:solidFill>
+        <a:ln w="19050" cap="rnd" cmpd="sng" algn="ctr">
+          <a:solidFill>
+            <a:schemeClr val="accent1">
+              <a:hueOff val="0"/>
+              <a:satOff val="0"/>
+              <a:lumOff val="0"/>
+              <a:alphaOff val="0"/>
+            </a:schemeClr>
+          </a:solidFill>
+          <a:prstDash val="solid"/>
+        </a:ln>
+        <a:effectLst/>
+      </dsp:spPr>
+      <dsp:style>
+        <a:lnRef idx="2">
+          <a:scrgbClr r="0" g="0" b="0"/>
+        </a:lnRef>
+        <a:fillRef idx="1">
+          <a:scrgbClr r="0" g="0" b="0"/>
+        </a:fillRef>
+        <a:effectRef idx="0">
+          <a:scrgbClr r="0" g="0" b="0"/>
+        </a:effectRef>
+        <a:fontRef idx="minor"/>
+      </dsp:style>
+      <dsp:txBody>
+        <a:bodyPr spcFirstLastPara="0" vert="horz" wrap="square" lIns="72390" tIns="72390" rIns="72390" bIns="72390" numCol="1" spcCol="1270" anchor="ctr" anchorCtr="0">
+          <a:noAutofit/>
+        </a:bodyPr>
+        <a:lstStyle/>
+        <a:p>
+          <a:pPr marL="0" lvl="0" indent="0" algn="ctr" defTabSz="844550">
+            <a:lnSpc>
+              <a:spcPct val="90000"/>
+            </a:lnSpc>
+            <a:spcBef>
+              <a:spcPct val="0"/>
+            </a:spcBef>
+            <a:spcAft>
+              <a:spcPct val="35000"/>
+            </a:spcAft>
+            <a:buNone/>
+          </a:pPr>
+          <a:r>
+            <a:rPr lang="en-GB" sz="1900" b="0" i="0" kern="1200"/>
+            <a:t>Leap Motion will be connected to an Arduino board</a:t>
+          </a:r>
+          <a:endParaRPr lang="en-US" sz="1900" kern="1200"/>
+        </a:p>
+      </dsp:txBody>
+      <dsp:txXfrm>
+        <a:off x="4142755" y="947936"/>
+        <a:ext cx="2950338" cy="1831860"/>
+      </dsp:txXfrm>
+    </dsp:sp>
+    <dsp:sp modelId="{16A05D10-0FCC-455A-B348-CFC4DDD89688}">
+      <dsp:nvSpPr>
+        <dsp:cNvPr id="0" name=""/>
+        <dsp:cNvSpPr/>
+      </dsp:nvSpPr>
+      <dsp:spPr>
+        <a:xfrm>
+          <a:off x="7490566" y="567487"/>
+          <a:ext cx="3064322" cy="1945844"/>
+        </a:xfrm>
+        <a:prstGeom prst="roundRect">
+          <a:avLst>
+            <a:gd name="adj" fmla="val 10000"/>
+          </a:avLst>
+        </a:prstGeom>
+        <a:solidFill>
+          <a:schemeClr val="accent1">
+            <a:hueOff val="0"/>
+            <a:satOff val="0"/>
+            <a:lumOff val="0"/>
+            <a:alphaOff val="0"/>
+          </a:schemeClr>
+        </a:solidFill>
+        <a:ln w="19050" cap="rnd" cmpd="sng" algn="ctr">
+          <a:solidFill>
+            <a:schemeClr val="lt1">
+              <a:hueOff val="0"/>
+              <a:satOff val="0"/>
+              <a:lumOff val="0"/>
+              <a:alphaOff val="0"/>
+            </a:schemeClr>
+          </a:solidFill>
+          <a:prstDash val="solid"/>
+        </a:ln>
+        <a:effectLst/>
+      </dsp:spPr>
+      <dsp:style>
+        <a:lnRef idx="2">
+          <a:scrgbClr r="0" g="0" b="0"/>
+        </a:lnRef>
+        <a:fillRef idx="1">
+          <a:scrgbClr r="0" g="0" b="0"/>
+        </a:fillRef>
+        <a:effectRef idx="0">
+          <a:scrgbClr r="0" g="0" b="0"/>
+        </a:effectRef>
+        <a:fontRef idx="minor">
+          <a:schemeClr val="lt1"/>
+        </a:fontRef>
+      </dsp:style>
+    </dsp:sp>
+    <dsp:sp modelId="{A52B1A8C-9C02-45AF-B5B2-D081FDAC44AC}">
+      <dsp:nvSpPr>
+        <dsp:cNvPr id="0" name=""/>
+        <dsp:cNvSpPr/>
+      </dsp:nvSpPr>
+      <dsp:spPr>
+        <a:xfrm>
+          <a:off x="7831047" y="890944"/>
+          <a:ext cx="3064322" cy="1945844"/>
+        </a:xfrm>
+        <a:prstGeom prst="roundRect">
+          <a:avLst>
+            <a:gd name="adj" fmla="val 10000"/>
+          </a:avLst>
+        </a:prstGeom>
+        <a:solidFill>
+          <a:schemeClr val="lt1">
+            <a:alpha val="90000"/>
+            <a:hueOff val="0"/>
+            <a:satOff val="0"/>
+            <a:lumOff val="0"/>
+            <a:alphaOff val="0"/>
+          </a:schemeClr>
+        </a:solidFill>
+        <a:ln w="19050" cap="rnd" cmpd="sng" algn="ctr">
+          <a:solidFill>
+            <a:schemeClr val="accent1">
+              <a:hueOff val="0"/>
+              <a:satOff val="0"/>
+              <a:lumOff val="0"/>
+              <a:alphaOff val="0"/>
+            </a:schemeClr>
+          </a:solidFill>
+          <a:prstDash val="solid"/>
+        </a:ln>
+        <a:effectLst/>
+      </dsp:spPr>
+      <dsp:style>
+        <a:lnRef idx="2">
+          <a:scrgbClr r="0" g="0" b="0"/>
+        </a:lnRef>
+        <a:fillRef idx="1">
+          <a:scrgbClr r="0" g="0" b="0"/>
+        </a:fillRef>
+        <a:effectRef idx="0">
+          <a:scrgbClr r="0" g="0" b="0"/>
+        </a:effectRef>
+        <a:fontRef idx="minor"/>
+      </dsp:style>
+      <dsp:txBody>
+        <a:bodyPr spcFirstLastPara="0" vert="horz" wrap="square" lIns="72390" tIns="72390" rIns="72390" bIns="72390" numCol="1" spcCol="1270" anchor="ctr" anchorCtr="0">
+          <a:noAutofit/>
+        </a:bodyPr>
+        <a:lstStyle/>
+        <a:p>
+          <a:pPr marL="0" lvl="0" indent="0" algn="ctr" defTabSz="844550">
+            <a:lnSpc>
+              <a:spcPct val="90000"/>
+            </a:lnSpc>
+            <a:spcBef>
+              <a:spcPct val="0"/>
+            </a:spcBef>
+            <a:spcAft>
+              <a:spcPct val="35000"/>
+            </a:spcAft>
+            <a:buNone/>
+          </a:pPr>
+          <a:r>
+            <a:rPr lang="en-GB" sz="1900" b="0" i="0" kern="1200"/>
+            <a:t>Arduino board will be plugged into a Breadboard circuit with some LEDs to prove the gestures are working.</a:t>
+          </a:r>
+          <a:endParaRPr lang="en-US" sz="1900" kern="1200"/>
+        </a:p>
+      </dsp:txBody>
+      <dsp:txXfrm>
+        <a:off x="7888039" y="947936"/>
+        <a:ext cx="2950338" cy="1831860"/>
+      </dsp:txXfrm>
+    </dsp:sp>
+  </dsp:spTree>
+</dsp:drawing>
+</file>
+
+<file path=ppt/diagrams/drawing2.xml><?xml version="1.0" encoding="utf-8"?>
 <dsp:drawing xmlns:dgm="http://schemas.openxmlformats.org/drawingml/2006/diagram" xmlns:dsp="http://schemas.microsoft.com/office/drawing/2008/diagram" xmlns:a="http://schemas.openxmlformats.org/drawingml/2006/main">
   <dsp:spTree>
     <dsp:nvGrpSpPr>
@@ -1524,6 +2925,569 @@
 </file>
 
 <file path=ppt/diagrams/layout1.xml><?xml version="1.0" encoding="utf-8"?>
+<dgm:layoutDef xmlns:dgm="http://schemas.openxmlformats.org/drawingml/2006/diagram" xmlns:a="http://schemas.openxmlformats.org/drawingml/2006/main" uniqueId="urn:microsoft.com/office/officeart/2005/8/layout/hierarchy1">
+  <dgm:title val=""/>
+  <dgm:desc val=""/>
+  <dgm:catLst>
+    <dgm:cat type="hierarchy" pri="2000"/>
+  </dgm:catLst>
+  <dgm:sampData>
+    <dgm:dataModel>
+      <dgm:ptLst>
+        <dgm:pt modelId="0" type="doc"/>
+        <dgm:pt modelId="1">
+          <dgm:prSet phldr="1"/>
+        </dgm:pt>
+        <dgm:pt modelId="2">
+          <dgm:prSet phldr="1"/>
+        </dgm:pt>
+        <dgm:pt modelId="21">
+          <dgm:prSet phldr="1"/>
+        </dgm:pt>
+        <dgm:pt modelId="22">
+          <dgm:prSet phldr="1"/>
+        </dgm:pt>
+        <dgm:pt modelId="3">
+          <dgm:prSet phldr="1"/>
+        </dgm:pt>
+        <dgm:pt modelId="31">
+          <dgm:prSet phldr="1"/>
+        </dgm:pt>
+      </dgm:ptLst>
+      <dgm:cxnLst>
+        <dgm:cxn modelId="4" srcId="0" destId="1" srcOrd="0" destOrd="0"/>
+        <dgm:cxn modelId="5" srcId="1" destId="2" srcOrd="0" destOrd="0"/>
+        <dgm:cxn modelId="6" srcId="1" destId="3" srcOrd="1" destOrd="0"/>
+        <dgm:cxn modelId="23" srcId="2" destId="21" srcOrd="0" destOrd="0"/>
+        <dgm:cxn modelId="24" srcId="2" destId="22" srcOrd="1" destOrd="0"/>
+        <dgm:cxn modelId="33" srcId="3" destId="31" srcOrd="0" destOrd="0"/>
+      </dgm:cxnLst>
+      <dgm:bg/>
+      <dgm:whole/>
+    </dgm:dataModel>
+  </dgm:sampData>
+  <dgm:styleData>
+    <dgm:dataModel>
+      <dgm:ptLst>
+        <dgm:pt modelId="0" type="doc"/>
+        <dgm:pt modelId="1"/>
+        <dgm:pt modelId="11"/>
+        <dgm:pt modelId="12"/>
+      </dgm:ptLst>
+      <dgm:cxnLst>
+        <dgm:cxn modelId="2" srcId="0" destId="1" srcOrd="0" destOrd="0"/>
+        <dgm:cxn modelId="13" srcId="1" destId="11" srcOrd="0" destOrd="0"/>
+        <dgm:cxn modelId="14" srcId="1" destId="12" srcOrd="1" destOrd="0"/>
+      </dgm:cxnLst>
+      <dgm:bg/>
+      <dgm:whole/>
+    </dgm:dataModel>
+  </dgm:styleData>
+  <dgm:clrData>
+    <dgm:dataModel>
+      <dgm:ptLst>
+        <dgm:pt modelId="0" type="doc"/>
+        <dgm:pt modelId="1"/>
+        <dgm:pt modelId="2"/>
+        <dgm:pt modelId="21"/>
+        <dgm:pt modelId="211"/>
+        <dgm:pt modelId="3"/>
+        <dgm:pt modelId="31"/>
+        <dgm:pt modelId="311"/>
+      </dgm:ptLst>
+      <dgm:cxnLst>
+        <dgm:cxn modelId="4" srcId="0" destId="1" srcOrd="0" destOrd="0"/>
+        <dgm:cxn modelId="5" srcId="1" destId="2" srcOrd="0" destOrd="0"/>
+        <dgm:cxn modelId="6" srcId="1" destId="3" srcOrd="1" destOrd="0"/>
+        <dgm:cxn modelId="23" srcId="2" destId="21" srcOrd="0" destOrd="0"/>
+        <dgm:cxn modelId="24" srcId="21" destId="211" srcOrd="0" destOrd="0"/>
+        <dgm:cxn modelId="33" srcId="3" destId="31" srcOrd="0" destOrd="0"/>
+        <dgm:cxn modelId="34" srcId="31" destId="311" srcOrd="0" destOrd="0"/>
+      </dgm:cxnLst>
+      <dgm:bg/>
+      <dgm:whole/>
+    </dgm:dataModel>
+  </dgm:clrData>
+  <dgm:layoutNode name="hierChild1">
+    <dgm:varLst>
+      <dgm:chPref val="1"/>
+      <dgm:dir/>
+      <dgm:animOne val="branch"/>
+      <dgm:animLvl val="lvl"/>
+      <dgm:resizeHandles/>
+    </dgm:varLst>
+    <dgm:choose name="Name0">
+      <dgm:if name="Name1" func="var" arg="dir" op="equ" val="norm">
+        <dgm:alg type="hierChild">
+          <dgm:param type="linDir" val="fromL"/>
+        </dgm:alg>
+      </dgm:if>
+      <dgm:else name="Name2">
+        <dgm:alg type="hierChild">
+          <dgm:param type="linDir" val="fromR"/>
+        </dgm:alg>
+      </dgm:else>
+    </dgm:choose>
+    <dgm:shape xmlns:r="http://schemas.openxmlformats.org/officeDocument/2006/relationships" r:blip="">
+      <dgm:adjLst/>
+    </dgm:shape>
+    <dgm:presOf/>
+    <dgm:constrLst>
+      <dgm:constr type="primFontSz" for="des" ptType="node" op="equ" val="65"/>
+      <dgm:constr type="w" for="des" forName="composite" refType="w"/>
+      <dgm:constr type="h" for="des" forName="composite" refType="w" refFor="des" refForName="composite" fact="0.667"/>
+      <dgm:constr type="w" for="des" forName="composite2" refType="w" refFor="des" refForName="composite"/>
+      <dgm:constr type="h" for="des" forName="composite2" refType="h" refFor="des" refForName="composite"/>
+      <dgm:constr type="w" for="des" forName="composite3" refType="w" refFor="des" refForName="composite"/>
+      <dgm:constr type="h" for="des" forName="composite3" refType="h" refFor="des" refForName="composite"/>
+      <dgm:constr type="w" for="des" forName="composite4" refType="w" refFor="des" refForName="composite"/>
+      <dgm:constr type="h" for="des" forName="composite4" refType="h" refFor="des" refForName="composite"/>
+      <dgm:constr type="w" for="des" forName="composite5" refType="w" refFor="des" refForName="composite"/>
+      <dgm:constr type="h" for="des" forName="composite5" refType="h" refFor="des" refForName="composite"/>
+      <dgm:constr type="sibSp" refType="w" refFor="des" refForName="composite" fact="0.1"/>
+      <dgm:constr type="sibSp" for="des" forName="hierChild2" refType="sibSp"/>
+      <dgm:constr type="sibSp" for="des" forName="hierChild3" refType="sibSp"/>
+      <dgm:constr type="sibSp" for="des" forName="hierChild4" refType="sibSp"/>
+      <dgm:constr type="sibSp" for="des" forName="hierChild5" refType="sibSp"/>
+      <dgm:constr type="sibSp" for="des" forName="hierChild6" refType="sibSp"/>
+      <dgm:constr type="sp" for="des" forName="hierRoot1" refType="h" refFor="des" refForName="composite" fact="0.25"/>
+      <dgm:constr type="sp" for="des" forName="hierRoot2" refType="sp" refFor="des" refForName="hierRoot1"/>
+      <dgm:constr type="sp" for="des" forName="hierRoot3" refType="sp" refFor="des" refForName="hierRoot1"/>
+      <dgm:constr type="sp" for="des" forName="hierRoot4" refType="sp" refFor="des" refForName="hierRoot1"/>
+      <dgm:constr type="sp" for="des" forName="hierRoot5" refType="sp" refFor="des" refForName="hierRoot1"/>
+    </dgm:constrLst>
+    <dgm:ruleLst/>
+    <dgm:forEach name="Name3" axis="ch">
+      <dgm:forEach name="Name4" axis="self" ptType="node">
+        <dgm:layoutNode name="hierRoot1">
+          <dgm:alg type="hierRoot"/>
+          <dgm:shape xmlns:r="http://schemas.openxmlformats.org/officeDocument/2006/relationships" r:blip="">
+            <dgm:adjLst/>
+          </dgm:shape>
+          <dgm:presOf/>
+          <dgm:constrLst>
+            <dgm:constr type="bendDist" for="des" ptType="parTrans" refType="sp" fact="0.5"/>
+          </dgm:constrLst>
+          <dgm:ruleLst/>
+          <dgm:layoutNode name="composite">
+            <dgm:alg type="composite"/>
+            <dgm:shape xmlns:r="http://schemas.openxmlformats.org/officeDocument/2006/relationships" r:blip="">
+              <dgm:adjLst/>
+            </dgm:shape>
+            <dgm:presOf/>
+            <dgm:constrLst>
+              <dgm:constr type="w" for="ch" forName="background" refType="w" fact="0.9"/>
+              <dgm:constr type="h" for="ch" forName="background" refType="w" refFor="ch" refForName="background" fact="0.635"/>
+              <dgm:constr type="t" for="ch" forName="background"/>
+              <dgm:constr type="l" for="ch" forName="background"/>
+              <dgm:constr type="w" for="ch" forName="text" refType="w" fact="0.9"/>
+              <dgm:constr type="h" for="ch" forName="text" refType="w" refFor="ch" refForName="text" fact="0.635"/>
+              <dgm:constr type="t" for="ch" forName="text" refType="w" fact="0.095"/>
+              <dgm:constr type="l" for="ch" forName="text" refType="w" fact="0.1"/>
+            </dgm:constrLst>
+            <dgm:ruleLst/>
+            <dgm:layoutNode name="background" styleLbl="node0" moveWith="text">
+              <dgm:alg type="sp"/>
+              <dgm:shape xmlns:r="http://schemas.openxmlformats.org/officeDocument/2006/relationships" type="roundRect" r:blip="">
+                <dgm:adjLst>
+                  <dgm:adj idx="1" val="0.1"/>
+                </dgm:adjLst>
+              </dgm:shape>
+              <dgm:presOf/>
+              <dgm:constrLst/>
+              <dgm:ruleLst/>
+            </dgm:layoutNode>
+            <dgm:layoutNode name="text" styleLbl="fgAcc0">
+              <dgm:varLst>
+                <dgm:chPref val="3"/>
+              </dgm:varLst>
+              <dgm:alg type="tx"/>
+              <dgm:shape xmlns:r="http://schemas.openxmlformats.org/officeDocument/2006/relationships" type="roundRect" r:blip="">
+                <dgm:adjLst>
+                  <dgm:adj idx="1" val="0.1"/>
+                </dgm:adjLst>
+              </dgm:shape>
+              <dgm:presOf axis="self"/>
+              <dgm:constrLst>
+                <dgm:constr type="tMarg" refType="primFontSz" fact="0.3"/>
+                <dgm:constr type="bMarg" refType="primFontSz" fact="0.3"/>
+                <dgm:constr type="lMarg" refType="primFontSz" fact="0.3"/>
+                <dgm:constr type="rMarg" refType="primFontSz" fact="0.3"/>
+              </dgm:constrLst>
+              <dgm:ruleLst>
+                <dgm:rule type="primFontSz" val="5" fact="NaN" max="NaN"/>
+              </dgm:ruleLst>
+            </dgm:layoutNode>
+          </dgm:layoutNode>
+          <dgm:layoutNode name="hierChild2">
+            <dgm:choose name="Name5">
+              <dgm:if name="Name6" func="var" arg="dir" op="equ" val="norm">
+                <dgm:alg type="hierChild">
+                  <dgm:param type="linDir" val="fromL"/>
+                </dgm:alg>
+              </dgm:if>
+              <dgm:else name="Name7">
+                <dgm:alg type="hierChild">
+                  <dgm:param type="linDir" val="fromR"/>
+                </dgm:alg>
+              </dgm:else>
+            </dgm:choose>
+            <dgm:shape xmlns:r="http://schemas.openxmlformats.org/officeDocument/2006/relationships" r:blip="">
+              <dgm:adjLst/>
+            </dgm:shape>
+            <dgm:presOf/>
+            <dgm:constrLst/>
+            <dgm:ruleLst/>
+            <dgm:forEach name="Name8" axis="ch">
+              <dgm:forEach name="Name9" axis="self" ptType="parTrans" cnt="1">
+                <dgm:layoutNode name="Name10">
+                  <dgm:alg type="conn">
+                    <dgm:param type="dim" val="1D"/>
+                    <dgm:param type="endSty" val="noArr"/>
+                    <dgm:param type="connRout" val="bend"/>
+                    <dgm:param type="bendPt" val="end"/>
+                    <dgm:param type="begPts" val="bCtr"/>
+                    <dgm:param type="endPts" val="tCtr"/>
+                    <dgm:param type="srcNode" val="background"/>
+                    <dgm:param type="dstNode" val="background2"/>
+                  </dgm:alg>
+                  <dgm:shape xmlns:r="http://schemas.openxmlformats.org/officeDocument/2006/relationships" type="conn" r:blip="" zOrderOff="-999">
+                    <dgm:adjLst/>
+                  </dgm:shape>
+                  <dgm:presOf axis="self"/>
+                  <dgm:constrLst>
+                    <dgm:constr type="begPad"/>
+                    <dgm:constr type="endPad"/>
+                  </dgm:constrLst>
+                  <dgm:ruleLst/>
+                </dgm:layoutNode>
+              </dgm:forEach>
+              <dgm:forEach name="Name11" axis="self" ptType="node">
+                <dgm:layoutNode name="hierRoot2">
+                  <dgm:alg type="hierRoot"/>
+                  <dgm:shape xmlns:r="http://schemas.openxmlformats.org/officeDocument/2006/relationships" r:blip="">
+                    <dgm:adjLst/>
+                  </dgm:shape>
+                  <dgm:presOf/>
+                  <dgm:constrLst>
+                    <dgm:constr type="bendDist" for="des" ptType="parTrans" refType="sp" fact="0.5"/>
+                  </dgm:constrLst>
+                  <dgm:ruleLst/>
+                  <dgm:layoutNode name="composite2">
+                    <dgm:alg type="composite"/>
+                    <dgm:shape xmlns:r="http://schemas.openxmlformats.org/officeDocument/2006/relationships" r:blip="">
+                      <dgm:adjLst/>
+                    </dgm:shape>
+                    <dgm:presOf/>
+                    <dgm:constrLst>
+                      <dgm:constr type="w" for="ch" forName="background2" refType="w" fact="0.9"/>
+                      <dgm:constr type="h" for="ch" forName="background2" refType="w" refFor="ch" refForName="background2" fact="0.635"/>
+                      <dgm:constr type="t" for="ch" forName="background2"/>
+                      <dgm:constr type="l" for="ch" forName="background2"/>
+                      <dgm:constr type="w" for="ch" forName="text2" refType="w" fact="0.9"/>
+                      <dgm:constr type="h" for="ch" forName="text2" refType="w" refFor="ch" refForName="text2" fact="0.635"/>
+                      <dgm:constr type="t" for="ch" forName="text2" refType="w" fact="0.095"/>
+                      <dgm:constr type="l" for="ch" forName="text2" refType="w" fact="0.1"/>
+                    </dgm:constrLst>
+                    <dgm:ruleLst/>
+                    <dgm:layoutNode name="background2" moveWith="text2">
+                      <dgm:alg type="sp"/>
+                      <dgm:shape xmlns:r="http://schemas.openxmlformats.org/officeDocument/2006/relationships" type="roundRect" r:blip="">
+                        <dgm:adjLst>
+                          <dgm:adj idx="1" val="0.1"/>
+                        </dgm:adjLst>
+                      </dgm:shape>
+                      <dgm:presOf/>
+                      <dgm:constrLst/>
+                      <dgm:ruleLst/>
+                    </dgm:layoutNode>
+                    <dgm:layoutNode name="text2" styleLbl="fgAcc2">
+                      <dgm:varLst>
+                        <dgm:chPref val="3"/>
+                      </dgm:varLst>
+                      <dgm:alg type="tx"/>
+                      <dgm:shape xmlns:r="http://schemas.openxmlformats.org/officeDocument/2006/relationships" type="roundRect" r:blip="">
+                        <dgm:adjLst>
+                          <dgm:adj idx="1" val="0.1"/>
+                        </dgm:adjLst>
+                      </dgm:shape>
+                      <dgm:presOf axis="self"/>
+                      <dgm:constrLst>
+                        <dgm:constr type="tMarg" refType="primFontSz" fact="0.3"/>
+                        <dgm:constr type="bMarg" refType="primFontSz" fact="0.3"/>
+                        <dgm:constr type="lMarg" refType="primFontSz" fact="0.3"/>
+                        <dgm:constr type="rMarg" refType="primFontSz" fact="0.3"/>
+                      </dgm:constrLst>
+                      <dgm:ruleLst>
+                        <dgm:rule type="primFontSz" val="5" fact="NaN" max="NaN"/>
+                      </dgm:ruleLst>
+                    </dgm:layoutNode>
+                  </dgm:layoutNode>
+                  <dgm:layoutNode name="hierChild3">
+                    <dgm:choose name="Name12">
+                      <dgm:if name="Name13" func="var" arg="dir" op="equ" val="norm">
+                        <dgm:alg type="hierChild">
+                          <dgm:param type="linDir" val="fromL"/>
+                        </dgm:alg>
+                      </dgm:if>
+                      <dgm:else name="Name14">
+                        <dgm:alg type="hierChild">
+                          <dgm:param type="linDir" val="fromR"/>
+                        </dgm:alg>
+                      </dgm:else>
+                    </dgm:choose>
+                    <dgm:shape xmlns:r="http://schemas.openxmlformats.org/officeDocument/2006/relationships" r:blip="">
+                      <dgm:adjLst/>
+                    </dgm:shape>
+                    <dgm:presOf/>
+                    <dgm:constrLst/>
+                    <dgm:ruleLst/>
+                    <dgm:forEach name="Name15" axis="ch">
+                      <dgm:forEach name="Name16" axis="self" ptType="parTrans" cnt="1">
+                        <dgm:layoutNode name="Name17">
+                          <dgm:alg type="conn">
+                            <dgm:param type="dim" val="1D"/>
+                            <dgm:param type="endSty" val="noArr"/>
+                            <dgm:param type="connRout" val="bend"/>
+                            <dgm:param type="bendPt" val="end"/>
+                            <dgm:param type="begPts" val="bCtr"/>
+                            <dgm:param type="endPts" val="tCtr"/>
+                            <dgm:param type="srcNode" val="background2"/>
+                            <dgm:param type="dstNode" val="background3"/>
+                          </dgm:alg>
+                          <dgm:shape xmlns:r="http://schemas.openxmlformats.org/officeDocument/2006/relationships" type="conn" r:blip="" zOrderOff="-999">
+                            <dgm:adjLst/>
+                          </dgm:shape>
+                          <dgm:presOf axis="self"/>
+                          <dgm:constrLst>
+                            <dgm:constr type="begPad"/>
+                            <dgm:constr type="endPad"/>
+                          </dgm:constrLst>
+                          <dgm:ruleLst/>
+                        </dgm:layoutNode>
+                      </dgm:forEach>
+                      <dgm:forEach name="Name18" axis="self" ptType="node">
+                        <dgm:layoutNode name="hierRoot3">
+                          <dgm:alg type="hierRoot"/>
+                          <dgm:shape xmlns:r="http://schemas.openxmlformats.org/officeDocument/2006/relationships" r:blip="">
+                            <dgm:adjLst/>
+                          </dgm:shape>
+                          <dgm:presOf/>
+                          <dgm:constrLst>
+                            <dgm:constr type="bendDist" for="des" ptType="parTrans" refType="sp" fact="0.5"/>
+                          </dgm:constrLst>
+                          <dgm:ruleLst/>
+                          <dgm:layoutNode name="composite3">
+                            <dgm:alg type="composite"/>
+                            <dgm:shape xmlns:r="http://schemas.openxmlformats.org/officeDocument/2006/relationships" r:blip="">
+                              <dgm:adjLst/>
+                            </dgm:shape>
+                            <dgm:presOf/>
+                            <dgm:constrLst>
+                              <dgm:constr type="w" for="ch" forName="background3" refType="w" fact="0.9"/>
+                              <dgm:constr type="h" for="ch" forName="background3" refType="w" refFor="ch" refForName="background3" fact="0.635"/>
+                              <dgm:constr type="t" for="ch" forName="background3"/>
+                              <dgm:constr type="l" for="ch" forName="background3"/>
+                              <dgm:constr type="w" for="ch" forName="text3" refType="w" fact="0.9"/>
+                              <dgm:constr type="h" for="ch" forName="text3" refType="w" refFor="ch" refForName="text3" fact="0.635"/>
+                              <dgm:constr type="t" for="ch" forName="text3" refType="w" fact="0.095"/>
+                              <dgm:constr type="l" for="ch" forName="text3" refType="w" fact="0.1"/>
+                            </dgm:constrLst>
+                            <dgm:ruleLst/>
+                            <dgm:layoutNode name="background3" moveWith="text3">
+                              <dgm:alg type="sp"/>
+                              <dgm:shape xmlns:r="http://schemas.openxmlformats.org/officeDocument/2006/relationships" type="roundRect" r:blip="">
+                                <dgm:adjLst>
+                                  <dgm:adj idx="1" val="0.1"/>
+                                </dgm:adjLst>
+                              </dgm:shape>
+                              <dgm:presOf/>
+                              <dgm:constrLst/>
+                              <dgm:ruleLst/>
+                            </dgm:layoutNode>
+                            <dgm:layoutNode name="text3" styleLbl="fgAcc3">
+                              <dgm:varLst>
+                                <dgm:chPref val="3"/>
+                              </dgm:varLst>
+                              <dgm:alg type="tx"/>
+                              <dgm:shape xmlns:r="http://schemas.openxmlformats.org/officeDocument/2006/relationships" type="roundRect" r:blip="">
+                                <dgm:adjLst>
+                                  <dgm:adj idx="1" val="0.1"/>
+                                </dgm:adjLst>
+                              </dgm:shape>
+                              <dgm:presOf axis="self"/>
+                              <dgm:constrLst>
+                                <dgm:constr type="tMarg" refType="primFontSz" fact="0.3"/>
+                                <dgm:constr type="bMarg" refType="primFontSz" fact="0.3"/>
+                                <dgm:constr type="lMarg" refType="primFontSz" fact="0.3"/>
+                                <dgm:constr type="rMarg" refType="primFontSz" fact="0.3"/>
+                              </dgm:constrLst>
+                              <dgm:ruleLst>
+                                <dgm:rule type="primFontSz" val="5" fact="NaN" max="NaN"/>
+                              </dgm:ruleLst>
+                            </dgm:layoutNode>
+                          </dgm:layoutNode>
+                          <dgm:layoutNode name="hierChild4">
+                            <dgm:choose name="Name19">
+                              <dgm:if name="Name20" func="var" arg="dir" op="equ" val="norm">
+                                <dgm:alg type="hierChild">
+                                  <dgm:param type="linDir" val="fromL"/>
+                                </dgm:alg>
+                              </dgm:if>
+                              <dgm:else name="Name21">
+                                <dgm:alg type="hierChild">
+                                  <dgm:param type="linDir" val="fromR"/>
+                                </dgm:alg>
+                              </dgm:else>
+                            </dgm:choose>
+                            <dgm:shape xmlns:r="http://schemas.openxmlformats.org/officeDocument/2006/relationships" r:blip="">
+                              <dgm:adjLst/>
+                            </dgm:shape>
+                            <dgm:presOf/>
+                            <dgm:constrLst/>
+                            <dgm:ruleLst/>
+                            <dgm:forEach name="repeat" axis="ch">
+                              <dgm:forEach name="Name22" axis="self" ptType="parTrans" cnt="1">
+                                <dgm:layoutNode name="Name23">
+                                  <dgm:choose name="Name24">
+                                    <dgm:if name="Name25" axis="self" func="depth" op="lte" val="4">
+                                      <dgm:alg type="conn">
+                                        <dgm:param type="dim" val="1D"/>
+                                        <dgm:param type="endSty" val="noArr"/>
+                                        <dgm:param type="connRout" val="bend"/>
+                                        <dgm:param type="bendPt" val="end"/>
+                                        <dgm:param type="begPts" val="bCtr"/>
+                                        <dgm:param type="endPts" val="tCtr"/>
+                                        <dgm:param type="srcNode" val="background3"/>
+                                        <dgm:param type="dstNode" val="background4"/>
+                                      </dgm:alg>
+                                    </dgm:if>
+                                    <dgm:else name="Name26">
+                                      <dgm:alg type="conn">
+                                        <dgm:param type="dim" val="1D"/>
+                                        <dgm:param type="endSty" val="noArr"/>
+                                        <dgm:param type="connRout" val="bend"/>
+                                        <dgm:param type="bendPt" val="end"/>
+                                        <dgm:param type="begPts" val="bCtr"/>
+                                        <dgm:param type="endPts" val="tCtr"/>
+                                        <dgm:param type="srcNode" val="background4"/>
+                                        <dgm:param type="dstNode" val="background4"/>
+                                      </dgm:alg>
+                                    </dgm:else>
+                                  </dgm:choose>
+                                  <dgm:shape xmlns:r="http://schemas.openxmlformats.org/officeDocument/2006/relationships" type="conn" r:blip="" zOrderOff="-999">
+                                    <dgm:adjLst/>
+                                  </dgm:shape>
+                                  <dgm:presOf axis="self"/>
+                                  <dgm:constrLst>
+                                    <dgm:constr type="begPad"/>
+                                    <dgm:constr type="endPad"/>
+                                  </dgm:constrLst>
+                                  <dgm:ruleLst/>
+                                </dgm:layoutNode>
+                              </dgm:forEach>
+                              <dgm:forEach name="Name27" axis="self" ptType="node">
+                                <dgm:layoutNode name="hierRoot4">
+                                  <dgm:alg type="hierRoot"/>
+                                  <dgm:shape xmlns:r="http://schemas.openxmlformats.org/officeDocument/2006/relationships" r:blip="">
+                                    <dgm:adjLst/>
+                                  </dgm:shape>
+                                  <dgm:presOf/>
+                                  <dgm:constrLst>
+                                    <dgm:constr type="bendDist" for="des" ptType="parTrans" refType="sp" fact="0.5"/>
+                                  </dgm:constrLst>
+                                  <dgm:ruleLst/>
+                                  <dgm:layoutNode name="composite4">
+                                    <dgm:alg type="composite"/>
+                                    <dgm:shape xmlns:r="http://schemas.openxmlformats.org/officeDocument/2006/relationships" r:blip="">
+                                      <dgm:adjLst/>
+                                    </dgm:shape>
+                                    <dgm:presOf/>
+                                    <dgm:constrLst>
+                                      <dgm:constr type="w" for="ch" forName="background4" refType="w" fact="0.9"/>
+                                      <dgm:constr type="h" for="ch" forName="background4" refType="w" refFor="ch" refForName="background4" fact="0.635"/>
+                                      <dgm:constr type="t" for="ch" forName="background4"/>
+                                      <dgm:constr type="l" for="ch" forName="background4"/>
+                                      <dgm:constr type="w" for="ch" forName="text4" refType="w" fact="0.9"/>
+                                      <dgm:constr type="h" for="ch" forName="text4" refType="w" refFor="ch" refForName="text4" fact="0.635"/>
+                                      <dgm:constr type="t" for="ch" forName="text4" refType="w" fact="0.095"/>
+                                      <dgm:constr type="l" for="ch" forName="text4" refType="w" fact="0.1"/>
+                                    </dgm:constrLst>
+                                    <dgm:ruleLst/>
+                                    <dgm:layoutNode name="background4" moveWith="text4">
+                                      <dgm:alg type="sp"/>
+                                      <dgm:shape xmlns:r="http://schemas.openxmlformats.org/officeDocument/2006/relationships" type="roundRect" r:blip="">
+                                        <dgm:adjLst>
+                                          <dgm:adj idx="1" val="0.1"/>
+                                        </dgm:adjLst>
+                                      </dgm:shape>
+                                      <dgm:presOf/>
+                                      <dgm:constrLst/>
+                                      <dgm:ruleLst/>
+                                    </dgm:layoutNode>
+                                    <dgm:layoutNode name="text4" styleLbl="fgAcc4">
+                                      <dgm:varLst>
+                                        <dgm:chPref val="3"/>
+                                      </dgm:varLst>
+                                      <dgm:alg type="tx"/>
+                                      <dgm:shape xmlns:r="http://schemas.openxmlformats.org/officeDocument/2006/relationships" type="roundRect" r:blip="">
+                                        <dgm:adjLst>
+                                          <dgm:adj idx="1" val="0.1"/>
+                                        </dgm:adjLst>
+                                      </dgm:shape>
+                                      <dgm:presOf axis="self"/>
+                                      <dgm:constrLst>
+                                        <dgm:constr type="tMarg" refType="primFontSz" fact="0.3"/>
+                                        <dgm:constr type="bMarg" refType="primFontSz" fact="0.3"/>
+                                        <dgm:constr type="lMarg" refType="primFontSz" fact="0.3"/>
+                                        <dgm:constr type="rMarg" refType="primFontSz" fact="0.3"/>
+                                      </dgm:constrLst>
+                                      <dgm:ruleLst>
+                                        <dgm:rule type="primFontSz" val="5" fact="NaN" max="NaN"/>
+                                      </dgm:ruleLst>
+                                    </dgm:layoutNode>
+                                  </dgm:layoutNode>
+                                  <dgm:layoutNode name="hierChild5">
+                                    <dgm:choose name="Name28">
+                                      <dgm:if name="Name29" func="var" arg="dir" op="equ" val="norm">
+                                        <dgm:alg type="hierChild">
+                                          <dgm:param type="linDir" val="fromL"/>
+                                        </dgm:alg>
+                                      </dgm:if>
+                                      <dgm:else name="Name30">
+                                        <dgm:alg type="hierChild">
+                                          <dgm:param type="linDir" val="fromR"/>
+                                        </dgm:alg>
+                                      </dgm:else>
+                                    </dgm:choose>
+                                    <dgm:shape xmlns:r="http://schemas.openxmlformats.org/officeDocument/2006/relationships" r:blip="">
+                                      <dgm:adjLst/>
+                                    </dgm:shape>
+                                    <dgm:presOf/>
+                                    <dgm:constrLst/>
+                                    <dgm:ruleLst/>
+                                    <dgm:forEach name="Name31" ref="repeat"/>
+                                  </dgm:layoutNode>
+                                </dgm:layoutNode>
+                              </dgm:forEach>
+                            </dgm:forEach>
+                          </dgm:layoutNode>
+                        </dgm:layoutNode>
+                      </dgm:forEach>
+                    </dgm:forEach>
+                  </dgm:layoutNode>
+                </dgm:layoutNode>
+              </dgm:forEach>
+            </dgm:forEach>
+          </dgm:layoutNode>
+        </dgm:layoutNode>
+      </dgm:forEach>
+    </dgm:forEach>
+  </dgm:layoutNode>
+</dgm:layoutDef>
+</file>
+
+<file path=ppt/diagrams/layout2.xml><?xml version="1.0" encoding="utf-8"?>
 <dgm:layoutDef xmlns:dgm="http://schemas.openxmlformats.org/drawingml/2006/diagram" xmlns:a="http://schemas.openxmlformats.org/drawingml/2006/main" uniqueId="urn:microsoft.com/office/officeart/2011/layout/CircleProcess">
   <dgm:title val="Circle Process"/>
   <dgm:desc val="Use to show sequential steps in a process. Limited to eleven Level 1 shapes with an unlimited number of Level 2 shapes. Works best with small amounts of text. Unused text does not appear, but remains available if you switch layouts."/>
@@ -7054,6 +9018,1040 @@
 </dgm:styleDef>
 </file>
 
+<file path=ppt/diagrams/quickStyle2.xml><?xml version="1.0" encoding="utf-8"?>
+<dgm:styleDef xmlns:dgm="http://schemas.openxmlformats.org/drawingml/2006/diagram" xmlns:a="http://schemas.openxmlformats.org/drawingml/2006/main" uniqueId="urn:microsoft.com/office/officeart/2005/8/quickstyle/simple1">
+  <dgm:title val=""/>
+  <dgm:desc val=""/>
+  <dgm:catLst>
+    <dgm:cat type="simple" pri="10100"/>
+  </dgm:catLst>
+  <dgm:scene3d>
+    <a:camera prst="orthographicFront"/>
+    <a:lightRig rig="threePt" dir="t"/>
+  </dgm:scene3d>
+  <dgm:styleLbl name="node0">
+    <dgm:scene3d>
+      <a:camera prst="orthographicFront"/>
+      <a:lightRig rig="threePt" dir="t"/>
+    </dgm:scene3d>
+    <dgm:sp3d/>
+    <dgm:txPr/>
+    <dgm:style>
+      <a:lnRef idx="2">
+        <a:scrgbClr r="0" g="0" b="0"/>
+      </a:lnRef>
+      <a:fillRef idx="1">
+        <a:scrgbClr r="0" g="0" b="0"/>
+      </a:fillRef>
+      <a:effectRef idx="0">
+        <a:scrgbClr r="0" g="0" b="0"/>
+      </a:effectRef>
+      <a:fontRef idx="minor">
+        <a:schemeClr val="lt1"/>
+      </a:fontRef>
+    </dgm:style>
+  </dgm:styleLbl>
+  <dgm:styleLbl name="lnNode1">
+    <dgm:scene3d>
+      <a:camera prst="orthographicFront"/>
+      <a:lightRig rig="threePt" dir="t"/>
+    </dgm:scene3d>
+    <dgm:sp3d/>
+    <dgm:txPr/>
+    <dgm:style>
+      <a:lnRef idx="2">
+        <a:scrgbClr r="0" g="0" b="0"/>
+      </a:lnRef>
+      <a:fillRef idx="1">
+        <a:scrgbClr r="0" g="0" b="0"/>
+      </a:fillRef>
+      <a:effectRef idx="0">
+        <a:scrgbClr r="0" g="0" b="0"/>
+      </a:effectRef>
+      <a:fontRef idx="minor">
+        <a:schemeClr val="lt1"/>
+      </a:fontRef>
+    </dgm:style>
+  </dgm:styleLbl>
+  <dgm:styleLbl name="vennNode1">
+    <dgm:scene3d>
+      <a:camera prst="orthographicFront"/>
+      <a:lightRig rig="threePt" dir="t"/>
+    </dgm:scene3d>
+    <dgm:sp3d/>
+    <dgm:txPr/>
+    <dgm:style>
+      <a:lnRef idx="2">
+        <a:scrgbClr r="0" g="0" b="0"/>
+      </a:lnRef>
+      <a:fillRef idx="1">
+        <a:scrgbClr r="0" g="0" b="0"/>
+      </a:fillRef>
+      <a:effectRef idx="0">
+        <a:scrgbClr r="0" g="0" b="0"/>
+      </a:effectRef>
+      <a:fontRef idx="minor">
+        <a:schemeClr val="tx1"/>
+      </a:fontRef>
+    </dgm:style>
+  </dgm:styleLbl>
+  <dgm:styleLbl name="alignNode1">
+    <dgm:scene3d>
+      <a:camera prst="orthographicFront"/>
+      <a:lightRig rig="threePt" dir="t"/>
+    </dgm:scene3d>
+    <dgm:sp3d/>
+    <dgm:txPr/>
+    <dgm:style>
+      <a:lnRef idx="2">
+        <a:scrgbClr r="0" g="0" b="0"/>
+      </a:lnRef>
+      <a:fillRef idx="1">
+        <a:scrgbClr r="0" g="0" b="0"/>
+      </a:fillRef>
+      <a:effectRef idx="0">
+        <a:scrgbClr r="0" g="0" b="0"/>
+      </a:effectRef>
+      <a:fontRef idx="minor">
+        <a:schemeClr val="lt1"/>
+      </a:fontRef>
+    </dgm:style>
+  </dgm:styleLbl>
+  <dgm:styleLbl name="node1">
+    <dgm:scene3d>
+      <a:camera prst="orthographicFront"/>
+      <a:lightRig rig="threePt" dir="t"/>
+    </dgm:scene3d>
+    <dgm:sp3d/>
+    <dgm:txPr/>
+    <dgm:style>
+      <a:lnRef idx="2">
+        <a:scrgbClr r="0" g="0" b="0"/>
+      </a:lnRef>
+      <a:fillRef idx="1">
+        <a:scrgbClr r="0" g="0" b="0"/>
+      </a:fillRef>
+      <a:effectRef idx="0">
+        <a:scrgbClr r="0" g="0" b="0"/>
+      </a:effectRef>
+      <a:fontRef idx="minor">
+        <a:schemeClr val="lt1"/>
+      </a:fontRef>
+    </dgm:style>
+  </dgm:styleLbl>
+  <dgm:styleLbl name="node2">
+    <dgm:scene3d>
+      <a:camera prst="orthographicFront"/>
+      <a:lightRig rig="threePt" dir="t"/>
+    </dgm:scene3d>
+    <dgm:sp3d/>
+    <dgm:txPr/>
+    <dgm:style>
+      <a:lnRef idx="2">
+        <a:scrgbClr r="0" g="0" b="0"/>
+      </a:lnRef>
+      <a:fillRef idx="1">
+        <a:scrgbClr r="0" g="0" b="0"/>
+      </a:fillRef>
+      <a:effectRef idx="0">
+        <a:scrgbClr r="0" g="0" b="0"/>
+      </a:effectRef>
+      <a:fontRef idx="minor">
+        <a:schemeClr val="lt1"/>
+      </a:fontRef>
+    </dgm:style>
+  </dgm:styleLbl>
+  <dgm:styleLbl name="node3">
+    <dgm:scene3d>
+      <a:camera prst="orthographicFront"/>
+      <a:lightRig rig="threePt" dir="t"/>
+    </dgm:scene3d>
+    <dgm:sp3d/>
+    <dgm:txPr/>
+    <dgm:style>
+      <a:lnRef idx="2">
+        <a:scrgbClr r="0" g="0" b="0"/>
+      </a:lnRef>
+      <a:fillRef idx="1">
+        <a:scrgbClr r="0" g="0" b="0"/>
+      </a:fillRef>
+      <a:effectRef idx="0">
+        <a:scrgbClr r="0" g="0" b="0"/>
+      </a:effectRef>
+      <a:fontRef idx="minor">
+        <a:schemeClr val="lt1"/>
+      </a:fontRef>
+    </dgm:style>
+  </dgm:styleLbl>
+  <dgm:styleLbl name="node4">
+    <dgm:scene3d>
+      <a:camera prst="orthographicFront"/>
+      <a:lightRig rig="threePt" dir="t"/>
+    </dgm:scene3d>
+    <dgm:sp3d/>
+    <dgm:txPr/>
+    <dgm:style>
+      <a:lnRef idx="2">
+        <a:scrgbClr r="0" g="0" b="0"/>
+      </a:lnRef>
+      <a:fillRef idx="1">
+        <a:scrgbClr r="0" g="0" b="0"/>
+      </a:fillRef>
+      <a:effectRef idx="0">
+        <a:scrgbClr r="0" g="0" b="0"/>
+      </a:effectRef>
+      <a:fontRef idx="minor">
+        <a:schemeClr val="lt1"/>
+      </a:fontRef>
+    </dgm:style>
+  </dgm:styleLbl>
+  <dgm:styleLbl name="fgImgPlace1">
+    <dgm:scene3d>
+      <a:camera prst="orthographicFront"/>
+      <a:lightRig rig="threePt" dir="t"/>
+    </dgm:scene3d>
+    <dgm:sp3d/>
+    <dgm:txPr/>
+    <dgm:style>
+      <a:lnRef idx="2">
+        <a:scrgbClr r="0" g="0" b="0"/>
+      </a:lnRef>
+      <a:fillRef idx="1">
+        <a:scrgbClr r="0" g="0" b="0"/>
+      </a:fillRef>
+      <a:effectRef idx="0">
+        <a:scrgbClr r="0" g="0" b="0"/>
+      </a:effectRef>
+      <a:fontRef idx="minor"/>
+    </dgm:style>
+  </dgm:styleLbl>
+  <dgm:styleLbl name="alignImgPlace1">
+    <dgm:scene3d>
+      <a:camera prst="orthographicFront"/>
+      <a:lightRig rig="threePt" dir="t"/>
+    </dgm:scene3d>
+    <dgm:sp3d/>
+    <dgm:txPr/>
+    <dgm:style>
+      <a:lnRef idx="2">
+        <a:scrgbClr r="0" g="0" b="0"/>
+      </a:lnRef>
+      <a:fillRef idx="1">
+        <a:scrgbClr r="0" g="0" b="0"/>
+      </a:fillRef>
+      <a:effectRef idx="0">
+        <a:scrgbClr r="0" g="0" b="0"/>
+      </a:effectRef>
+      <a:fontRef idx="minor"/>
+    </dgm:style>
+  </dgm:styleLbl>
+  <dgm:styleLbl name="bgImgPlace1">
+    <dgm:scene3d>
+      <a:camera prst="orthographicFront"/>
+      <a:lightRig rig="threePt" dir="t"/>
+    </dgm:scene3d>
+    <dgm:sp3d/>
+    <dgm:txPr/>
+    <dgm:style>
+      <a:lnRef idx="2">
+        <a:scrgbClr r="0" g="0" b="0"/>
+      </a:lnRef>
+      <a:fillRef idx="1">
+        <a:scrgbClr r="0" g="0" b="0"/>
+      </a:fillRef>
+      <a:effectRef idx="0">
+        <a:scrgbClr r="0" g="0" b="0"/>
+      </a:effectRef>
+      <a:fontRef idx="minor"/>
+    </dgm:style>
+  </dgm:styleLbl>
+  <dgm:styleLbl name="sibTrans2D1">
+    <dgm:scene3d>
+      <a:camera prst="orthographicFront"/>
+      <a:lightRig rig="threePt" dir="t"/>
+    </dgm:scene3d>
+    <dgm:sp3d/>
+    <dgm:txPr/>
+    <dgm:style>
+      <a:lnRef idx="0">
+        <a:scrgbClr r="0" g="0" b="0"/>
+      </a:lnRef>
+      <a:fillRef idx="1">
+        <a:scrgbClr r="0" g="0" b="0"/>
+      </a:fillRef>
+      <a:effectRef idx="0">
+        <a:scrgbClr r="0" g="0" b="0"/>
+      </a:effectRef>
+      <a:fontRef idx="minor">
+        <a:schemeClr val="lt1"/>
+      </a:fontRef>
+    </dgm:style>
+  </dgm:styleLbl>
+  <dgm:styleLbl name="fgSibTrans2D1">
+    <dgm:scene3d>
+      <a:camera prst="orthographicFront"/>
+      <a:lightRig rig="threePt" dir="t"/>
+    </dgm:scene3d>
+    <dgm:sp3d/>
+    <dgm:txPr/>
+    <dgm:style>
+      <a:lnRef idx="0">
+        <a:scrgbClr r="0" g="0" b="0"/>
+      </a:lnRef>
+      <a:fillRef idx="1">
+        <a:scrgbClr r="0" g="0" b="0"/>
+      </a:fillRef>
+      <a:effectRef idx="0">
+        <a:scrgbClr r="0" g="0" b="0"/>
+      </a:effectRef>
+      <a:fontRef idx="minor">
+        <a:schemeClr val="lt1"/>
+      </a:fontRef>
+    </dgm:style>
+  </dgm:styleLbl>
+  <dgm:styleLbl name="bgSibTrans2D1">
+    <dgm:scene3d>
+      <a:camera prst="orthographicFront"/>
+      <a:lightRig rig="threePt" dir="t"/>
+    </dgm:scene3d>
+    <dgm:sp3d/>
+    <dgm:txPr/>
+    <dgm:style>
+      <a:lnRef idx="0">
+        <a:scrgbClr r="0" g="0" b="0"/>
+      </a:lnRef>
+      <a:fillRef idx="1">
+        <a:scrgbClr r="0" g="0" b="0"/>
+      </a:fillRef>
+      <a:effectRef idx="0">
+        <a:scrgbClr r="0" g="0" b="0"/>
+      </a:effectRef>
+      <a:fontRef idx="minor">
+        <a:schemeClr val="lt1"/>
+      </a:fontRef>
+    </dgm:style>
+  </dgm:styleLbl>
+  <dgm:styleLbl name="sibTrans1D1">
+    <dgm:scene3d>
+      <a:camera prst="orthographicFront"/>
+      <a:lightRig rig="threePt" dir="t"/>
+    </dgm:scene3d>
+    <dgm:sp3d/>
+    <dgm:txPr/>
+    <dgm:style>
+      <a:lnRef idx="1">
+        <a:scrgbClr r="0" g="0" b="0"/>
+      </a:lnRef>
+      <a:fillRef idx="0">
+        <a:scrgbClr r="0" g="0" b="0"/>
+      </a:fillRef>
+      <a:effectRef idx="0">
+        <a:scrgbClr r="0" g="0" b="0"/>
+      </a:effectRef>
+      <a:fontRef idx="minor"/>
+    </dgm:style>
+  </dgm:styleLbl>
+  <dgm:styleLbl name="callout">
+    <dgm:scene3d>
+      <a:camera prst="orthographicFront"/>
+      <a:lightRig rig="threePt" dir="t"/>
+    </dgm:scene3d>
+    <dgm:sp3d/>
+    <dgm:txPr/>
+    <dgm:style>
+      <a:lnRef idx="2">
+        <a:scrgbClr r="0" g="0" b="0"/>
+      </a:lnRef>
+      <a:fillRef idx="1">
+        <a:scrgbClr r="0" g="0" b="0"/>
+      </a:fillRef>
+      <a:effectRef idx="0">
+        <a:scrgbClr r="0" g="0" b="0"/>
+      </a:effectRef>
+      <a:fontRef idx="minor"/>
+    </dgm:style>
+  </dgm:styleLbl>
+  <dgm:styleLbl name="asst0">
+    <dgm:scene3d>
+      <a:camera prst="orthographicFront"/>
+      <a:lightRig rig="threePt" dir="t"/>
+    </dgm:scene3d>
+    <dgm:sp3d/>
+    <dgm:txPr/>
+    <dgm:style>
+      <a:lnRef idx="2">
+        <a:scrgbClr r="0" g="0" b="0"/>
+      </a:lnRef>
+      <a:fillRef idx="1">
+        <a:scrgbClr r="0" g="0" b="0"/>
+      </a:fillRef>
+      <a:effectRef idx="0">
+        <a:scrgbClr r="0" g="0" b="0"/>
+      </a:effectRef>
+      <a:fontRef idx="minor">
+        <a:schemeClr val="lt1"/>
+      </a:fontRef>
+    </dgm:style>
+  </dgm:styleLbl>
+  <dgm:styleLbl name="asst1">
+    <dgm:scene3d>
+      <a:camera prst="orthographicFront"/>
+      <a:lightRig rig="threePt" dir="t"/>
+    </dgm:scene3d>
+    <dgm:sp3d/>
+    <dgm:txPr/>
+    <dgm:style>
+      <a:lnRef idx="2">
+        <a:scrgbClr r="0" g="0" b="0"/>
+      </a:lnRef>
+      <a:fillRef idx="1">
+        <a:scrgbClr r="0" g="0" b="0"/>
+      </a:fillRef>
+      <a:effectRef idx="0">
+        <a:scrgbClr r="0" g="0" b="0"/>
+      </a:effectRef>
+      <a:fontRef idx="minor">
+        <a:schemeClr val="lt1"/>
+      </a:fontRef>
+    </dgm:style>
+  </dgm:styleLbl>
+  <dgm:styleLbl name="asst2">
+    <dgm:scene3d>
+      <a:camera prst="orthographicFront"/>
+      <a:lightRig rig="threePt" dir="t"/>
+    </dgm:scene3d>
+    <dgm:sp3d/>
+    <dgm:txPr/>
+    <dgm:style>
+      <a:lnRef idx="2">
+        <a:scrgbClr r="0" g="0" b="0"/>
+      </a:lnRef>
+      <a:fillRef idx="1">
+        <a:scrgbClr r="0" g="0" b="0"/>
+      </a:fillRef>
+      <a:effectRef idx="0">
+        <a:scrgbClr r="0" g="0" b="0"/>
+      </a:effectRef>
+      <a:fontRef idx="minor">
+        <a:schemeClr val="lt1"/>
+      </a:fontRef>
+    </dgm:style>
+  </dgm:styleLbl>
+  <dgm:styleLbl name="asst3">
+    <dgm:scene3d>
+      <a:camera prst="orthographicFront"/>
+      <a:lightRig rig="threePt" dir="t"/>
+    </dgm:scene3d>
+    <dgm:sp3d/>
+    <dgm:txPr/>
+    <dgm:style>
+      <a:lnRef idx="2">
+        <a:scrgbClr r="0" g="0" b="0"/>
+      </a:lnRef>
+      <a:fillRef idx="1">
+        <a:scrgbClr r="0" g="0" b="0"/>
+      </a:fillRef>
+      <a:effectRef idx="0">
+        <a:scrgbClr r="0" g="0" b="0"/>
+      </a:effectRef>
+      <a:fontRef idx="minor">
+        <a:schemeClr val="lt1"/>
+      </a:fontRef>
+    </dgm:style>
+  </dgm:styleLbl>
+  <dgm:styleLbl name="asst4">
+    <dgm:scene3d>
+      <a:camera prst="orthographicFront"/>
+      <a:lightRig rig="threePt" dir="t"/>
+    </dgm:scene3d>
+    <dgm:sp3d/>
+    <dgm:txPr/>
+    <dgm:style>
+      <a:lnRef idx="2">
+        <a:scrgbClr r="0" g="0" b="0"/>
+      </a:lnRef>
+      <a:fillRef idx="1">
+        <a:scrgbClr r="0" g="0" b="0"/>
+      </a:fillRef>
+      <a:effectRef idx="0">
+        <a:scrgbClr r="0" g="0" b="0"/>
+      </a:effectRef>
+      <a:fontRef idx="minor">
+        <a:schemeClr val="lt1"/>
+      </a:fontRef>
+    </dgm:style>
+  </dgm:styleLbl>
+  <dgm:styleLbl name="parChTrans2D1">
+    <dgm:scene3d>
+      <a:camera prst="orthographicFront"/>
+      <a:lightRig rig="threePt" dir="t"/>
+    </dgm:scene3d>
+    <dgm:sp3d/>
+    <dgm:txPr/>
+    <dgm:style>
+      <a:lnRef idx="2">
+        <a:scrgbClr r="0" g="0" b="0"/>
+      </a:lnRef>
+      <a:fillRef idx="1">
+        <a:scrgbClr r="0" g="0" b="0"/>
+      </a:fillRef>
+      <a:effectRef idx="0">
+        <a:scrgbClr r="0" g="0" b="0"/>
+      </a:effectRef>
+      <a:fontRef idx="minor">
+        <a:schemeClr val="lt1"/>
+      </a:fontRef>
+    </dgm:style>
+  </dgm:styleLbl>
+  <dgm:styleLbl name="parChTrans2D2">
+    <dgm:scene3d>
+      <a:camera prst="orthographicFront"/>
+      <a:lightRig rig="threePt" dir="t"/>
+    </dgm:scene3d>
+    <dgm:sp3d/>
+    <dgm:txPr/>
+    <dgm:style>
+      <a:lnRef idx="2">
+        <a:scrgbClr r="0" g="0" b="0"/>
+      </a:lnRef>
+      <a:fillRef idx="1">
+        <a:scrgbClr r="0" g="0" b="0"/>
+      </a:fillRef>
+      <a:effectRef idx="0">
+        <a:scrgbClr r="0" g="0" b="0"/>
+      </a:effectRef>
+      <a:fontRef idx="minor">
+        <a:schemeClr val="lt1"/>
+      </a:fontRef>
+    </dgm:style>
+  </dgm:styleLbl>
+  <dgm:styleLbl name="parChTrans2D3">
+    <dgm:scene3d>
+      <a:camera prst="orthographicFront"/>
+      <a:lightRig rig="threePt" dir="t"/>
+    </dgm:scene3d>
+    <dgm:sp3d/>
+    <dgm:txPr/>
+    <dgm:style>
+      <a:lnRef idx="2">
+        <a:scrgbClr r="0" g="0" b="0"/>
+      </a:lnRef>
+      <a:fillRef idx="1">
+        <a:scrgbClr r="0" g="0" b="0"/>
+      </a:fillRef>
+      <a:effectRef idx="0">
+        <a:scrgbClr r="0" g="0" b="0"/>
+      </a:effectRef>
+      <a:fontRef idx="minor">
+        <a:schemeClr val="lt1"/>
+      </a:fontRef>
+    </dgm:style>
+  </dgm:styleLbl>
+  <dgm:styleLbl name="parChTrans2D4">
+    <dgm:scene3d>
+      <a:camera prst="orthographicFront"/>
+      <a:lightRig rig="threePt" dir="t"/>
+    </dgm:scene3d>
+    <dgm:sp3d/>
+    <dgm:txPr/>
+    <dgm:style>
+      <a:lnRef idx="2">
+        <a:scrgbClr r="0" g="0" b="0"/>
+      </a:lnRef>
+      <a:fillRef idx="1">
+        <a:scrgbClr r="0" g="0" b="0"/>
+      </a:fillRef>
+      <a:effectRef idx="0">
+        <a:scrgbClr r="0" g="0" b="0"/>
+      </a:effectRef>
+      <a:fontRef idx="minor">
+        <a:schemeClr val="lt1"/>
+      </a:fontRef>
+    </dgm:style>
+  </dgm:styleLbl>
+  <dgm:styleLbl name="parChTrans1D1">
+    <dgm:scene3d>
+      <a:camera prst="orthographicFront"/>
+      <a:lightRig rig="threePt" dir="t"/>
+    </dgm:scene3d>
+    <dgm:sp3d/>
+    <dgm:txPr/>
+    <dgm:style>
+      <a:lnRef idx="2">
+        <a:scrgbClr r="0" g="0" b="0"/>
+      </a:lnRef>
+      <a:fillRef idx="0">
+        <a:scrgbClr r="0" g="0" b="0"/>
+      </a:fillRef>
+      <a:effectRef idx="0">
+        <a:scrgbClr r="0" g="0" b="0"/>
+      </a:effectRef>
+      <a:fontRef idx="minor"/>
+    </dgm:style>
+  </dgm:styleLbl>
+  <dgm:styleLbl name="parChTrans1D2">
+    <dgm:scene3d>
+      <a:camera prst="orthographicFront"/>
+      <a:lightRig rig="threePt" dir="t"/>
+    </dgm:scene3d>
+    <dgm:sp3d/>
+    <dgm:txPr/>
+    <dgm:style>
+      <a:lnRef idx="2">
+        <a:scrgbClr r="0" g="0" b="0"/>
+      </a:lnRef>
+      <a:fillRef idx="0">
+        <a:scrgbClr r="0" g="0" b="0"/>
+      </a:fillRef>
+      <a:effectRef idx="0">
+        <a:scrgbClr r="0" g="0" b="0"/>
+      </a:effectRef>
+      <a:fontRef idx="minor"/>
+    </dgm:style>
+  </dgm:styleLbl>
+  <dgm:styleLbl name="parChTrans1D3">
+    <dgm:scene3d>
+      <a:camera prst="orthographicFront"/>
+      <a:lightRig rig="threePt" dir="t"/>
+    </dgm:scene3d>
+    <dgm:sp3d/>
+    <dgm:txPr/>
+    <dgm:style>
+      <a:lnRef idx="2">
+        <a:scrgbClr r="0" g="0" b="0"/>
+      </a:lnRef>
+      <a:fillRef idx="0">
+        <a:scrgbClr r="0" g="0" b="0"/>
+      </a:fillRef>
+      <a:effectRef idx="0">
+        <a:scrgbClr r="0" g="0" b="0"/>
+      </a:effectRef>
+      <a:fontRef idx="minor"/>
+    </dgm:style>
+  </dgm:styleLbl>
+  <dgm:styleLbl name="parChTrans1D4">
+    <dgm:scene3d>
+      <a:camera prst="orthographicFront"/>
+      <a:lightRig rig="threePt" dir="t"/>
+    </dgm:scene3d>
+    <dgm:sp3d/>
+    <dgm:txPr/>
+    <dgm:style>
+      <a:lnRef idx="2">
+        <a:scrgbClr r="0" g="0" b="0"/>
+      </a:lnRef>
+      <a:fillRef idx="0">
+        <a:scrgbClr r="0" g="0" b="0"/>
+      </a:fillRef>
+      <a:effectRef idx="0">
+        <a:scrgbClr r="0" g="0" b="0"/>
+      </a:effectRef>
+      <a:fontRef idx="minor"/>
+    </dgm:style>
+  </dgm:styleLbl>
+  <dgm:styleLbl name="fgAcc1">
+    <dgm:scene3d>
+      <a:camera prst="orthographicFront"/>
+      <a:lightRig rig="threePt" dir="t"/>
+    </dgm:scene3d>
+    <dgm:sp3d/>
+    <dgm:txPr/>
+    <dgm:style>
+      <a:lnRef idx="2">
+        <a:scrgbClr r="0" g="0" b="0"/>
+      </a:lnRef>
+      <a:fillRef idx="1">
+        <a:scrgbClr r="0" g="0" b="0"/>
+      </a:fillRef>
+      <a:effectRef idx="0">
+        <a:scrgbClr r="0" g="0" b="0"/>
+      </a:effectRef>
+      <a:fontRef idx="minor"/>
+    </dgm:style>
+  </dgm:styleLbl>
+  <dgm:styleLbl name="conFgAcc1">
+    <dgm:scene3d>
+      <a:camera prst="orthographicFront"/>
+      <a:lightRig rig="threePt" dir="t"/>
+    </dgm:scene3d>
+    <dgm:sp3d/>
+    <dgm:txPr/>
+    <dgm:style>
+      <a:lnRef idx="2">
+        <a:scrgbClr r="0" g="0" b="0"/>
+      </a:lnRef>
+      <a:fillRef idx="1">
+        <a:scrgbClr r="0" g="0" b="0"/>
+      </a:fillRef>
+      <a:effectRef idx="0">
+        <a:scrgbClr r="0" g="0" b="0"/>
+      </a:effectRef>
+      <a:fontRef idx="minor"/>
+    </dgm:style>
+  </dgm:styleLbl>
+  <dgm:styleLbl name="alignAcc1">
+    <dgm:scene3d>
+      <a:camera prst="orthographicFront"/>
+      <a:lightRig rig="threePt" dir="t"/>
+    </dgm:scene3d>
+    <dgm:sp3d/>
+    <dgm:txPr/>
+    <dgm:style>
+      <a:lnRef idx="2">
+        <a:scrgbClr r="0" g="0" b="0"/>
+      </a:lnRef>
+      <a:fillRef idx="1">
+        <a:scrgbClr r="0" g="0" b="0"/>
+      </a:fillRef>
+      <a:effectRef idx="0">
+        <a:scrgbClr r="0" g="0" b="0"/>
+      </a:effectRef>
+      <a:fontRef idx="minor"/>
+    </dgm:style>
+  </dgm:styleLbl>
+  <dgm:styleLbl name="trAlignAcc1">
+    <dgm:scene3d>
+      <a:camera prst="orthographicFront"/>
+      <a:lightRig rig="threePt" dir="t"/>
+    </dgm:scene3d>
+    <dgm:sp3d/>
+    <dgm:txPr/>
+    <dgm:style>
+      <a:lnRef idx="1">
+        <a:scrgbClr r="0" g="0" b="0"/>
+      </a:lnRef>
+      <a:fillRef idx="1">
+        <a:scrgbClr r="0" g="0" b="0"/>
+      </a:fillRef>
+      <a:effectRef idx="0">
+        <a:scrgbClr r="0" g="0" b="0"/>
+      </a:effectRef>
+      <a:fontRef idx="minor"/>
+    </dgm:style>
+  </dgm:styleLbl>
+  <dgm:styleLbl name="bgAcc1">
+    <dgm:scene3d>
+      <a:camera prst="orthographicFront"/>
+      <a:lightRig rig="threePt" dir="t"/>
+    </dgm:scene3d>
+    <dgm:sp3d/>
+    <dgm:txPr/>
+    <dgm:style>
+      <a:lnRef idx="2">
+        <a:scrgbClr r="0" g="0" b="0"/>
+      </a:lnRef>
+      <a:fillRef idx="1">
+        <a:scrgbClr r="0" g="0" b="0"/>
+      </a:fillRef>
+      <a:effectRef idx="0">
+        <a:scrgbClr r="0" g="0" b="0"/>
+      </a:effectRef>
+      <a:fontRef idx="minor"/>
+    </dgm:style>
+  </dgm:styleLbl>
+  <dgm:styleLbl name="solidFgAcc1">
+    <dgm:scene3d>
+      <a:camera prst="orthographicFront"/>
+      <a:lightRig rig="threePt" dir="t"/>
+    </dgm:scene3d>
+    <dgm:sp3d/>
+    <dgm:txPr/>
+    <dgm:style>
+      <a:lnRef idx="2">
+        <a:scrgbClr r="0" g="0" b="0"/>
+      </a:lnRef>
+      <a:fillRef idx="1">
+        <a:scrgbClr r="0" g="0" b="0"/>
+      </a:fillRef>
+      <a:effectRef idx="0">
+        <a:scrgbClr r="0" g="0" b="0"/>
+      </a:effectRef>
+      <a:fontRef idx="minor"/>
+    </dgm:style>
+  </dgm:styleLbl>
+  <dgm:styleLbl name="solidAlignAcc1">
+    <dgm:scene3d>
+      <a:camera prst="orthographicFront"/>
+      <a:lightRig rig="threePt" dir="t"/>
+    </dgm:scene3d>
+    <dgm:sp3d/>
+    <dgm:txPr/>
+    <dgm:style>
+      <a:lnRef idx="2">
+        <a:scrgbClr r="0" g="0" b="0"/>
+      </a:lnRef>
+      <a:fillRef idx="1">
+        <a:scrgbClr r="0" g="0" b="0"/>
+      </a:fillRef>
+      <a:effectRef idx="0">
+        <a:scrgbClr r="0" g="0" b="0"/>
+      </a:effectRef>
+      <a:fontRef idx="minor"/>
+    </dgm:style>
+  </dgm:styleLbl>
+  <dgm:styleLbl name="solidBgAcc1">
+    <dgm:scene3d>
+      <a:camera prst="orthographicFront"/>
+      <a:lightRig rig="threePt" dir="t"/>
+    </dgm:scene3d>
+    <dgm:sp3d/>
+    <dgm:txPr/>
+    <dgm:style>
+      <a:lnRef idx="2">
+        <a:scrgbClr r="0" g="0" b="0"/>
+      </a:lnRef>
+      <a:fillRef idx="1">
+        <a:scrgbClr r="0" g="0" b="0"/>
+      </a:fillRef>
+      <a:effectRef idx="0">
+        <a:scrgbClr r="0" g="0" b="0"/>
+      </a:effectRef>
+      <a:fontRef idx="minor"/>
+    </dgm:style>
+  </dgm:styleLbl>
+  <dgm:styleLbl name="fgAccFollowNode1">
+    <dgm:scene3d>
+      <a:camera prst="orthographicFront"/>
+      <a:lightRig rig="threePt" dir="t"/>
+    </dgm:scene3d>
+    <dgm:sp3d/>
+    <dgm:txPr/>
+    <dgm:style>
+      <a:lnRef idx="2">
+        <a:scrgbClr r="0" g="0" b="0"/>
+      </a:lnRef>
+      <a:fillRef idx="1">
+        <a:scrgbClr r="0" g="0" b="0"/>
+      </a:fillRef>
+      <a:effectRef idx="0">
+        <a:scrgbClr r="0" g="0" b="0"/>
+      </a:effectRef>
+      <a:fontRef idx="minor"/>
+    </dgm:style>
+  </dgm:styleLbl>
+  <dgm:styleLbl name="alignAccFollowNode1">
+    <dgm:scene3d>
+      <a:camera prst="orthographicFront"/>
+      <a:lightRig rig="threePt" dir="t"/>
+    </dgm:scene3d>
+    <dgm:sp3d/>
+    <dgm:txPr/>
+    <dgm:style>
+      <a:lnRef idx="2">
+        <a:scrgbClr r="0" g="0" b="0"/>
+      </a:lnRef>
+      <a:fillRef idx="1">
+        <a:scrgbClr r="0" g="0" b="0"/>
+      </a:fillRef>
+      <a:effectRef idx="0">
+        <a:scrgbClr r="0" g="0" b="0"/>
+      </a:effectRef>
+      <a:fontRef idx="minor"/>
+    </dgm:style>
+  </dgm:styleLbl>
+  <dgm:styleLbl name="bgAccFollowNode1">
+    <dgm:scene3d>
+      <a:camera prst="orthographicFront"/>
+      <a:lightRig rig="threePt" dir="t"/>
+    </dgm:scene3d>
+    <dgm:sp3d/>
+    <dgm:txPr/>
+    <dgm:style>
+      <a:lnRef idx="2">
+        <a:scrgbClr r="0" g="0" b="0"/>
+      </a:lnRef>
+      <a:fillRef idx="1">
+        <a:scrgbClr r="0" g="0" b="0"/>
+      </a:fillRef>
+      <a:effectRef idx="0">
+        <a:scrgbClr r="0" g="0" b="0"/>
+      </a:effectRef>
+      <a:fontRef idx="minor"/>
+    </dgm:style>
+  </dgm:styleLbl>
+  <dgm:styleLbl name="fgAcc0">
+    <dgm:scene3d>
+      <a:camera prst="orthographicFront"/>
+      <a:lightRig rig="threePt" dir="t"/>
+    </dgm:scene3d>
+    <dgm:sp3d/>
+    <dgm:txPr/>
+    <dgm:style>
+      <a:lnRef idx="2">
+        <a:scrgbClr r="0" g="0" b="0"/>
+      </a:lnRef>
+      <a:fillRef idx="1">
+        <a:scrgbClr r="0" g="0" b="0"/>
+      </a:fillRef>
+      <a:effectRef idx="0">
+        <a:scrgbClr r="0" g="0" b="0"/>
+      </a:effectRef>
+      <a:fontRef idx="minor"/>
+    </dgm:style>
+  </dgm:styleLbl>
+  <dgm:styleLbl name="fgAcc2">
+    <dgm:scene3d>
+      <a:camera prst="orthographicFront"/>
+      <a:lightRig rig="threePt" dir="t"/>
+    </dgm:scene3d>
+    <dgm:sp3d/>
+    <dgm:txPr/>
+    <dgm:style>
+      <a:lnRef idx="2">
+        <a:scrgbClr r="0" g="0" b="0"/>
+      </a:lnRef>
+      <a:fillRef idx="1">
+        <a:scrgbClr r="0" g="0" b="0"/>
+      </a:fillRef>
+      <a:effectRef idx="0">
+        <a:scrgbClr r="0" g="0" b="0"/>
+      </a:effectRef>
+      <a:fontRef idx="minor"/>
+    </dgm:style>
+  </dgm:styleLbl>
+  <dgm:styleLbl name="fgAcc3">
+    <dgm:scene3d>
+      <a:camera prst="orthographicFront"/>
+      <a:lightRig rig="threePt" dir="t"/>
+    </dgm:scene3d>
+    <dgm:sp3d/>
+    <dgm:txPr/>
+    <dgm:style>
+      <a:lnRef idx="2">
+        <a:scrgbClr r="0" g="0" b="0"/>
+      </a:lnRef>
+      <a:fillRef idx="1">
+        <a:scrgbClr r="0" g="0" b="0"/>
+      </a:fillRef>
+      <a:effectRef idx="0">
+        <a:scrgbClr r="0" g="0" b="0"/>
+      </a:effectRef>
+      <a:fontRef idx="minor"/>
+    </dgm:style>
+  </dgm:styleLbl>
+  <dgm:styleLbl name="fgAcc4">
+    <dgm:scene3d>
+      <a:camera prst="orthographicFront"/>
+      <a:lightRig rig="threePt" dir="t"/>
+    </dgm:scene3d>
+    <dgm:sp3d/>
+    <dgm:txPr/>
+    <dgm:style>
+      <a:lnRef idx="2">
+        <a:scrgbClr r="0" g="0" b="0"/>
+      </a:lnRef>
+      <a:fillRef idx="1">
+        <a:scrgbClr r="0" g="0" b="0"/>
+      </a:fillRef>
+      <a:effectRef idx="0">
+        <a:scrgbClr r="0" g="0" b="0"/>
+      </a:effectRef>
+      <a:fontRef idx="minor"/>
+    </dgm:style>
+  </dgm:styleLbl>
+  <dgm:styleLbl name="bgShp">
+    <dgm:scene3d>
+      <a:camera prst="orthographicFront"/>
+      <a:lightRig rig="threePt" dir="t"/>
+    </dgm:scene3d>
+    <dgm:sp3d/>
+    <dgm:txPr/>
+    <dgm:style>
+      <a:lnRef idx="0">
+        <a:scrgbClr r="0" g="0" b="0"/>
+      </a:lnRef>
+      <a:fillRef idx="1">
+        <a:scrgbClr r="0" g="0" b="0"/>
+      </a:fillRef>
+      <a:effectRef idx="0">
+        <a:scrgbClr r="0" g="0" b="0"/>
+      </a:effectRef>
+      <a:fontRef idx="minor"/>
+    </dgm:style>
+  </dgm:styleLbl>
+  <dgm:styleLbl name="dkBgShp">
+    <dgm:scene3d>
+      <a:camera prst="orthographicFront"/>
+      <a:lightRig rig="threePt" dir="t"/>
+    </dgm:scene3d>
+    <dgm:sp3d/>
+    <dgm:txPr/>
+    <dgm:style>
+      <a:lnRef idx="0">
+        <a:scrgbClr r="0" g="0" b="0"/>
+      </a:lnRef>
+      <a:fillRef idx="1">
+        <a:scrgbClr r="0" g="0" b="0"/>
+      </a:fillRef>
+      <a:effectRef idx="0">
+        <a:scrgbClr r="0" g="0" b="0"/>
+      </a:effectRef>
+      <a:fontRef idx="minor"/>
+    </dgm:style>
+  </dgm:styleLbl>
+  <dgm:styleLbl name="trBgShp">
+    <dgm:scene3d>
+      <a:camera prst="orthographicFront"/>
+      <a:lightRig rig="threePt" dir="t"/>
+    </dgm:scene3d>
+    <dgm:sp3d/>
+    <dgm:txPr/>
+    <dgm:style>
+      <a:lnRef idx="0">
+        <a:scrgbClr r="0" g="0" b="0"/>
+      </a:lnRef>
+      <a:fillRef idx="1">
+        <a:scrgbClr r="0" g="0" b="0"/>
+      </a:fillRef>
+      <a:effectRef idx="0">
+        <a:scrgbClr r="0" g="0" b="0"/>
+      </a:effectRef>
+      <a:fontRef idx="minor"/>
+    </dgm:style>
+  </dgm:styleLbl>
+  <dgm:styleLbl name="fgShp">
+    <dgm:scene3d>
+      <a:camera prst="orthographicFront"/>
+      <a:lightRig rig="threePt" dir="t"/>
+    </dgm:scene3d>
+    <dgm:sp3d/>
+    <dgm:txPr/>
+    <dgm:style>
+      <a:lnRef idx="2">
+        <a:scrgbClr r="0" g="0" b="0"/>
+      </a:lnRef>
+      <a:fillRef idx="1">
+        <a:scrgbClr r="0" g="0" b="0"/>
+      </a:fillRef>
+      <a:effectRef idx="0">
+        <a:scrgbClr r="0" g="0" b="0"/>
+      </a:effectRef>
+      <a:fontRef idx="minor"/>
+    </dgm:style>
+  </dgm:styleLbl>
+  <dgm:styleLbl name="revTx">
+    <dgm:scene3d>
+      <a:camera prst="orthographicFront"/>
+      <a:lightRig rig="threePt" dir="t"/>
+    </dgm:scene3d>
+    <dgm:sp3d/>
+    <dgm:txPr/>
+    <dgm:style>
+      <a:lnRef idx="0">
+        <a:scrgbClr r="0" g="0" b="0"/>
+      </a:lnRef>
+      <a:fillRef idx="0">
+        <a:scrgbClr r="0" g="0" b="0"/>
+      </a:fillRef>
+      <a:effectRef idx="0">
+        <a:scrgbClr r="0" g="0" b="0"/>
+      </a:effectRef>
+      <a:fontRef idx="minor"/>
+    </dgm:style>
+  </dgm:styleLbl>
+</dgm:styleDef>
+</file>
+
 <file path=ppt/slideLayouts/slideLayout1.xml><?xml version="1.0" encoding="utf-8"?>
 <p:sldLayout xmlns:a="http://schemas.openxmlformats.org/drawingml/2006/main" xmlns:r="http://schemas.openxmlformats.org/officeDocument/2006/relationships" xmlns:p="http://schemas.openxmlformats.org/presentationml/2006/main" type="title" preserve="1">
   <p:cSld name="Title Slide">
@@ -7237,7 +10235,7 @@
           <a:p>
             <a:fld id="{4AAD347D-5ACD-4C99-B74B-A9C85AD731AF}" type="datetimeFigureOut">
               <a:rPr lang="en-US" dirty="0"/>
-              <a:t>4/1/2019</a:t>
+              <a:t>4/4/2019</a:t>
             </a:fld>
             <a:endParaRPr lang="en-US" dirty="0"/>
           </a:p>
@@ -7507,7 +10505,7 @@
           <a:p>
             <a:fld id="{4509A250-FF31-4206-8172-F9D3106AACB1}" type="datetimeFigureOut">
               <a:rPr lang="en-US" dirty="0"/>
-              <a:t>4/1/2019</a:t>
+              <a:t>4/4/2019</a:t>
             </a:fld>
             <a:endParaRPr lang="en-US" dirty="0"/>
           </a:p>
@@ -7696,7 +10694,7 @@
           <a:p>
             <a:fld id="{4509A250-FF31-4206-8172-F9D3106AACB1}" type="datetimeFigureOut">
               <a:rPr lang="en-US" dirty="0"/>
-              <a:t>4/1/2019</a:t>
+              <a:t>4/4/2019</a:t>
             </a:fld>
             <a:endParaRPr lang="en-US" dirty="0"/>
           </a:p>
@@ -7959,7 +10957,7 @@
           <a:p>
             <a:fld id="{4509A250-FF31-4206-8172-F9D3106AACB1}" type="datetimeFigureOut">
               <a:rPr lang="en-US" dirty="0"/>
-              <a:t>4/1/2019</a:t>
+              <a:t>4/4/2019</a:t>
             </a:fld>
             <a:endParaRPr lang="en-US" dirty="0"/>
           </a:p>
@@ -8286,7 +11284,7 @@
           <a:p>
             <a:fld id="{4509A250-FF31-4206-8172-F9D3106AACB1}" type="datetimeFigureOut">
               <a:rPr lang="en-US" dirty="0"/>
-              <a:t>4/1/2019</a:t>
+              <a:t>4/4/2019</a:t>
             </a:fld>
             <a:endParaRPr lang="en-US" dirty="0"/>
           </a:p>
@@ -8891,7 +11889,7 @@
           <a:p>
             <a:fld id="{4509A250-FF31-4206-8172-F9D3106AACB1}" type="datetimeFigureOut">
               <a:rPr lang="en-US" dirty="0"/>
-              <a:t>4/1/2019</a:t>
+              <a:t>4/4/2019</a:t>
             </a:fld>
             <a:endParaRPr lang="en-US" dirty="0"/>
           </a:p>
@@ -9733,7 +12731,7 @@
           <a:p>
             <a:fld id="{4509A250-FF31-4206-8172-F9D3106AACB1}" type="datetimeFigureOut">
               <a:rPr lang="en-US" dirty="0"/>
-              <a:t>4/1/2019</a:t>
+              <a:t>4/4/2019</a:t>
             </a:fld>
             <a:endParaRPr lang="en-US" dirty="0"/>
           </a:p>
@@ -9898,7 +12896,7 @@
           <a:p>
             <a:fld id="{4509A250-FF31-4206-8172-F9D3106AACB1}" type="datetimeFigureOut">
               <a:rPr lang="en-US" dirty="0"/>
-              <a:t>4/1/2019</a:t>
+              <a:t>4/4/2019</a:t>
             </a:fld>
             <a:endParaRPr lang="en-US" dirty="0"/>
           </a:p>
@@ -10073,7 +13071,7 @@
           <a:p>
             <a:fld id="{4509A250-FF31-4206-8172-F9D3106AACB1}" type="datetimeFigureOut">
               <a:rPr lang="en-US" dirty="0"/>
-              <a:t>4/1/2019</a:t>
+              <a:t>4/4/2019</a:t>
             </a:fld>
             <a:endParaRPr lang="en-US" dirty="0"/>
           </a:p>
@@ -10238,7 +13236,7 @@
           <a:p>
             <a:fld id="{4509A250-FF31-4206-8172-F9D3106AACB1}" type="datetimeFigureOut">
               <a:rPr lang="en-US" dirty="0"/>
-              <a:t>4/1/2019</a:t>
+              <a:t>4/4/2019</a:t>
             </a:fld>
             <a:endParaRPr lang="en-US" dirty="0"/>
           </a:p>
@@ -10477,7 +13475,7 @@
           <a:p>
             <a:fld id="{4509A250-FF31-4206-8172-F9D3106AACB1}" type="datetimeFigureOut">
               <a:rPr lang="en-US" dirty="0"/>
-              <a:t>4/1/2019</a:t>
+              <a:t>4/4/2019</a:t>
             </a:fld>
             <a:endParaRPr lang="en-US" dirty="0"/>
           </a:p>
@@ -10764,7 +13762,7 @@
           <a:p>
             <a:fld id="{4509A250-FF31-4206-8172-F9D3106AACB1}" type="datetimeFigureOut">
               <a:rPr lang="en-US" dirty="0"/>
-              <a:t>4/1/2019</a:t>
+              <a:t>4/4/2019</a:t>
             </a:fld>
             <a:endParaRPr lang="en-US" dirty="0"/>
           </a:p>
@@ -11197,7 +14195,7 @@
           <a:p>
             <a:fld id="{4509A250-FF31-4206-8172-F9D3106AACB1}" type="datetimeFigureOut">
               <a:rPr lang="en-US" dirty="0"/>
-              <a:t>4/1/2019</a:t>
+              <a:t>4/4/2019</a:t>
             </a:fld>
             <a:endParaRPr lang="en-US" dirty="0"/>
           </a:p>
@@ -11310,7 +14308,7 @@
           <a:p>
             <a:fld id="{4509A250-FF31-4206-8172-F9D3106AACB1}" type="datetimeFigureOut">
               <a:rPr lang="en-US" dirty="0"/>
-              <a:t>4/1/2019</a:t>
+              <a:t>4/4/2019</a:t>
             </a:fld>
             <a:endParaRPr lang="en-US" dirty="0"/>
           </a:p>
@@ -11400,7 +14398,7 @@
           <a:p>
             <a:fld id="{4509A250-FF31-4206-8172-F9D3106AACB1}" type="datetimeFigureOut">
               <a:rPr lang="en-US" dirty="0"/>
-              <a:t>4/1/2019</a:t>
+              <a:t>4/4/2019</a:t>
             </a:fld>
             <a:endParaRPr lang="en-US" dirty="0"/>
           </a:p>
@@ -11674,7 +14672,7 @@
           <a:p>
             <a:fld id="{4509A250-FF31-4206-8172-F9D3106AACB1}" type="datetimeFigureOut">
               <a:rPr lang="en-US" dirty="0"/>
-              <a:t>4/1/2019</a:t>
+              <a:t>4/4/2019</a:t>
             </a:fld>
             <a:endParaRPr lang="en-US" dirty="0"/>
           </a:p>
@@ -11944,7 +14942,7 @@
           <a:p>
             <a:fld id="{4509A250-FF31-4206-8172-F9D3106AACB1}" type="datetimeFigureOut">
               <a:rPr lang="en-US" dirty="0"/>
-              <a:t>4/1/2019</a:t>
+              <a:t>4/4/2019</a:t>
             </a:fld>
             <a:endParaRPr lang="en-US" dirty="0"/>
           </a:p>
@@ -12368,7 +15366,7 @@
           <a:p>
             <a:fld id="{4509A250-FF31-4206-8172-F9D3106AACB1}" type="datetimeFigureOut">
               <a:rPr lang="en-US" dirty="0"/>
-              <a:t>4/1/2019</a:t>
+              <a:t>4/4/2019</a:t>
             </a:fld>
             <a:endParaRPr lang="en-US" dirty="0"/>
           </a:p>
@@ -13649,6 +16647,1089 @@
   <p:cSld>
     <p:bg>
       <p:bgPr>
+        <a:solidFill>
+          <a:schemeClr val="bg1"/>
+        </a:solidFill>
+        <a:effectLst/>
+      </p:bgPr>
+    </p:bg>
+    <p:spTree>
+      <p:nvGrpSpPr>
+        <p:cNvPr id="1" name=""/>
+        <p:cNvGrpSpPr/>
+        <p:nvPr/>
+      </p:nvGrpSpPr>
+      <p:grpSpPr>
+        <a:xfrm>
+          <a:off x="0" y="0"/>
+          <a:ext cx="0" cy="0"/>
+          <a:chOff x="0" y="0"/>
+          <a:chExt cx="0" cy="0"/>
+        </a:xfrm>
+      </p:grpSpPr>
+      <p:sp>
+        <p:nvSpPr>
+          <p:cNvPr id="10" name="Rectangle 9">
+            <a:extLst>
+              <a:ext uri="{FF2B5EF4-FFF2-40B4-BE49-F238E27FC236}">
+                <a16:creationId xmlns:a16="http://schemas.microsoft.com/office/drawing/2014/main" id="{0604E0B1-6762-4B99-A6A5-42ED8E20D69F}"/>
+              </a:ext>
+              <a:ext uri="{C183D7F6-B498-43B3-948B-1728B52AA6E4}">
+                <adec:decorative xmlns:adec="http://schemas.microsoft.com/office/drawing/2017/decorative" val="1"/>
+              </a:ext>
+            </a:extLst>
+          </p:cNvPr>
+          <p:cNvSpPr>
+            <a:spLocks noGrp="1" noRot="1" noChangeAspect="1" noMove="1" noResize="1" noEditPoints="1" noAdjustHandles="1" noChangeArrowheads="1" noChangeShapeType="1" noTextEdit="1"/>
+          </p:cNvSpPr>
+          <p:nvPr>
+            <p:extLst>
+              <p:ext uri="{386F3935-93C4-4BCD-93E2-E3B085C9AB24}">
+                <p16:designElem xmlns:p16="http://schemas.microsoft.com/office/powerpoint/2015/main" val="1"/>
+              </p:ext>
+            </p:extLst>
+          </p:nvPr>
+        </p:nvSpPr>
+        <p:spPr>
+          <a:xfrm>
+            <a:off x="0" y="0"/>
+            <a:ext cx="12191999" cy="6858000"/>
+          </a:xfrm>
+          <a:prstGeom prst="rect">
+            <a:avLst/>
+          </a:prstGeom>
+          <a:ln>
+            <a:noFill/>
+          </a:ln>
+        </p:spPr>
+        <p:style>
+          <a:lnRef idx="2">
+            <a:schemeClr val="accent1">
+              <a:shade val="50000"/>
+            </a:schemeClr>
+          </a:lnRef>
+          <a:fillRef idx="1003">
+            <a:schemeClr val="dk2"/>
+          </a:fillRef>
+          <a:effectRef idx="0">
+            <a:schemeClr val="accent1"/>
+          </a:effectRef>
+          <a:fontRef idx="minor">
+            <a:schemeClr val="lt1"/>
+          </a:fontRef>
+        </p:style>
+        <p:txBody>
+          <a:bodyPr rtlCol="0" anchor="ctr"/>
+          <a:lstStyle/>
+          <a:p>
+            <a:pPr algn="ctr"/>
+            <a:endParaRPr lang="en-US"/>
+          </a:p>
+        </p:txBody>
+      </p:sp>
+      <p:sp>
+        <p:nvSpPr>
+          <p:cNvPr id="12" name="Freeform 7">
+            <a:extLst>
+              <a:ext uri="{FF2B5EF4-FFF2-40B4-BE49-F238E27FC236}">
+                <a16:creationId xmlns:a16="http://schemas.microsoft.com/office/drawing/2014/main" id="{6D86F5FF-DE1B-4BAB-A7BE-6F39F5DD988E}"/>
+              </a:ext>
+              <a:ext uri="{C183D7F6-B498-43B3-948B-1728B52AA6E4}">
+                <adec:decorative xmlns:adec="http://schemas.microsoft.com/office/drawing/2017/decorative" val="1"/>
+              </a:ext>
+            </a:extLst>
+          </p:cNvPr>
+          <p:cNvSpPr>
+            <a:spLocks noGrp="1" noRot="1" noChangeAspect="1" noMove="1" noResize="1" noEditPoints="1" noAdjustHandles="1" noChangeArrowheads="1" noChangeShapeType="1" noTextEdit="1"/>
+          </p:cNvSpPr>
+          <p:nvPr>
+            <p:extLst>
+              <p:ext uri="{386F3935-93C4-4BCD-93E2-E3B085C9AB24}">
+                <p16:designElem xmlns:p16="http://schemas.microsoft.com/office/powerpoint/2015/main" val="1"/>
+              </p:ext>
+            </p:extLst>
+          </p:nvPr>
+        </p:nvSpPr>
+        <p:spPr>
+          <a:xfrm>
+            <a:off x="8719939" y="1460230"/>
+            <a:ext cx="3472060" cy="825932"/>
+          </a:xfrm>
+          <a:custGeom>
+            <a:avLst/>
+            <a:gdLst>
+              <a:gd name="connsiteX0" fmla="*/ 3470310 w 3472060"/>
+              <a:gd name="connsiteY0" fmla="*/ 0 h 825932"/>
+              <a:gd name="connsiteX1" fmla="*/ 3472060 w 3472060"/>
+              <a:gd name="connsiteY1" fmla="*/ 12850 h 825932"/>
+              <a:gd name="connsiteX2" fmla="*/ 3472060 w 3472060"/>
+              <a:gd name="connsiteY2" fmla="*/ 480529 h 825932"/>
+              <a:gd name="connsiteX3" fmla="*/ 3363699 w 3472060"/>
+              <a:gd name="connsiteY3" fmla="*/ 498471 h 825932"/>
+              <a:gd name="connsiteX4" fmla="*/ 42060 w 3472060"/>
+              <a:gd name="connsiteY4" fmla="*/ 824486 h 825932"/>
+              <a:gd name="connsiteX5" fmla="*/ 0 w 3472060"/>
+              <a:gd name="connsiteY5" fmla="*/ 758452 h 825932"/>
+              <a:gd name="connsiteX6" fmla="*/ 188014 w 3472060"/>
+              <a:gd name="connsiteY6" fmla="*/ 735602 h 825932"/>
+              <a:gd name="connsiteX7" fmla="*/ 284087 w 3472060"/>
+              <a:gd name="connsiteY7" fmla="*/ 722590 h 825932"/>
+              <a:gd name="connsiteX8" fmla="*/ 382288 w 3472060"/>
+              <a:gd name="connsiteY8" fmla="*/ 709392 h 825932"/>
+              <a:gd name="connsiteX9" fmla="*/ 481858 w 3472060"/>
+              <a:gd name="connsiteY9" fmla="*/ 695774 h 825932"/>
+              <a:gd name="connsiteX10" fmla="*/ 581897 w 3472060"/>
+              <a:gd name="connsiteY10" fmla="*/ 680711 h 825932"/>
+              <a:gd name="connsiteX11" fmla="*/ 683670 w 3472060"/>
+              <a:gd name="connsiteY11" fmla="*/ 665256 h 825932"/>
+              <a:gd name="connsiteX12" fmla="*/ 787206 w 3472060"/>
+              <a:gd name="connsiteY12" fmla="*/ 649587 h 825932"/>
+              <a:gd name="connsiteX13" fmla="*/ 892019 w 3472060"/>
+              <a:gd name="connsiteY13" fmla="*/ 632968 h 825932"/>
+              <a:gd name="connsiteX14" fmla="*/ 997620 w 3472060"/>
+              <a:gd name="connsiteY14" fmla="*/ 614667 h 825932"/>
+              <a:gd name="connsiteX15" fmla="*/ 1104727 w 3472060"/>
+              <a:gd name="connsiteY15" fmla="*/ 596741 h 825932"/>
+              <a:gd name="connsiteX16" fmla="*/ 1212669 w 3472060"/>
+              <a:gd name="connsiteY16" fmla="*/ 577397 h 825932"/>
+              <a:gd name="connsiteX17" fmla="*/ 1321506 w 3472060"/>
+              <a:gd name="connsiteY17" fmla="*/ 556988 h 825932"/>
+              <a:gd name="connsiteX18" fmla="*/ 1430709 w 3472060"/>
+              <a:gd name="connsiteY18" fmla="*/ 536607 h 825932"/>
+              <a:gd name="connsiteX19" fmla="*/ 1541050 w 3472060"/>
+              <a:gd name="connsiteY19" fmla="*/ 514481 h 825932"/>
+              <a:gd name="connsiteX20" fmla="*/ 1652805 w 3472060"/>
+              <a:gd name="connsiteY20" fmla="*/ 492202 h 825932"/>
+              <a:gd name="connsiteX21" fmla="*/ 1763708 w 3472060"/>
+              <a:gd name="connsiteY21" fmla="*/ 469161 h 825932"/>
+              <a:gd name="connsiteX22" fmla="*/ 1875795 w 3472060"/>
+              <a:gd name="connsiteY22" fmla="*/ 444641 h 825932"/>
+              <a:gd name="connsiteX23" fmla="*/ 1989128 w 3472060"/>
+              <a:gd name="connsiteY23" fmla="*/ 418995 h 825932"/>
+              <a:gd name="connsiteX24" fmla="*/ 2102476 w 3472060"/>
+              <a:gd name="connsiteY24" fmla="*/ 393438 h 825932"/>
+              <a:gd name="connsiteX25" fmla="*/ 2215549 w 3472060"/>
+              <a:gd name="connsiteY25" fmla="*/ 366291 h 825932"/>
+              <a:gd name="connsiteX26" fmla="*/ 2330490 w 3472060"/>
+              <a:gd name="connsiteY26" fmla="*/ 337455 h 825932"/>
+              <a:gd name="connsiteX27" fmla="*/ 2443333 w 3472060"/>
+              <a:gd name="connsiteY27" fmla="*/ 308983 h 825932"/>
+              <a:gd name="connsiteX28" fmla="*/ 2558014 w 3472060"/>
+              <a:gd name="connsiteY28" fmla="*/ 278646 h 825932"/>
+              <a:gd name="connsiteX29" fmla="*/ 2673621 w 3472060"/>
+              <a:gd name="connsiteY29" fmla="*/ 247421 h 825932"/>
+              <a:gd name="connsiteX30" fmla="*/ 2787008 w 3472060"/>
+              <a:gd name="connsiteY30" fmla="*/ 215853 h 825932"/>
+              <a:gd name="connsiteX31" fmla="*/ 2901442 w 3472060"/>
+              <a:gd name="connsiteY31" fmla="*/ 182011 h 825932"/>
+              <a:gd name="connsiteX32" fmla="*/ 3015722 w 3472060"/>
+              <a:gd name="connsiteY32" fmla="*/ 147286 h 825932"/>
+              <a:gd name="connsiteX33" fmla="*/ 3130018 w 3472060"/>
+              <a:gd name="connsiteY33" fmla="*/ 112649 h 825932"/>
+              <a:gd name="connsiteX34" fmla="*/ 3243551 w 3472060"/>
+              <a:gd name="connsiteY34" fmla="*/ 75688 h 825932"/>
+              <a:gd name="connsiteX35" fmla="*/ 3356992 w 3472060"/>
+              <a:gd name="connsiteY35" fmla="*/ 38197 h 825932"/>
+              <a:gd name="connsiteX36" fmla="*/ 3470310 w 3472060"/>
+              <a:gd name="connsiteY36" fmla="*/ 0 h 825932"/>
+            </a:gdLst>
+            <a:ahLst/>
+            <a:cxnLst>
+              <a:cxn ang="0">
+                <a:pos x="connsiteX0" y="connsiteY0"/>
+              </a:cxn>
+              <a:cxn ang="0">
+                <a:pos x="connsiteX1" y="connsiteY1"/>
+              </a:cxn>
+              <a:cxn ang="0">
+                <a:pos x="connsiteX2" y="connsiteY2"/>
+              </a:cxn>
+              <a:cxn ang="0">
+                <a:pos x="connsiteX3" y="connsiteY3"/>
+              </a:cxn>
+              <a:cxn ang="0">
+                <a:pos x="connsiteX4" y="connsiteY4"/>
+              </a:cxn>
+              <a:cxn ang="0">
+                <a:pos x="connsiteX5" y="connsiteY5"/>
+              </a:cxn>
+              <a:cxn ang="0">
+                <a:pos x="connsiteX6" y="connsiteY6"/>
+              </a:cxn>
+              <a:cxn ang="0">
+                <a:pos x="connsiteX7" y="connsiteY7"/>
+              </a:cxn>
+              <a:cxn ang="0">
+                <a:pos x="connsiteX8" y="connsiteY8"/>
+              </a:cxn>
+              <a:cxn ang="0">
+                <a:pos x="connsiteX9" y="connsiteY9"/>
+              </a:cxn>
+              <a:cxn ang="0">
+                <a:pos x="connsiteX10" y="connsiteY10"/>
+              </a:cxn>
+              <a:cxn ang="0">
+                <a:pos x="connsiteX11" y="connsiteY11"/>
+              </a:cxn>
+              <a:cxn ang="0">
+                <a:pos x="connsiteX12" y="connsiteY12"/>
+              </a:cxn>
+              <a:cxn ang="0">
+                <a:pos x="connsiteX13" y="connsiteY13"/>
+              </a:cxn>
+              <a:cxn ang="0">
+                <a:pos x="connsiteX14" y="connsiteY14"/>
+              </a:cxn>
+              <a:cxn ang="0">
+                <a:pos x="connsiteX15" y="connsiteY15"/>
+              </a:cxn>
+              <a:cxn ang="0">
+                <a:pos x="connsiteX16" y="connsiteY16"/>
+              </a:cxn>
+              <a:cxn ang="0">
+                <a:pos x="connsiteX17" y="connsiteY17"/>
+              </a:cxn>
+              <a:cxn ang="0">
+                <a:pos x="connsiteX18" y="connsiteY18"/>
+              </a:cxn>
+              <a:cxn ang="0">
+                <a:pos x="connsiteX19" y="connsiteY19"/>
+              </a:cxn>
+              <a:cxn ang="0">
+                <a:pos x="connsiteX20" y="connsiteY20"/>
+              </a:cxn>
+              <a:cxn ang="0">
+                <a:pos x="connsiteX21" y="connsiteY21"/>
+              </a:cxn>
+              <a:cxn ang="0">
+                <a:pos x="connsiteX22" y="connsiteY22"/>
+              </a:cxn>
+              <a:cxn ang="0">
+                <a:pos x="connsiteX23" y="connsiteY23"/>
+              </a:cxn>
+              <a:cxn ang="0">
+                <a:pos x="connsiteX24" y="connsiteY24"/>
+              </a:cxn>
+              <a:cxn ang="0">
+                <a:pos x="connsiteX25" y="connsiteY25"/>
+              </a:cxn>
+              <a:cxn ang="0">
+                <a:pos x="connsiteX26" y="connsiteY26"/>
+              </a:cxn>
+              <a:cxn ang="0">
+                <a:pos x="connsiteX27" y="connsiteY27"/>
+              </a:cxn>
+              <a:cxn ang="0">
+                <a:pos x="connsiteX28" y="connsiteY28"/>
+              </a:cxn>
+              <a:cxn ang="0">
+                <a:pos x="connsiteX29" y="connsiteY29"/>
+              </a:cxn>
+              <a:cxn ang="0">
+                <a:pos x="connsiteX30" y="connsiteY30"/>
+              </a:cxn>
+              <a:cxn ang="0">
+                <a:pos x="connsiteX31" y="connsiteY31"/>
+              </a:cxn>
+              <a:cxn ang="0">
+                <a:pos x="connsiteX32" y="connsiteY32"/>
+              </a:cxn>
+              <a:cxn ang="0">
+                <a:pos x="connsiteX33" y="connsiteY33"/>
+              </a:cxn>
+              <a:cxn ang="0">
+                <a:pos x="connsiteX34" y="connsiteY34"/>
+              </a:cxn>
+              <a:cxn ang="0">
+                <a:pos x="connsiteX35" y="connsiteY35"/>
+              </a:cxn>
+              <a:cxn ang="0">
+                <a:pos x="connsiteX36" y="connsiteY36"/>
+              </a:cxn>
+            </a:cxnLst>
+            <a:rect l="l" t="t" r="r" b="b"/>
+            <a:pathLst>
+              <a:path w="3472060" h="825932">
+                <a:moveTo>
+                  <a:pt x="3470310" y="0"/>
+                </a:moveTo>
+                <a:lnTo>
+                  <a:pt x="3472060" y="12850"/>
+                </a:lnTo>
+                <a:lnTo>
+                  <a:pt x="3472060" y="480529"/>
+                </a:lnTo>
+                <a:lnTo>
+                  <a:pt x="3363699" y="498471"/>
+                </a:lnTo>
+                <a:cubicBezTo>
+                  <a:pt x="2435623" y="645518"/>
+                  <a:pt x="603076" y="844866"/>
+                  <a:pt x="42060" y="824486"/>
+                </a:cubicBezTo>
+                <a:cubicBezTo>
+                  <a:pt x="28151" y="802425"/>
+                  <a:pt x="13909" y="780513"/>
+                  <a:pt x="0" y="758452"/>
+                </a:cubicBezTo>
+                <a:lnTo>
+                  <a:pt x="188014" y="735602"/>
+                </a:lnTo>
+                <a:lnTo>
+                  <a:pt x="284087" y="722590"/>
+                </a:lnTo>
+                <a:lnTo>
+                  <a:pt x="382288" y="709392"/>
+                </a:lnTo>
+                <a:lnTo>
+                  <a:pt x="481858" y="695774"/>
+                </a:lnTo>
+                <a:lnTo>
+                  <a:pt x="581897" y="680711"/>
+                </a:lnTo>
+                <a:lnTo>
+                  <a:pt x="683670" y="665256"/>
+                </a:lnTo>
+                <a:lnTo>
+                  <a:pt x="787206" y="649587"/>
+                </a:lnTo>
+                <a:lnTo>
+                  <a:pt x="892019" y="632968"/>
+                </a:lnTo>
+                <a:lnTo>
+                  <a:pt x="997620" y="614667"/>
+                </a:lnTo>
+                <a:lnTo>
+                  <a:pt x="1104727" y="596741"/>
+                </a:lnTo>
+                <a:lnTo>
+                  <a:pt x="1212669" y="577397"/>
+                </a:lnTo>
+                <a:lnTo>
+                  <a:pt x="1321506" y="556988"/>
+                </a:lnTo>
+                <a:lnTo>
+                  <a:pt x="1430709" y="536607"/>
+                </a:lnTo>
+                <a:lnTo>
+                  <a:pt x="1541050" y="514481"/>
+                </a:lnTo>
+                <a:lnTo>
+                  <a:pt x="1652805" y="492202"/>
+                </a:lnTo>
+                <a:lnTo>
+                  <a:pt x="1763708" y="469161"/>
+                </a:lnTo>
+                <a:lnTo>
+                  <a:pt x="1875795" y="444641"/>
+                </a:lnTo>
+                <a:lnTo>
+                  <a:pt x="1989128" y="418995"/>
+                </a:lnTo>
+                <a:lnTo>
+                  <a:pt x="2102476" y="393438"/>
+                </a:lnTo>
+                <a:lnTo>
+                  <a:pt x="2215549" y="366291"/>
+                </a:lnTo>
+                <a:lnTo>
+                  <a:pt x="2330490" y="337455"/>
+                </a:lnTo>
+                <a:lnTo>
+                  <a:pt x="2443333" y="308983"/>
+                </a:lnTo>
+                <a:lnTo>
+                  <a:pt x="2558014" y="278646"/>
+                </a:lnTo>
+                <a:lnTo>
+                  <a:pt x="2673621" y="247421"/>
+                </a:lnTo>
+                <a:lnTo>
+                  <a:pt x="2787008" y="215853"/>
+                </a:lnTo>
+                <a:lnTo>
+                  <a:pt x="2901442" y="182011"/>
+                </a:lnTo>
+                <a:lnTo>
+                  <a:pt x="3015722" y="147286"/>
+                </a:lnTo>
+                <a:lnTo>
+                  <a:pt x="3130018" y="112649"/>
+                </a:lnTo>
+                <a:lnTo>
+                  <a:pt x="3243551" y="75688"/>
+                </a:lnTo>
+                <a:lnTo>
+                  <a:pt x="3356992" y="38197"/>
+                </a:lnTo>
+                <a:lnTo>
+                  <a:pt x="3470310" y="0"/>
+                </a:lnTo>
+                <a:close/>
+              </a:path>
+            </a:pathLst>
+          </a:custGeom>
+          <a:solidFill>
+            <a:schemeClr val="bg1">
+              <a:alpha val="20000"/>
+            </a:schemeClr>
+          </a:solidFill>
+          <a:ln>
+            <a:noFill/>
+          </a:ln>
+        </p:spPr>
+        <p:txBody>
+          <a:bodyPr rtlCol="0" anchor="ctr"/>
+          <a:lstStyle/>
+          <a:p>
+            <a:pPr algn="ctr"/>
+            <a:endParaRPr lang="en-US">
+              <a:solidFill>
+                <a:schemeClr val="tx1"/>
+              </a:solidFill>
+            </a:endParaRPr>
+          </a:p>
+        </p:txBody>
+      </p:sp>
+      <p:sp>
+        <p:nvSpPr>
+          <p:cNvPr id="2" name="Title 1">
+            <a:extLst>
+              <a:ext uri="{FF2B5EF4-FFF2-40B4-BE49-F238E27FC236}">
+                <a16:creationId xmlns:a16="http://schemas.microsoft.com/office/drawing/2014/main" id="{E25B66D3-D104-4B08-B037-CA41B474B473}"/>
+              </a:ext>
+            </a:extLst>
+          </p:cNvPr>
+          <p:cNvSpPr>
+            <a:spLocks noGrp="1"/>
+          </p:cNvSpPr>
+          <p:nvPr>
+            <p:ph type="title"/>
+          </p:nvPr>
+        </p:nvSpPr>
+        <p:spPr>
+          <a:xfrm>
+            <a:off x="648930" y="629267"/>
+            <a:ext cx="9252154" cy="1016654"/>
+          </a:xfrm>
+        </p:spPr>
+        <p:txBody>
+          <a:bodyPr>
+            <a:normAutofit/>
+          </a:bodyPr>
+          <a:lstStyle/>
+          <a:p>
+            <a:r>
+              <a:rPr lang="en-IE">
+                <a:solidFill>
+                  <a:srgbClr val="EBEBEB"/>
+                </a:solidFill>
+              </a:rPr>
+              <a:t>PROJECT OUTLINE</a:t>
+            </a:r>
+          </a:p>
+        </p:txBody>
+      </p:sp>
+      <p:sp>
+        <p:nvSpPr>
+          <p:cNvPr id="14" name="Rectangle 13">
+            <a:extLst>
+              <a:ext uri="{FF2B5EF4-FFF2-40B4-BE49-F238E27FC236}">
+                <a16:creationId xmlns:a16="http://schemas.microsoft.com/office/drawing/2014/main" id="{736AD705-9544-45E1-B278-8D99F718B8E7}"/>
+              </a:ext>
+              <a:ext uri="{C183D7F6-B498-43B3-948B-1728B52AA6E4}">
+                <adec:decorative xmlns:adec="http://schemas.microsoft.com/office/drawing/2017/decorative" val="1"/>
+              </a:ext>
+            </a:extLst>
+          </p:cNvPr>
+          <p:cNvSpPr>
+            <a:spLocks noGrp="1" noRot="1" noChangeAspect="1" noMove="1" noResize="1" noEditPoints="1" noAdjustHandles="1" noChangeArrowheads="1" noChangeShapeType="1" noTextEdit="1"/>
+          </p:cNvSpPr>
+          <p:nvPr>
+            <p:extLst>
+              <p:ext uri="{386F3935-93C4-4BCD-93E2-E3B085C9AB24}">
+                <p16:designElem xmlns:p16="http://schemas.microsoft.com/office/powerpoint/2015/main" val="1"/>
+              </p:ext>
+            </p:extLst>
+          </p:nvPr>
+        </p:nvSpPr>
+        <p:spPr>
+          <a:xfrm>
+            <a:off x="10437812" y="0"/>
+            <a:ext cx="685800" cy="1143000"/>
+          </a:xfrm>
+          <a:prstGeom prst="rect">
+            <a:avLst/>
+          </a:prstGeom>
+          <a:solidFill>
+            <a:schemeClr val="accent1"/>
+          </a:solidFill>
+          <a:ln>
+            <a:noFill/>
+          </a:ln>
+        </p:spPr>
+        <p:style>
+          <a:lnRef idx="1">
+            <a:schemeClr val="accent1"/>
+          </a:lnRef>
+          <a:fillRef idx="3">
+            <a:schemeClr val="accent1"/>
+          </a:fillRef>
+          <a:effectRef idx="2">
+            <a:schemeClr val="accent1"/>
+          </a:effectRef>
+          <a:fontRef idx="minor">
+            <a:schemeClr val="lt1"/>
+          </a:fontRef>
+        </p:style>
+      </p:sp>
+      <p:sp>
+        <p:nvSpPr>
+          <p:cNvPr id="16" name="Freeform: Shape 15">
+            <a:extLst>
+              <a:ext uri="{FF2B5EF4-FFF2-40B4-BE49-F238E27FC236}">
+                <a16:creationId xmlns:a16="http://schemas.microsoft.com/office/drawing/2014/main" id="{8DFFC5B7-4963-4902-8A90-EFF5766892DF}"/>
+              </a:ext>
+              <a:ext uri="{C183D7F6-B498-43B3-948B-1728B52AA6E4}">
+                <adec:decorative xmlns:adec="http://schemas.microsoft.com/office/drawing/2017/decorative" val="1"/>
+              </a:ext>
+            </a:extLst>
+          </p:cNvPr>
+          <p:cNvSpPr>
+            <a:spLocks noGrp="1" noRot="1" noChangeAspect="1" noMove="1" noResize="1" noEditPoints="1" noAdjustHandles="1" noChangeArrowheads="1" noChangeShapeType="1" noTextEdit="1"/>
+          </p:cNvSpPr>
+          <p:nvPr>
+            <p:extLst>
+              <p:ext uri="{386F3935-93C4-4BCD-93E2-E3B085C9AB24}">
+                <p16:designElem xmlns:p16="http://schemas.microsoft.com/office/powerpoint/2015/main" val="1"/>
+              </p:ext>
+            </p:extLst>
+          </p:nvPr>
+        </p:nvSpPr>
+        <p:spPr bwMode="gray">
+          <a:xfrm>
+            <a:off x="-1" y="1762067"/>
+            <a:ext cx="12192418" cy="5095933"/>
+          </a:xfrm>
+          <a:custGeom>
+            <a:avLst/>
+            <a:gdLst>
+              <a:gd name="connsiteX0" fmla="*/ 1 w 12192418"/>
+              <a:gd name="connsiteY0" fmla="*/ 0 h 5095933"/>
+              <a:gd name="connsiteX1" fmla="*/ 71932 w 12192418"/>
+              <a:gd name="connsiteY1" fmla="*/ 12261 h 5095933"/>
+              <a:gd name="connsiteX2" fmla="*/ 282849 w 12192418"/>
+              <a:gd name="connsiteY2" fmla="*/ 48343 h 5095933"/>
+              <a:gd name="connsiteX3" fmla="*/ 436464 w 12192418"/>
+              <a:gd name="connsiteY3" fmla="*/ 73565 h 5095933"/>
+              <a:gd name="connsiteX4" fmla="*/ 619339 w 12192418"/>
+              <a:gd name="connsiteY4" fmla="*/ 100188 h 5095933"/>
+              <a:gd name="connsiteX5" fmla="*/ 836351 w 12192418"/>
+              <a:gd name="connsiteY5" fmla="*/ 132066 h 5095933"/>
+              <a:gd name="connsiteX6" fmla="*/ 1076528 w 12192418"/>
+              <a:gd name="connsiteY6" fmla="*/ 165696 h 5095933"/>
+              <a:gd name="connsiteX7" fmla="*/ 1347184 w 12192418"/>
+              <a:gd name="connsiteY7" fmla="*/ 201077 h 5095933"/>
+              <a:gd name="connsiteX8" fmla="*/ 1642223 w 12192418"/>
+              <a:gd name="connsiteY8" fmla="*/ 238560 h 5095933"/>
+              <a:gd name="connsiteX9" fmla="*/ 1962864 w 12192418"/>
+              <a:gd name="connsiteY9" fmla="*/ 276043 h 5095933"/>
+              <a:gd name="connsiteX10" fmla="*/ 2304232 w 12192418"/>
+              <a:gd name="connsiteY10" fmla="*/ 314227 h 5095933"/>
+              <a:gd name="connsiteX11" fmla="*/ 2672421 w 12192418"/>
+              <a:gd name="connsiteY11" fmla="*/ 349608 h 5095933"/>
+              <a:gd name="connsiteX12" fmla="*/ 3057678 w 12192418"/>
+              <a:gd name="connsiteY12" fmla="*/ 383588 h 5095933"/>
+              <a:gd name="connsiteX13" fmla="*/ 3464881 w 12192418"/>
+              <a:gd name="connsiteY13" fmla="*/ 414415 h 5095933"/>
+              <a:gd name="connsiteX14" fmla="*/ 3889152 w 12192418"/>
+              <a:gd name="connsiteY14" fmla="*/ 443841 h 5095933"/>
+              <a:gd name="connsiteX15" fmla="*/ 4331710 w 12192418"/>
+              <a:gd name="connsiteY15" fmla="*/ 471515 h 5095933"/>
+              <a:gd name="connsiteX16" fmla="*/ 4558476 w 12192418"/>
+              <a:gd name="connsiteY16" fmla="*/ 481324 h 5095933"/>
+              <a:gd name="connsiteX17" fmla="*/ 4790118 w 12192418"/>
+              <a:gd name="connsiteY17" fmla="*/ 492183 h 5095933"/>
+              <a:gd name="connsiteX18" fmla="*/ 5025418 w 12192418"/>
+              <a:gd name="connsiteY18" fmla="*/ 502342 h 5095933"/>
+              <a:gd name="connsiteX19" fmla="*/ 5261937 w 12192418"/>
+              <a:gd name="connsiteY19" fmla="*/ 508998 h 5095933"/>
+              <a:gd name="connsiteX20" fmla="*/ 5503332 w 12192418"/>
+              <a:gd name="connsiteY20" fmla="*/ 514953 h 5095933"/>
+              <a:gd name="connsiteX21" fmla="*/ 5747167 w 12192418"/>
+              <a:gd name="connsiteY21" fmla="*/ 521259 h 5095933"/>
+              <a:gd name="connsiteX22" fmla="*/ 5995877 w 12192418"/>
+              <a:gd name="connsiteY22" fmla="*/ 525463 h 5095933"/>
+              <a:gd name="connsiteX23" fmla="*/ 6247026 w 12192418"/>
+              <a:gd name="connsiteY23" fmla="*/ 525463 h 5095933"/>
+              <a:gd name="connsiteX24" fmla="*/ 6500613 w 12192418"/>
+              <a:gd name="connsiteY24" fmla="*/ 527565 h 5095933"/>
+              <a:gd name="connsiteX25" fmla="*/ 6756639 w 12192418"/>
+              <a:gd name="connsiteY25" fmla="*/ 525463 h 5095933"/>
+              <a:gd name="connsiteX26" fmla="*/ 7016322 w 12192418"/>
+              <a:gd name="connsiteY26" fmla="*/ 521259 h 5095933"/>
+              <a:gd name="connsiteX27" fmla="*/ 7276005 w 12192418"/>
+              <a:gd name="connsiteY27" fmla="*/ 517406 h 5095933"/>
+              <a:gd name="connsiteX28" fmla="*/ 7539345 w 12192418"/>
+              <a:gd name="connsiteY28" fmla="*/ 508998 h 5095933"/>
+              <a:gd name="connsiteX29" fmla="*/ 7805124 w 12192418"/>
+              <a:gd name="connsiteY29" fmla="*/ 500241 h 5095933"/>
+              <a:gd name="connsiteX30" fmla="*/ 8070903 w 12192418"/>
+              <a:gd name="connsiteY30" fmla="*/ 490082 h 5095933"/>
+              <a:gd name="connsiteX31" fmla="*/ 8339121 w 12192418"/>
+              <a:gd name="connsiteY31" fmla="*/ 475719 h 5095933"/>
+              <a:gd name="connsiteX32" fmla="*/ 8609776 w 12192418"/>
+              <a:gd name="connsiteY32" fmla="*/ 458554 h 5095933"/>
+              <a:gd name="connsiteX33" fmla="*/ 8881651 w 12192418"/>
+              <a:gd name="connsiteY33" fmla="*/ 442089 h 5095933"/>
+              <a:gd name="connsiteX34" fmla="*/ 9153526 w 12192418"/>
+              <a:gd name="connsiteY34" fmla="*/ 421071 h 5095933"/>
+              <a:gd name="connsiteX35" fmla="*/ 9429058 w 12192418"/>
+              <a:gd name="connsiteY35" fmla="*/ 395849 h 5095933"/>
+              <a:gd name="connsiteX36" fmla="*/ 9700933 w 12192418"/>
+              <a:gd name="connsiteY36" fmla="*/ 370626 h 5095933"/>
+              <a:gd name="connsiteX37" fmla="*/ 9977684 w 12192418"/>
+              <a:gd name="connsiteY37" fmla="*/ 341551 h 5095933"/>
+              <a:gd name="connsiteX38" fmla="*/ 10255655 w 12192418"/>
+              <a:gd name="connsiteY38" fmla="*/ 309673 h 5095933"/>
+              <a:gd name="connsiteX39" fmla="*/ 10529968 w 12192418"/>
+              <a:gd name="connsiteY39" fmla="*/ 276043 h 5095933"/>
+              <a:gd name="connsiteX40" fmla="*/ 10807939 w 12192418"/>
+              <a:gd name="connsiteY40" fmla="*/ 236809 h 5095933"/>
+              <a:gd name="connsiteX41" fmla="*/ 11084690 w 12192418"/>
+              <a:gd name="connsiteY41" fmla="*/ 194772 h 5095933"/>
+              <a:gd name="connsiteX42" fmla="*/ 11362661 w 12192418"/>
+              <a:gd name="connsiteY42" fmla="*/ 153085 h 5095933"/>
+              <a:gd name="connsiteX43" fmla="*/ 11639412 w 12192418"/>
+              <a:gd name="connsiteY43" fmla="*/ 104392 h 5095933"/>
+              <a:gd name="connsiteX44" fmla="*/ 11914945 w 12192418"/>
+              <a:gd name="connsiteY44" fmla="*/ 54648 h 5095933"/>
+              <a:gd name="connsiteX45" fmla="*/ 12191696 w 12192418"/>
+              <a:gd name="connsiteY45" fmla="*/ 2452 h 5095933"/>
+              <a:gd name="connsiteX46" fmla="*/ 12191696 w 12192418"/>
+              <a:gd name="connsiteY46" fmla="*/ 2109542 h 5095933"/>
+              <a:gd name="connsiteX47" fmla="*/ 12191999 w 12192418"/>
+              <a:gd name="connsiteY47" fmla="*/ 2109542 h 5095933"/>
+              <a:gd name="connsiteX48" fmla="*/ 12191999 w 12192418"/>
+              <a:gd name="connsiteY48" fmla="*/ 2802467 h 5095933"/>
+              <a:gd name="connsiteX49" fmla="*/ 12192418 w 12192418"/>
+              <a:gd name="connsiteY49" fmla="*/ 2802467 h 5095933"/>
+              <a:gd name="connsiteX50" fmla="*/ 12192418 w 12192418"/>
+              <a:gd name="connsiteY50" fmla="*/ 5095933 h 5095933"/>
+              <a:gd name="connsiteX51" fmla="*/ 1 w 12192418"/>
+              <a:gd name="connsiteY51" fmla="*/ 5095933 h 5095933"/>
+              <a:gd name="connsiteX52" fmla="*/ 1 w 12192418"/>
+              <a:gd name="connsiteY52" fmla="*/ 4074529 h 5095933"/>
+              <a:gd name="connsiteX53" fmla="*/ 0 w 12192418"/>
+              <a:gd name="connsiteY53" fmla="*/ 4074529 h 5095933"/>
+              <a:gd name="connsiteX54" fmla="*/ 0 w 12192418"/>
+              <a:gd name="connsiteY54" fmla="*/ 2109542 h 5095933"/>
+              <a:gd name="connsiteX55" fmla="*/ 1 w 12192418"/>
+              <a:gd name="connsiteY55" fmla="*/ 2109542 h 5095933"/>
+            </a:gdLst>
+            <a:ahLst/>
+            <a:cxnLst>
+              <a:cxn ang="0">
+                <a:pos x="connsiteX0" y="connsiteY0"/>
+              </a:cxn>
+              <a:cxn ang="0">
+                <a:pos x="connsiteX1" y="connsiteY1"/>
+              </a:cxn>
+              <a:cxn ang="0">
+                <a:pos x="connsiteX2" y="connsiteY2"/>
+              </a:cxn>
+              <a:cxn ang="0">
+                <a:pos x="connsiteX3" y="connsiteY3"/>
+              </a:cxn>
+              <a:cxn ang="0">
+                <a:pos x="connsiteX4" y="connsiteY4"/>
+              </a:cxn>
+              <a:cxn ang="0">
+                <a:pos x="connsiteX5" y="connsiteY5"/>
+              </a:cxn>
+              <a:cxn ang="0">
+                <a:pos x="connsiteX6" y="connsiteY6"/>
+              </a:cxn>
+              <a:cxn ang="0">
+                <a:pos x="connsiteX7" y="connsiteY7"/>
+              </a:cxn>
+              <a:cxn ang="0">
+                <a:pos x="connsiteX8" y="connsiteY8"/>
+              </a:cxn>
+              <a:cxn ang="0">
+                <a:pos x="connsiteX9" y="connsiteY9"/>
+              </a:cxn>
+              <a:cxn ang="0">
+                <a:pos x="connsiteX10" y="connsiteY10"/>
+              </a:cxn>
+              <a:cxn ang="0">
+                <a:pos x="connsiteX11" y="connsiteY11"/>
+              </a:cxn>
+              <a:cxn ang="0">
+                <a:pos x="connsiteX12" y="connsiteY12"/>
+              </a:cxn>
+              <a:cxn ang="0">
+                <a:pos x="connsiteX13" y="connsiteY13"/>
+              </a:cxn>
+              <a:cxn ang="0">
+                <a:pos x="connsiteX14" y="connsiteY14"/>
+              </a:cxn>
+              <a:cxn ang="0">
+                <a:pos x="connsiteX15" y="connsiteY15"/>
+              </a:cxn>
+              <a:cxn ang="0">
+                <a:pos x="connsiteX16" y="connsiteY16"/>
+              </a:cxn>
+              <a:cxn ang="0">
+                <a:pos x="connsiteX17" y="connsiteY17"/>
+              </a:cxn>
+              <a:cxn ang="0">
+                <a:pos x="connsiteX18" y="connsiteY18"/>
+              </a:cxn>
+              <a:cxn ang="0">
+                <a:pos x="connsiteX19" y="connsiteY19"/>
+              </a:cxn>
+              <a:cxn ang="0">
+                <a:pos x="connsiteX20" y="connsiteY20"/>
+              </a:cxn>
+              <a:cxn ang="0">
+                <a:pos x="connsiteX21" y="connsiteY21"/>
+              </a:cxn>
+              <a:cxn ang="0">
+                <a:pos x="connsiteX22" y="connsiteY22"/>
+              </a:cxn>
+              <a:cxn ang="0">
+                <a:pos x="connsiteX23" y="connsiteY23"/>
+              </a:cxn>
+              <a:cxn ang="0">
+                <a:pos x="connsiteX24" y="connsiteY24"/>
+              </a:cxn>
+              <a:cxn ang="0">
+                <a:pos x="connsiteX25" y="connsiteY25"/>
+              </a:cxn>
+              <a:cxn ang="0">
+                <a:pos x="connsiteX26" y="connsiteY26"/>
+              </a:cxn>
+              <a:cxn ang="0">
+                <a:pos x="connsiteX27" y="connsiteY27"/>
+              </a:cxn>
+              <a:cxn ang="0">
+                <a:pos x="connsiteX28" y="connsiteY28"/>
+              </a:cxn>
+              <a:cxn ang="0">
+                <a:pos x="connsiteX29" y="connsiteY29"/>
+              </a:cxn>
+              <a:cxn ang="0">
+                <a:pos x="connsiteX30" y="connsiteY30"/>
+              </a:cxn>
+              <a:cxn ang="0">
+                <a:pos x="connsiteX31" y="connsiteY31"/>
+              </a:cxn>
+              <a:cxn ang="0">
+                <a:pos x="connsiteX32" y="connsiteY32"/>
+              </a:cxn>
+              <a:cxn ang="0">
+                <a:pos x="connsiteX33" y="connsiteY33"/>
+              </a:cxn>
+              <a:cxn ang="0">
+                <a:pos x="connsiteX34" y="connsiteY34"/>
+              </a:cxn>
+              <a:cxn ang="0">
+                <a:pos x="connsiteX35" y="connsiteY35"/>
+              </a:cxn>
+              <a:cxn ang="0">
+                <a:pos x="connsiteX36" y="connsiteY36"/>
+              </a:cxn>
+              <a:cxn ang="0">
+                <a:pos x="connsiteX37" y="connsiteY37"/>
+              </a:cxn>
+              <a:cxn ang="0">
+                <a:pos x="connsiteX38" y="connsiteY38"/>
+              </a:cxn>
+              <a:cxn ang="0">
+                <a:pos x="connsiteX39" y="connsiteY39"/>
+              </a:cxn>
+              <a:cxn ang="0">
+                <a:pos x="connsiteX40" y="connsiteY40"/>
+              </a:cxn>
+              <a:cxn ang="0">
+                <a:pos x="connsiteX41" y="connsiteY41"/>
+              </a:cxn>
+              <a:cxn ang="0">
+                <a:pos x="connsiteX42" y="connsiteY42"/>
+              </a:cxn>
+              <a:cxn ang="0">
+                <a:pos x="connsiteX43" y="connsiteY43"/>
+              </a:cxn>
+              <a:cxn ang="0">
+                <a:pos x="connsiteX44" y="connsiteY44"/>
+              </a:cxn>
+              <a:cxn ang="0">
+                <a:pos x="connsiteX45" y="connsiteY45"/>
+              </a:cxn>
+              <a:cxn ang="0">
+                <a:pos x="connsiteX46" y="connsiteY46"/>
+              </a:cxn>
+              <a:cxn ang="0">
+                <a:pos x="connsiteX47" y="connsiteY47"/>
+              </a:cxn>
+              <a:cxn ang="0">
+                <a:pos x="connsiteX48" y="connsiteY48"/>
+              </a:cxn>
+              <a:cxn ang="0">
+                <a:pos x="connsiteX49" y="connsiteY49"/>
+              </a:cxn>
+              <a:cxn ang="0">
+                <a:pos x="connsiteX50" y="connsiteY50"/>
+              </a:cxn>
+              <a:cxn ang="0">
+                <a:pos x="connsiteX51" y="connsiteY51"/>
+              </a:cxn>
+              <a:cxn ang="0">
+                <a:pos x="connsiteX52" y="connsiteY52"/>
+              </a:cxn>
+              <a:cxn ang="0">
+                <a:pos x="connsiteX53" y="connsiteY53"/>
+              </a:cxn>
+              <a:cxn ang="0">
+                <a:pos x="connsiteX54" y="connsiteY54"/>
+              </a:cxn>
+              <a:cxn ang="0">
+                <a:pos x="connsiteX55" y="connsiteY55"/>
+              </a:cxn>
+            </a:cxnLst>
+            <a:rect l="l" t="t" r="r" b="b"/>
+            <a:pathLst>
+              <a:path w="12192418" h="5095933">
+                <a:moveTo>
+                  <a:pt x="1" y="0"/>
+                </a:moveTo>
+                <a:lnTo>
+                  <a:pt x="71932" y="12261"/>
+                </a:lnTo>
+                <a:lnTo>
+                  <a:pt x="282849" y="48343"/>
+                </a:lnTo>
+                <a:lnTo>
+                  <a:pt x="436464" y="73565"/>
+                </a:lnTo>
+                <a:lnTo>
+                  <a:pt x="619339" y="100188"/>
+                </a:lnTo>
+                <a:lnTo>
+                  <a:pt x="836351" y="132066"/>
+                </a:lnTo>
+                <a:lnTo>
+                  <a:pt x="1076528" y="165696"/>
+                </a:lnTo>
+                <a:lnTo>
+                  <a:pt x="1347184" y="201077"/>
+                </a:lnTo>
+                <a:lnTo>
+                  <a:pt x="1642223" y="238560"/>
+                </a:lnTo>
+                <a:lnTo>
+                  <a:pt x="1962864" y="276043"/>
+                </a:lnTo>
+                <a:lnTo>
+                  <a:pt x="2304232" y="314227"/>
+                </a:lnTo>
+                <a:lnTo>
+                  <a:pt x="2672421" y="349608"/>
+                </a:lnTo>
+                <a:lnTo>
+                  <a:pt x="3057678" y="383588"/>
+                </a:lnTo>
+                <a:lnTo>
+                  <a:pt x="3464881" y="414415"/>
+                </a:lnTo>
+                <a:lnTo>
+                  <a:pt x="3889152" y="443841"/>
+                </a:lnTo>
+                <a:lnTo>
+                  <a:pt x="4331710" y="471515"/>
+                </a:lnTo>
+                <a:lnTo>
+                  <a:pt x="4558476" y="481324"/>
+                </a:lnTo>
+                <a:lnTo>
+                  <a:pt x="4790118" y="492183"/>
+                </a:lnTo>
+                <a:lnTo>
+                  <a:pt x="5025418" y="502342"/>
+                </a:lnTo>
+                <a:lnTo>
+                  <a:pt x="5261937" y="508998"/>
+                </a:lnTo>
+                <a:lnTo>
+                  <a:pt x="5503332" y="514953"/>
+                </a:lnTo>
+                <a:lnTo>
+                  <a:pt x="5747167" y="521259"/>
+                </a:lnTo>
+                <a:lnTo>
+                  <a:pt x="5995877" y="525463"/>
+                </a:lnTo>
+                <a:lnTo>
+                  <a:pt x="6247026" y="525463"/>
+                </a:lnTo>
+                <a:lnTo>
+                  <a:pt x="6500613" y="527565"/>
+                </a:lnTo>
+                <a:lnTo>
+                  <a:pt x="6756639" y="525463"/>
+                </a:lnTo>
+                <a:lnTo>
+                  <a:pt x="7016322" y="521259"/>
+                </a:lnTo>
+                <a:lnTo>
+                  <a:pt x="7276005" y="517406"/>
+                </a:lnTo>
+                <a:lnTo>
+                  <a:pt x="7539345" y="508998"/>
+                </a:lnTo>
+                <a:lnTo>
+                  <a:pt x="7805124" y="500241"/>
+                </a:lnTo>
+                <a:lnTo>
+                  <a:pt x="8070903" y="490082"/>
+                </a:lnTo>
+                <a:lnTo>
+                  <a:pt x="8339121" y="475719"/>
+                </a:lnTo>
+                <a:lnTo>
+                  <a:pt x="8609776" y="458554"/>
+                </a:lnTo>
+                <a:lnTo>
+                  <a:pt x="8881651" y="442089"/>
+                </a:lnTo>
+                <a:lnTo>
+                  <a:pt x="9153526" y="421071"/>
+                </a:lnTo>
+                <a:lnTo>
+                  <a:pt x="9429058" y="395849"/>
+                </a:lnTo>
+                <a:lnTo>
+                  <a:pt x="9700933" y="370626"/>
+                </a:lnTo>
+                <a:lnTo>
+                  <a:pt x="9977684" y="341551"/>
+                </a:lnTo>
+                <a:lnTo>
+                  <a:pt x="10255655" y="309673"/>
+                </a:lnTo>
+                <a:lnTo>
+                  <a:pt x="10529968" y="276043"/>
+                </a:lnTo>
+                <a:lnTo>
+                  <a:pt x="10807939" y="236809"/>
+                </a:lnTo>
+                <a:lnTo>
+                  <a:pt x="11084690" y="194772"/>
+                </a:lnTo>
+                <a:lnTo>
+                  <a:pt x="11362661" y="153085"/>
+                </a:lnTo>
+                <a:lnTo>
+                  <a:pt x="11639412" y="104392"/>
+                </a:lnTo>
+                <a:lnTo>
+                  <a:pt x="11914945" y="54648"/>
+                </a:lnTo>
+                <a:lnTo>
+                  <a:pt x="12191696" y="2452"/>
+                </a:lnTo>
+                <a:lnTo>
+                  <a:pt x="12191696" y="2109542"/>
+                </a:lnTo>
+                <a:lnTo>
+                  <a:pt x="12191999" y="2109542"/>
+                </a:lnTo>
+                <a:lnTo>
+                  <a:pt x="12191999" y="2802467"/>
+                </a:lnTo>
+                <a:lnTo>
+                  <a:pt x="12192418" y="2802467"/>
+                </a:lnTo>
+                <a:lnTo>
+                  <a:pt x="12192418" y="5095933"/>
+                </a:lnTo>
+                <a:lnTo>
+                  <a:pt x="1" y="5095933"/>
+                </a:lnTo>
+                <a:lnTo>
+                  <a:pt x="1" y="4074529"/>
+                </a:lnTo>
+                <a:lnTo>
+                  <a:pt x="0" y="4074529"/>
+                </a:lnTo>
+                <a:lnTo>
+                  <a:pt x="0" y="2109542"/>
+                </a:lnTo>
+                <a:lnTo>
+                  <a:pt x="1" y="2109542"/>
+                </a:lnTo>
+                <a:close/>
+              </a:path>
+            </a:pathLst>
+          </a:custGeom>
+          <a:solidFill>
+            <a:schemeClr val="bg1"/>
+          </a:solidFill>
+          <a:ln>
+            <a:noFill/>
+          </a:ln>
+        </p:spPr>
+      </p:sp>
+      <p:graphicFrame>
+        <p:nvGraphicFramePr>
+          <p:cNvPr id="5" name="Content Placeholder 2">
+            <a:extLst>
+              <a:ext uri="{FF2B5EF4-FFF2-40B4-BE49-F238E27FC236}">
+                <a16:creationId xmlns:a16="http://schemas.microsoft.com/office/drawing/2014/main" id="{25B9E1AD-4DB2-4099-8353-568621CC3BCC}"/>
+              </a:ext>
+            </a:extLst>
+          </p:cNvPr>
+          <p:cNvGraphicFramePr>
+            <a:graphicFrameLocks noGrp="1"/>
+          </p:cNvGraphicFramePr>
+          <p:nvPr>
+            <p:ph idx="1"/>
+            <p:extLst>
+              <p:ext uri="{D42A27DB-BD31-4B8C-83A1-F6EECF244321}">
+                <p14:modId xmlns:p14="http://schemas.microsoft.com/office/powerpoint/2010/main" val="2916553586"/>
+              </p:ext>
+            </p:extLst>
+          </p:nvPr>
+        </p:nvGraphicFramePr>
+        <p:xfrm>
+          <a:off x="648930" y="2810256"/>
+          <a:ext cx="10895370" cy="3404277"/>
+        </p:xfrm>
+        <a:graphic>
+          <a:graphicData uri="http://schemas.openxmlformats.org/drawingml/2006/diagram">
+            <dgm:relIds xmlns:dgm="http://schemas.openxmlformats.org/drawingml/2006/diagram" xmlns:r="http://schemas.openxmlformats.org/officeDocument/2006/relationships" r:dm="rId2" r:lo="rId3" r:qs="rId4" r:cs="rId5"/>
+          </a:graphicData>
+        </a:graphic>
+      </p:graphicFrame>
+    </p:spTree>
+    <p:extLst>
+      <p:ext uri="{BB962C8B-B14F-4D97-AF65-F5344CB8AC3E}">
+        <p14:creationId xmlns:p14="http://schemas.microsoft.com/office/powerpoint/2010/main" val="2991924755"/>
+      </p:ext>
+    </p:extLst>
+  </p:cSld>
+  <p:clrMapOvr>
+    <a:overrideClrMapping bg1="lt1" tx1="dk1" bg2="lt2" tx2="dk2" accent1="accent1" accent2="accent2" accent3="accent3" accent4="accent4" accent5="accent5" accent6="accent6" hlink="hlink" folHlink="folHlink"/>
+  </p:clrMapOvr>
+</p:sld>
+</file>
+
+<file path=ppt/slides/slide3.xml><?xml version="1.0" encoding="utf-8"?>
+<p:sld xmlns:a="http://schemas.openxmlformats.org/drawingml/2006/main" xmlns:r="http://schemas.openxmlformats.org/officeDocument/2006/relationships" xmlns:p="http://schemas.openxmlformats.org/presentationml/2006/main">
+  <p:cSld>
+    <p:bg>
+      <p:bgPr>
         <a:blipFill rotWithShape="1">
           <a:blip r:embed="rId2">
             <a:duotone>
@@ -13793,6 +17874,39 @@
               <a:rPr lang="en-GB" dirty="0"/>
               <a:t>Leap Motion </a:t>
             </a:r>
+          </a:p>
+          <a:p>
+            <a:pPr marL="1371600" lvl="0" indent="457200">
+              <a:spcBef>
+                <a:spcPts val="0"/>
+              </a:spcBef>
+              <a:buNone/>
+            </a:pPr>
+            <a:r>
+              <a:rPr lang="en-GB" u="sng" dirty="0"/>
+              <a:t>OS</a:t>
+            </a:r>
+          </a:p>
+          <a:p>
+            <a:pPr marL="2286000" lvl="0" indent="0">
+              <a:spcBef>
+                <a:spcPts val="0"/>
+              </a:spcBef>
+              <a:buNone/>
+            </a:pPr>
+            <a:r>
+              <a:rPr lang="en-GB" dirty="0"/>
+              <a:t>Linux Mint</a:t>
+            </a:r>
+          </a:p>
+          <a:p>
+            <a:pPr marL="2286000" lvl="0" indent="0">
+              <a:spcBef>
+                <a:spcPts val="0"/>
+              </a:spcBef>
+              <a:buNone/>
+            </a:pPr>
+            <a:endParaRPr lang="en-GB" dirty="0"/>
           </a:p>
           <a:p>
             <a:endParaRPr lang="en-IE" dirty="0"/>
@@ -14512,7 +18626,7 @@
 </p:sld>
 </file>
 
-<file path=ppt/slides/slide3.xml><?xml version="1.0" encoding="utf-8"?>
+<file path=ppt/slides/slide4.xml><?xml version="1.0" encoding="utf-8"?>
 <p:sld xmlns:a="http://schemas.openxmlformats.org/drawingml/2006/main" xmlns:r="http://schemas.openxmlformats.org/officeDocument/2006/relationships" xmlns:p="http://schemas.openxmlformats.org/presentationml/2006/main">
   <p:cSld>
     <p:bg>
@@ -15262,7 +19376,7 @@
 </p:sld>
 </file>
 
-<file path=ppt/slides/slide4.xml><?xml version="1.0" encoding="utf-8"?>
+<file path=ppt/slides/slide5.xml><?xml version="1.0" encoding="utf-8"?>
 <p:sld xmlns:a="http://schemas.openxmlformats.org/drawingml/2006/main" xmlns:r="http://schemas.openxmlformats.org/officeDocument/2006/relationships" xmlns:p="http://schemas.openxmlformats.org/presentationml/2006/main">
   <p:cSld>
     <p:spTree>
@@ -15582,7 +19696,1117 @@
 </p:sld>
 </file>
 
-<file path=ppt/slides/slide5.xml><?xml version="1.0" encoding="utf-8"?>
+<file path=ppt/slides/slide6.xml><?xml version="1.0" encoding="utf-8"?>
+<p:sld xmlns:a="http://schemas.openxmlformats.org/drawingml/2006/main" xmlns:r="http://schemas.openxmlformats.org/officeDocument/2006/relationships" xmlns:p="http://schemas.openxmlformats.org/presentationml/2006/main">
+  <p:cSld>
+    <p:bg>
+      <p:bgPr>
+        <a:blipFill rotWithShape="1">
+          <a:blip r:embed="rId2">
+            <a:duotone>
+              <a:schemeClr val="bg2">
+                <a:shade val="62000"/>
+                <a:hueMod val="108000"/>
+                <a:satMod val="164000"/>
+                <a:lumMod val="69000"/>
+              </a:schemeClr>
+              <a:schemeClr val="bg2">
+                <a:tint val="96000"/>
+                <a:hueMod val="90000"/>
+                <a:satMod val="130000"/>
+                <a:lumMod val="134000"/>
+              </a:schemeClr>
+            </a:duotone>
+            <a:extLst/>
+          </a:blip>
+          <a:stretch/>
+        </a:blipFill>
+        <a:effectLst/>
+      </p:bgPr>
+    </p:bg>
+    <p:spTree>
+      <p:nvGrpSpPr>
+        <p:cNvPr id="1" name=""/>
+        <p:cNvGrpSpPr/>
+        <p:nvPr/>
+      </p:nvGrpSpPr>
+      <p:grpSpPr>
+        <a:xfrm>
+          <a:off x="0" y="0"/>
+          <a:ext cx="0" cy="0"/>
+          <a:chOff x="0" y="0"/>
+          <a:chExt cx="0" cy="0"/>
+        </a:xfrm>
+      </p:grpSpPr>
+      <p:pic>
+        <p:nvPicPr>
+          <p:cNvPr id="10" name="Picture 9">
+            <a:extLst>
+              <a:ext uri="{FF2B5EF4-FFF2-40B4-BE49-F238E27FC236}">
+                <a16:creationId xmlns:a16="http://schemas.microsoft.com/office/drawing/2014/main" id="{7594FC8B-8CD2-407F-94F1-9C71F5AEC2B6}"/>
+              </a:ext>
+              <a:ext uri="{C183D7F6-B498-43B3-948B-1728B52AA6E4}">
+                <adec:decorative xmlns:adec="http://schemas.microsoft.com/office/drawing/2017/decorative" val="1"/>
+              </a:ext>
+            </a:extLst>
+          </p:cNvPr>
+          <p:cNvPicPr>
+            <a:picLocks noGrp="1" noRot="1" noChangeAspect="1" noMove="1" noResize="1" noEditPoints="1" noAdjustHandles="1" noChangeArrowheads="1" noChangeShapeType="1" noCrop="1"/>
+          </p:cNvPicPr>
+          <p:nvPr>
+            <p:extLst>
+              <p:ext uri="{386F3935-93C4-4BCD-93E2-E3B085C9AB24}">
+                <p16:designElem xmlns:p16="http://schemas.microsoft.com/office/powerpoint/2015/main" val="1"/>
+              </p:ext>
+            </p:extLst>
+          </p:nvPr>
+        </p:nvPicPr>
+        <p:blipFill rotWithShape="1">
+          <a:blip r:embed="rId3">
+            <a:extLst>
+              <a:ext uri="{28A0092B-C50C-407E-A947-70E740481C1C}">
+                <a14:useLocalDpi xmlns:a14="http://schemas.microsoft.com/office/drawing/2010/main" val="0"/>
+              </a:ext>
+            </a:extLst>
+          </a:blip>
+          <a:srcRect l="3613"/>
+          <a:stretch/>
+        </p:blipFill>
+        <p:spPr>
+          <a:xfrm>
+            <a:off x="0" y="2669685"/>
+            <a:ext cx="4037012" cy="4188315"/>
+          </a:xfrm>
+          <a:prstGeom prst="rect">
+            <a:avLst/>
+          </a:prstGeom>
+        </p:spPr>
+      </p:pic>
+      <p:pic>
+        <p:nvPicPr>
+          <p:cNvPr id="12" name="Picture 11">
+            <a:extLst>
+              <a:ext uri="{FF2B5EF4-FFF2-40B4-BE49-F238E27FC236}">
+                <a16:creationId xmlns:a16="http://schemas.microsoft.com/office/drawing/2014/main" id="{DBABC971-8D40-4A4F-AC60-28B9172789B9}"/>
+              </a:ext>
+              <a:ext uri="{C183D7F6-B498-43B3-948B-1728B52AA6E4}">
+                <adec:decorative xmlns:adec="http://schemas.microsoft.com/office/drawing/2017/decorative" val="1"/>
+              </a:ext>
+            </a:extLst>
+          </p:cNvPr>
+          <p:cNvPicPr>
+            <a:picLocks noGrp="1" noRot="1" noChangeAspect="1" noMove="1" noResize="1" noEditPoints="1" noAdjustHandles="1" noChangeArrowheads="1" noChangeShapeType="1" noCrop="1"/>
+          </p:cNvPicPr>
+          <p:nvPr>
+            <p:extLst>
+              <p:ext uri="{386F3935-93C4-4BCD-93E2-E3B085C9AB24}">
+                <p16:designElem xmlns:p16="http://schemas.microsoft.com/office/powerpoint/2015/main" val="1"/>
+              </p:ext>
+            </p:extLst>
+          </p:nvPr>
+        </p:nvPicPr>
+        <p:blipFill rotWithShape="1">
+          <a:blip r:embed="rId4">
+            <a:extLst>
+              <a:ext uri="{28A0092B-C50C-407E-A947-70E740481C1C}">
+                <a14:useLocalDpi xmlns:a14="http://schemas.microsoft.com/office/drawing/2010/main" val="0"/>
+              </a:ext>
+            </a:extLst>
+          </a:blip>
+          <a:srcRect l="35640"/>
+          <a:stretch/>
+        </p:blipFill>
+        <p:spPr>
+          <a:xfrm>
+            <a:off x="0" y="2892347"/>
+            <a:ext cx="1522412" cy="2365453"/>
+          </a:xfrm>
+          <a:prstGeom prst="rect">
+            <a:avLst/>
+          </a:prstGeom>
+        </p:spPr>
+      </p:pic>
+      <p:sp>
+        <p:nvSpPr>
+          <p:cNvPr id="14" name="Oval 13">
+            <a:extLst>
+              <a:ext uri="{FF2B5EF4-FFF2-40B4-BE49-F238E27FC236}">
+                <a16:creationId xmlns:a16="http://schemas.microsoft.com/office/drawing/2014/main" id="{B9C04DC5-313B-4FE4-B868-5672A376419F}"/>
+              </a:ext>
+              <a:ext uri="{C183D7F6-B498-43B3-948B-1728B52AA6E4}">
+                <adec:decorative xmlns:adec="http://schemas.microsoft.com/office/drawing/2017/decorative" val="1"/>
+              </a:ext>
+            </a:extLst>
+          </p:cNvPr>
+          <p:cNvSpPr>
+            <a:spLocks noGrp="1" noRot="1" noChangeAspect="1" noMove="1" noResize="1" noEditPoints="1" noAdjustHandles="1" noChangeArrowheads="1" noChangeShapeType="1" noTextEdit="1"/>
+          </p:cNvSpPr>
+          <p:nvPr>
+            <p:extLst>
+              <p:ext uri="{386F3935-93C4-4BCD-93E2-E3B085C9AB24}">
+                <p16:designElem xmlns:p16="http://schemas.microsoft.com/office/powerpoint/2015/main" val="1"/>
+              </p:ext>
+            </p:extLst>
+          </p:nvPr>
+        </p:nvSpPr>
+        <p:spPr>
+          <a:xfrm>
+            <a:off x="8609012" y="1676400"/>
+            <a:ext cx="2819400" cy="2819400"/>
+          </a:xfrm>
+          <a:prstGeom prst="ellipse">
+            <a:avLst/>
+          </a:prstGeom>
+          <a:gradFill flip="none" rotWithShape="1">
+            <a:gsLst>
+              <a:gs pos="0">
+                <a:schemeClr val="bg2">
+                  <a:lumMod val="40000"/>
+                  <a:lumOff val="60000"/>
+                  <a:alpha val="7000"/>
+                </a:schemeClr>
+              </a:gs>
+              <a:gs pos="69000">
+                <a:schemeClr val="bg2">
+                  <a:lumMod val="40000"/>
+                  <a:lumOff val="60000"/>
+                  <a:alpha val="0"/>
+                </a:schemeClr>
+              </a:gs>
+              <a:gs pos="36000">
+                <a:schemeClr val="bg2">
+                  <a:lumMod val="40000"/>
+                  <a:lumOff val="60000"/>
+                  <a:alpha val="6000"/>
+                </a:schemeClr>
+              </a:gs>
+            </a:gsLst>
+            <a:path path="circle">
+              <a:fillToRect l="50000" t="50000" r="50000" b="50000"/>
+            </a:path>
+            <a:tileRect/>
+          </a:gradFill>
+          <a:ln>
+            <a:noFill/>
+          </a:ln>
+          <a:effectLst/>
+        </p:spPr>
+        <p:style>
+          <a:lnRef idx="1">
+            <a:schemeClr val="accent1"/>
+          </a:lnRef>
+          <a:fillRef idx="3">
+            <a:schemeClr val="accent1"/>
+          </a:fillRef>
+          <a:effectRef idx="2">
+            <a:schemeClr val="accent1"/>
+          </a:effectRef>
+          <a:fontRef idx="minor">
+            <a:schemeClr val="lt1"/>
+          </a:fontRef>
+        </p:style>
+      </p:sp>
+      <p:pic>
+        <p:nvPicPr>
+          <p:cNvPr id="16" name="Picture 15">
+            <a:extLst>
+              <a:ext uri="{FF2B5EF4-FFF2-40B4-BE49-F238E27FC236}">
+                <a16:creationId xmlns:a16="http://schemas.microsoft.com/office/drawing/2014/main" id="{791AE23E-90C9-4963-96E2-8DADBFC3BC09}"/>
+              </a:ext>
+              <a:ext uri="{C183D7F6-B498-43B3-948B-1728B52AA6E4}">
+                <adec:decorative xmlns:adec="http://schemas.microsoft.com/office/drawing/2017/decorative" val="1"/>
+              </a:ext>
+            </a:extLst>
+          </p:cNvPr>
+          <p:cNvPicPr>
+            <a:picLocks noGrp="1" noRot="1" noChangeAspect="1" noMove="1" noResize="1" noEditPoints="1" noAdjustHandles="1" noChangeArrowheads="1" noChangeShapeType="1" noCrop="1"/>
+          </p:cNvPicPr>
+          <p:nvPr>
+            <p:extLst>
+              <p:ext uri="{386F3935-93C4-4BCD-93E2-E3B085C9AB24}">
+                <p16:designElem xmlns:p16="http://schemas.microsoft.com/office/powerpoint/2015/main" val="1"/>
+              </p:ext>
+            </p:extLst>
+          </p:nvPr>
+        </p:nvPicPr>
+        <p:blipFill rotWithShape="1">
+          <a:blip r:embed="rId5">
+            <a:extLst>
+              <a:ext uri="{28A0092B-C50C-407E-A947-70E740481C1C}">
+                <a14:useLocalDpi xmlns:a14="http://schemas.microsoft.com/office/drawing/2010/main" val="0"/>
+              </a:ext>
+            </a:extLst>
+          </a:blip>
+          <a:srcRect t="28813"/>
+          <a:stretch/>
+        </p:blipFill>
+        <p:spPr>
+          <a:xfrm>
+            <a:off x="7999412" y="0"/>
+            <a:ext cx="1603387" cy="1141407"/>
+          </a:xfrm>
+          <a:prstGeom prst="rect">
+            <a:avLst/>
+          </a:prstGeom>
+        </p:spPr>
+      </p:pic>
+      <p:pic>
+        <p:nvPicPr>
+          <p:cNvPr id="18" name="Picture 17">
+            <a:extLst>
+              <a:ext uri="{FF2B5EF4-FFF2-40B4-BE49-F238E27FC236}">
+                <a16:creationId xmlns:a16="http://schemas.microsoft.com/office/drawing/2014/main" id="{C5F93E90-4379-4AAC-B021-E5FA6D974AED}"/>
+              </a:ext>
+              <a:ext uri="{C183D7F6-B498-43B3-948B-1728B52AA6E4}">
+                <adec:decorative xmlns:adec="http://schemas.microsoft.com/office/drawing/2017/decorative" val="1"/>
+              </a:ext>
+            </a:extLst>
+          </p:cNvPr>
+          <p:cNvPicPr>
+            <a:picLocks noGrp="1" noRot="1" noChangeAspect="1" noMove="1" noResize="1" noEditPoints="1" noAdjustHandles="1" noChangeArrowheads="1" noChangeShapeType="1" noCrop="1"/>
+          </p:cNvPicPr>
+          <p:nvPr>
+            <p:extLst>
+              <p:ext uri="{386F3935-93C4-4BCD-93E2-E3B085C9AB24}">
+                <p16:designElem xmlns:p16="http://schemas.microsoft.com/office/powerpoint/2015/main" val="1"/>
+              </p:ext>
+            </p:extLst>
+          </p:nvPr>
+        </p:nvPicPr>
+        <p:blipFill rotWithShape="1">
+          <a:blip r:embed="rId6">
+            <a:extLst>
+              <a:ext uri="{28A0092B-C50C-407E-A947-70E740481C1C}">
+                <a14:useLocalDpi xmlns:a14="http://schemas.microsoft.com/office/drawing/2010/main" val="0"/>
+              </a:ext>
+            </a:extLst>
+          </a:blip>
+          <a:srcRect b="23320"/>
+          <a:stretch/>
+        </p:blipFill>
+        <p:spPr>
+          <a:xfrm>
+            <a:off x="8609012" y="6096000"/>
+            <a:ext cx="993734" cy="762000"/>
+          </a:xfrm>
+          <a:prstGeom prst="rect">
+            <a:avLst/>
+          </a:prstGeom>
+        </p:spPr>
+      </p:pic>
+      <p:sp>
+        <p:nvSpPr>
+          <p:cNvPr id="20" name="Rectangle 19">
+            <a:extLst>
+              <a:ext uri="{FF2B5EF4-FFF2-40B4-BE49-F238E27FC236}">
+                <a16:creationId xmlns:a16="http://schemas.microsoft.com/office/drawing/2014/main" id="{329FDD08-42D8-4AFF-90E5-5DAA5BC4CBD8}"/>
+              </a:ext>
+              <a:ext uri="{C183D7F6-B498-43B3-948B-1728B52AA6E4}">
+                <adec:decorative xmlns:adec="http://schemas.microsoft.com/office/drawing/2017/decorative" val="1"/>
+              </a:ext>
+            </a:extLst>
+          </p:cNvPr>
+          <p:cNvSpPr>
+            <a:spLocks noGrp="1" noRot="1" noChangeAspect="1" noMove="1" noResize="1" noEditPoints="1" noAdjustHandles="1" noChangeArrowheads="1" noChangeShapeType="1" noTextEdit="1"/>
+          </p:cNvSpPr>
+          <p:nvPr>
+            <p:extLst>
+              <p:ext uri="{386F3935-93C4-4BCD-93E2-E3B085C9AB24}">
+                <p16:designElem xmlns:p16="http://schemas.microsoft.com/office/powerpoint/2015/main" val="1"/>
+              </p:ext>
+            </p:extLst>
+          </p:nvPr>
+        </p:nvSpPr>
+        <p:spPr>
+          <a:xfrm>
+            <a:off x="10437812" y="0"/>
+            <a:ext cx="685800" cy="1143000"/>
+          </a:xfrm>
+          <a:prstGeom prst="rect">
+            <a:avLst/>
+          </a:prstGeom>
+          <a:solidFill>
+            <a:schemeClr val="accent1"/>
+          </a:solidFill>
+          <a:ln>
+            <a:noFill/>
+          </a:ln>
+        </p:spPr>
+        <p:style>
+          <a:lnRef idx="1">
+            <a:schemeClr val="accent1"/>
+          </a:lnRef>
+          <a:fillRef idx="3">
+            <a:schemeClr val="accent1"/>
+          </a:fillRef>
+          <a:effectRef idx="2">
+            <a:schemeClr val="accent1"/>
+          </a:effectRef>
+          <a:fontRef idx="minor">
+            <a:schemeClr val="lt1"/>
+          </a:fontRef>
+        </p:style>
+      </p:sp>
+      <p:sp>
+        <p:nvSpPr>
+          <p:cNvPr id="22" name="Rectangle 21">
+            <a:extLst>
+              <a:ext uri="{FF2B5EF4-FFF2-40B4-BE49-F238E27FC236}">
+                <a16:creationId xmlns:a16="http://schemas.microsoft.com/office/drawing/2014/main" id="{B87A2B17-D3E0-4B38-823F-45312C0B36E7}"/>
+              </a:ext>
+              <a:ext uri="{C183D7F6-B498-43B3-948B-1728B52AA6E4}">
+                <adec:decorative xmlns:adec="http://schemas.microsoft.com/office/drawing/2017/decorative" val="1"/>
+              </a:ext>
+            </a:extLst>
+          </p:cNvPr>
+          <p:cNvSpPr>
+            <a:spLocks noGrp="1" noRot="1" noChangeAspect="1" noMove="1" noResize="1" noEditPoints="1" noAdjustHandles="1" noChangeArrowheads="1" noChangeShapeType="1" noTextEdit="1"/>
+          </p:cNvSpPr>
+          <p:nvPr>
+            <p:extLst>
+              <p:ext uri="{386F3935-93C4-4BCD-93E2-E3B085C9AB24}">
+                <p16:designElem xmlns:p16="http://schemas.microsoft.com/office/powerpoint/2015/main" val="1"/>
+              </p:ext>
+            </p:extLst>
+          </p:nvPr>
+        </p:nvSpPr>
+        <p:spPr>
+          <a:xfrm>
+            <a:off x="0" y="-5"/>
+            <a:ext cx="12191695" cy="4730744"/>
+          </a:xfrm>
+          <a:prstGeom prst="rect">
+            <a:avLst/>
+          </a:prstGeom>
+          <a:solidFill>
+            <a:srgbClr val="FFFFFF"/>
+          </a:solidFill>
+          <a:ln>
+            <a:noFill/>
+          </a:ln>
+        </p:spPr>
+        <p:style>
+          <a:lnRef idx="2">
+            <a:schemeClr val="accent1">
+              <a:shade val="50000"/>
+            </a:schemeClr>
+          </a:lnRef>
+          <a:fillRef idx="1">
+            <a:schemeClr val="accent1"/>
+          </a:fillRef>
+          <a:effectRef idx="0">
+            <a:schemeClr val="accent1"/>
+          </a:effectRef>
+          <a:fontRef idx="minor">
+            <a:schemeClr val="lt1"/>
+          </a:fontRef>
+        </p:style>
+        <p:txBody>
+          <a:bodyPr rtlCol="0" anchor="ctr"/>
+          <a:lstStyle/>
+          <a:p>
+            <a:pPr algn="ctr"/>
+            <a:endParaRPr lang="en-US"/>
+          </a:p>
+        </p:txBody>
+      </p:sp>
+      <p:sp>
+        <p:nvSpPr>
+          <p:cNvPr id="24" name="Rectangle 23">
+            <a:extLst>
+              <a:ext uri="{FF2B5EF4-FFF2-40B4-BE49-F238E27FC236}">
+                <a16:creationId xmlns:a16="http://schemas.microsoft.com/office/drawing/2014/main" id="{8592A21B-8E82-4396-A130-C7531DF0A97E}"/>
+              </a:ext>
+              <a:ext uri="{C183D7F6-B498-43B3-948B-1728B52AA6E4}">
+                <adec:decorative xmlns:adec="http://schemas.microsoft.com/office/drawing/2017/decorative" val="1"/>
+              </a:ext>
+            </a:extLst>
+          </p:cNvPr>
+          <p:cNvSpPr>
+            <a:spLocks noGrp="1" noRot="1" noChangeAspect="1" noMove="1" noResize="1" noEditPoints="1" noAdjustHandles="1" noChangeArrowheads="1" noChangeShapeType="1" noTextEdit="1"/>
+          </p:cNvSpPr>
+          <p:nvPr>
+            <p:extLst>
+              <p:ext uri="{386F3935-93C4-4BCD-93E2-E3B085C9AB24}">
+                <p16:designElem xmlns:p16="http://schemas.microsoft.com/office/powerpoint/2015/main" val="1"/>
+              </p:ext>
+            </p:extLst>
+          </p:nvPr>
+        </p:nvSpPr>
+        <p:spPr>
+          <a:xfrm>
+            <a:off x="10437812" y="0"/>
+            <a:ext cx="685800" cy="1143000"/>
+          </a:xfrm>
+          <a:prstGeom prst="rect">
+            <a:avLst/>
+          </a:prstGeom>
+          <a:solidFill>
+            <a:schemeClr val="accent1"/>
+          </a:solidFill>
+          <a:ln>
+            <a:noFill/>
+          </a:ln>
+        </p:spPr>
+        <p:style>
+          <a:lnRef idx="1">
+            <a:schemeClr val="accent1"/>
+          </a:lnRef>
+          <a:fillRef idx="3">
+            <a:schemeClr val="accent1"/>
+          </a:fillRef>
+          <a:effectRef idx="2">
+            <a:schemeClr val="accent1"/>
+          </a:effectRef>
+          <a:fontRef idx="minor">
+            <a:schemeClr val="lt1"/>
+          </a:fontRef>
+        </p:style>
+      </p:sp>
+      <p:sp>
+        <p:nvSpPr>
+          <p:cNvPr id="26" name="Freeform 16">
+            <a:extLst>
+              <a:ext uri="{FF2B5EF4-FFF2-40B4-BE49-F238E27FC236}">
+                <a16:creationId xmlns:a16="http://schemas.microsoft.com/office/drawing/2014/main" id="{ACA9027C-9377-4A86-A639-42BA502ADE1C}"/>
+              </a:ext>
+              <a:ext uri="{C183D7F6-B498-43B3-948B-1728B52AA6E4}">
+                <adec:decorative xmlns:adec="http://schemas.microsoft.com/office/drawing/2017/decorative" val="1"/>
+              </a:ext>
+            </a:extLst>
+          </p:cNvPr>
+          <p:cNvSpPr>
+            <a:spLocks noGrp="1" noRot="1" noChangeAspect="1" noMove="1" noResize="1" noEditPoints="1" noAdjustHandles="1" noChangeArrowheads="1" noChangeShapeType="1" noTextEdit="1"/>
+          </p:cNvSpPr>
+          <p:nvPr>
+            <p:extLst>
+              <p:ext uri="{386F3935-93C4-4BCD-93E2-E3B085C9AB24}">
+                <p16:designElem xmlns:p16="http://schemas.microsoft.com/office/powerpoint/2015/main" val="1"/>
+              </p:ext>
+            </p:extLst>
+          </p:nvPr>
+        </p:nvSpPr>
+        <p:spPr>
+          <a:xfrm>
+            <a:off x="8719939" y="3753695"/>
+            <a:ext cx="3472060" cy="825932"/>
+          </a:xfrm>
+          <a:custGeom>
+            <a:avLst/>
+            <a:gdLst>
+              <a:gd name="connsiteX0" fmla="*/ 3470310 w 3472060"/>
+              <a:gd name="connsiteY0" fmla="*/ 0 h 825932"/>
+              <a:gd name="connsiteX1" fmla="*/ 3472060 w 3472060"/>
+              <a:gd name="connsiteY1" fmla="*/ 12850 h 825932"/>
+              <a:gd name="connsiteX2" fmla="*/ 3472060 w 3472060"/>
+              <a:gd name="connsiteY2" fmla="*/ 480529 h 825932"/>
+              <a:gd name="connsiteX3" fmla="*/ 3363699 w 3472060"/>
+              <a:gd name="connsiteY3" fmla="*/ 498471 h 825932"/>
+              <a:gd name="connsiteX4" fmla="*/ 42060 w 3472060"/>
+              <a:gd name="connsiteY4" fmla="*/ 824486 h 825932"/>
+              <a:gd name="connsiteX5" fmla="*/ 0 w 3472060"/>
+              <a:gd name="connsiteY5" fmla="*/ 758452 h 825932"/>
+              <a:gd name="connsiteX6" fmla="*/ 188014 w 3472060"/>
+              <a:gd name="connsiteY6" fmla="*/ 735602 h 825932"/>
+              <a:gd name="connsiteX7" fmla="*/ 284087 w 3472060"/>
+              <a:gd name="connsiteY7" fmla="*/ 722590 h 825932"/>
+              <a:gd name="connsiteX8" fmla="*/ 382288 w 3472060"/>
+              <a:gd name="connsiteY8" fmla="*/ 709392 h 825932"/>
+              <a:gd name="connsiteX9" fmla="*/ 481858 w 3472060"/>
+              <a:gd name="connsiteY9" fmla="*/ 695774 h 825932"/>
+              <a:gd name="connsiteX10" fmla="*/ 581897 w 3472060"/>
+              <a:gd name="connsiteY10" fmla="*/ 680711 h 825932"/>
+              <a:gd name="connsiteX11" fmla="*/ 683670 w 3472060"/>
+              <a:gd name="connsiteY11" fmla="*/ 665256 h 825932"/>
+              <a:gd name="connsiteX12" fmla="*/ 787206 w 3472060"/>
+              <a:gd name="connsiteY12" fmla="*/ 649587 h 825932"/>
+              <a:gd name="connsiteX13" fmla="*/ 892019 w 3472060"/>
+              <a:gd name="connsiteY13" fmla="*/ 632968 h 825932"/>
+              <a:gd name="connsiteX14" fmla="*/ 997620 w 3472060"/>
+              <a:gd name="connsiteY14" fmla="*/ 614667 h 825932"/>
+              <a:gd name="connsiteX15" fmla="*/ 1104727 w 3472060"/>
+              <a:gd name="connsiteY15" fmla="*/ 596741 h 825932"/>
+              <a:gd name="connsiteX16" fmla="*/ 1212669 w 3472060"/>
+              <a:gd name="connsiteY16" fmla="*/ 577397 h 825932"/>
+              <a:gd name="connsiteX17" fmla="*/ 1321506 w 3472060"/>
+              <a:gd name="connsiteY17" fmla="*/ 556988 h 825932"/>
+              <a:gd name="connsiteX18" fmla="*/ 1430709 w 3472060"/>
+              <a:gd name="connsiteY18" fmla="*/ 536607 h 825932"/>
+              <a:gd name="connsiteX19" fmla="*/ 1541050 w 3472060"/>
+              <a:gd name="connsiteY19" fmla="*/ 514481 h 825932"/>
+              <a:gd name="connsiteX20" fmla="*/ 1652805 w 3472060"/>
+              <a:gd name="connsiteY20" fmla="*/ 492202 h 825932"/>
+              <a:gd name="connsiteX21" fmla="*/ 1763708 w 3472060"/>
+              <a:gd name="connsiteY21" fmla="*/ 469161 h 825932"/>
+              <a:gd name="connsiteX22" fmla="*/ 1875795 w 3472060"/>
+              <a:gd name="connsiteY22" fmla="*/ 444641 h 825932"/>
+              <a:gd name="connsiteX23" fmla="*/ 1989128 w 3472060"/>
+              <a:gd name="connsiteY23" fmla="*/ 418995 h 825932"/>
+              <a:gd name="connsiteX24" fmla="*/ 2102476 w 3472060"/>
+              <a:gd name="connsiteY24" fmla="*/ 393438 h 825932"/>
+              <a:gd name="connsiteX25" fmla="*/ 2215549 w 3472060"/>
+              <a:gd name="connsiteY25" fmla="*/ 366291 h 825932"/>
+              <a:gd name="connsiteX26" fmla="*/ 2330490 w 3472060"/>
+              <a:gd name="connsiteY26" fmla="*/ 337455 h 825932"/>
+              <a:gd name="connsiteX27" fmla="*/ 2443333 w 3472060"/>
+              <a:gd name="connsiteY27" fmla="*/ 308983 h 825932"/>
+              <a:gd name="connsiteX28" fmla="*/ 2558014 w 3472060"/>
+              <a:gd name="connsiteY28" fmla="*/ 278646 h 825932"/>
+              <a:gd name="connsiteX29" fmla="*/ 2673621 w 3472060"/>
+              <a:gd name="connsiteY29" fmla="*/ 247421 h 825932"/>
+              <a:gd name="connsiteX30" fmla="*/ 2787008 w 3472060"/>
+              <a:gd name="connsiteY30" fmla="*/ 215853 h 825932"/>
+              <a:gd name="connsiteX31" fmla="*/ 2901442 w 3472060"/>
+              <a:gd name="connsiteY31" fmla="*/ 182011 h 825932"/>
+              <a:gd name="connsiteX32" fmla="*/ 3015722 w 3472060"/>
+              <a:gd name="connsiteY32" fmla="*/ 147286 h 825932"/>
+              <a:gd name="connsiteX33" fmla="*/ 3130018 w 3472060"/>
+              <a:gd name="connsiteY33" fmla="*/ 112649 h 825932"/>
+              <a:gd name="connsiteX34" fmla="*/ 3243551 w 3472060"/>
+              <a:gd name="connsiteY34" fmla="*/ 75688 h 825932"/>
+              <a:gd name="connsiteX35" fmla="*/ 3356992 w 3472060"/>
+              <a:gd name="connsiteY35" fmla="*/ 38197 h 825932"/>
+              <a:gd name="connsiteX36" fmla="*/ 3470310 w 3472060"/>
+              <a:gd name="connsiteY36" fmla="*/ 0 h 825932"/>
+            </a:gdLst>
+            <a:ahLst/>
+            <a:cxnLst>
+              <a:cxn ang="0">
+                <a:pos x="connsiteX0" y="connsiteY0"/>
+              </a:cxn>
+              <a:cxn ang="0">
+                <a:pos x="connsiteX1" y="connsiteY1"/>
+              </a:cxn>
+              <a:cxn ang="0">
+                <a:pos x="connsiteX2" y="connsiteY2"/>
+              </a:cxn>
+              <a:cxn ang="0">
+                <a:pos x="connsiteX3" y="connsiteY3"/>
+              </a:cxn>
+              <a:cxn ang="0">
+                <a:pos x="connsiteX4" y="connsiteY4"/>
+              </a:cxn>
+              <a:cxn ang="0">
+                <a:pos x="connsiteX5" y="connsiteY5"/>
+              </a:cxn>
+              <a:cxn ang="0">
+                <a:pos x="connsiteX6" y="connsiteY6"/>
+              </a:cxn>
+              <a:cxn ang="0">
+                <a:pos x="connsiteX7" y="connsiteY7"/>
+              </a:cxn>
+              <a:cxn ang="0">
+                <a:pos x="connsiteX8" y="connsiteY8"/>
+              </a:cxn>
+              <a:cxn ang="0">
+                <a:pos x="connsiteX9" y="connsiteY9"/>
+              </a:cxn>
+              <a:cxn ang="0">
+                <a:pos x="connsiteX10" y="connsiteY10"/>
+              </a:cxn>
+              <a:cxn ang="0">
+                <a:pos x="connsiteX11" y="connsiteY11"/>
+              </a:cxn>
+              <a:cxn ang="0">
+                <a:pos x="connsiteX12" y="connsiteY12"/>
+              </a:cxn>
+              <a:cxn ang="0">
+                <a:pos x="connsiteX13" y="connsiteY13"/>
+              </a:cxn>
+              <a:cxn ang="0">
+                <a:pos x="connsiteX14" y="connsiteY14"/>
+              </a:cxn>
+              <a:cxn ang="0">
+                <a:pos x="connsiteX15" y="connsiteY15"/>
+              </a:cxn>
+              <a:cxn ang="0">
+                <a:pos x="connsiteX16" y="connsiteY16"/>
+              </a:cxn>
+              <a:cxn ang="0">
+                <a:pos x="connsiteX17" y="connsiteY17"/>
+              </a:cxn>
+              <a:cxn ang="0">
+                <a:pos x="connsiteX18" y="connsiteY18"/>
+              </a:cxn>
+              <a:cxn ang="0">
+                <a:pos x="connsiteX19" y="connsiteY19"/>
+              </a:cxn>
+              <a:cxn ang="0">
+                <a:pos x="connsiteX20" y="connsiteY20"/>
+              </a:cxn>
+              <a:cxn ang="0">
+                <a:pos x="connsiteX21" y="connsiteY21"/>
+              </a:cxn>
+              <a:cxn ang="0">
+                <a:pos x="connsiteX22" y="connsiteY22"/>
+              </a:cxn>
+              <a:cxn ang="0">
+                <a:pos x="connsiteX23" y="connsiteY23"/>
+              </a:cxn>
+              <a:cxn ang="0">
+                <a:pos x="connsiteX24" y="connsiteY24"/>
+              </a:cxn>
+              <a:cxn ang="0">
+                <a:pos x="connsiteX25" y="connsiteY25"/>
+              </a:cxn>
+              <a:cxn ang="0">
+                <a:pos x="connsiteX26" y="connsiteY26"/>
+              </a:cxn>
+              <a:cxn ang="0">
+                <a:pos x="connsiteX27" y="connsiteY27"/>
+              </a:cxn>
+              <a:cxn ang="0">
+                <a:pos x="connsiteX28" y="connsiteY28"/>
+              </a:cxn>
+              <a:cxn ang="0">
+                <a:pos x="connsiteX29" y="connsiteY29"/>
+              </a:cxn>
+              <a:cxn ang="0">
+                <a:pos x="connsiteX30" y="connsiteY30"/>
+              </a:cxn>
+              <a:cxn ang="0">
+                <a:pos x="connsiteX31" y="connsiteY31"/>
+              </a:cxn>
+              <a:cxn ang="0">
+                <a:pos x="connsiteX32" y="connsiteY32"/>
+              </a:cxn>
+              <a:cxn ang="0">
+                <a:pos x="connsiteX33" y="connsiteY33"/>
+              </a:cxn>
+              <a:cxn ang="0">
+                <a:pos x="connsiteX34" y="connsiteY34"/>
+              </a:cxn>
+              <a:cxn ang="0">
+                <a:pos x="connsiteX35" y="connsiteY35"/>
+              </a:cxn>
+              <a:cxn ang="0">
+                <a:pos x="connsiteX36" y="connsiteY36"/>
+              </a:cxn>
+            </a:cxnLst>
+            <a:rect l="l" t="t" r="r" b="b"/>
+            <a:pathLst>
+              <a:path w="3472060" h="825932">
+                <a:moveTo>
+                  <a:pt x="3470310" y="0"/>
+                </a:moveTo>
+                <a:lnTo>
+                  <a:pt x="3472060" y="12850"/>
+                </a:lnTo>
+                <a:lnTo>
+                  <a:pt x="3472060" y="480529"/>
+                </a:lnTo>
+                <a:lnTo>
+                  <a:pt x="3363699" y="498471"/>
+                </a:lnTo>
+                <a:cubicBezTo>
+                  <a:pt x="2435623" y="645518"/>
+                  <a:pt x="603076" y="844866"/>
+                  <a:pt x="42060" y="824486"/>
+                </a:cubicBezTo>
+                <a:cubicBezTo>
+                  <a:pt x="28151" y="802425"/>
+                  <a:pt x="13909" y="780513"/>
+                  <a:pt x="0" y="758452"/>
+                </a:cubicBezTo>
+                <a:lnTo>
+                  <a:pt x="188014" y="735602"/>
+                </a:lnTo>
+                <a:lnTo>
+                  <a:pt x="284087" y="722590"/>
+                </a:lnTo>
+                <a:lnTo>
+                  <a:pt x="382288" y="709392"/>
+                </a:lnTo>
+                <a:lnTo>
+                  <a:pt x="481858" y="695774"/>
+                </a:lnTo>
+                <a:lnTo>
+                  <a:pt x="581897" y="680711"/>
+                </a:lnTo>
+                <a:lnTo>
+                  <a:pt x="683670" y="665256"/>
+                </a:lnTo>
+                <a:lnTo>
+                  <a:pt x="787206" y="649587"/>
+                </a:lnTo>
+                <a:lnTo>
+                  <a:pt x="892019" y="632968"/>
+                </a:lnTo>
+                <a:lnTo>
+                  <a:pt x="997620" y="614667"/>
+                </a:lnTo>
+                <a:lnTo>
+                  <a:pt x="1104727" y="596741"/>
+                </a:lnTo>
+                <a:lnTo>
+                  <a:pt x="1212669" y="577397"/>
+                </a:lnTo>
+                <a:lnTo>
+                  <a:pt x="1321506" y="556988"/>
+                </a:lnTo>
+                <a:lnTo>
+                  <a:pt x="1430709" y="536607"/>
+                </a:lnTo>
+                <a:lnTo>
+                  <a:pt x="1541050" y="514481"/>
+                </a:lnTo>
+                <a:lnTo>
+                  <a:pt x="1652805" y="492202"/>
+                </a:lnTo>
+                <a:lnTo>
+                  <a:pt x="1763708" y="469161"/>
+                </a:lnTo>
+                <a:lnTo>
+                  <a:pt x="1875795" y="444641"/>
+                </a:lnTo>
+                <a:lnTo>
+                  <a:pt x="1989128" y="418995"/>
+                </a:lnTo>
+                <a:lnTo>
+                  <a:pt x="2102476" y="393438"/>
+                </a:lnTo>
+                <a:lnTo>
+                  <a:pt x="2215549" y="366291"/>
+                </a:lnTo>
+                <a:lnTo>
+                  <a:pt x="2330490" y="337455"/>
+                </a:lnTo>
+                <a:lnTo>
+                  <a:pt x="2443333" y="308983"/>
+                </a:lnTo>
+                <a:lnTo>
+                  <a:pt x="2558014" y="278646"/>
+                </a:lnTo>
+                <a:lnTo>
+                  <a:pt x="2673621" y="247421"/>
+                </a:lnTo>
+                <a:lnTo>
+                  <a:pt x="2787008" y="215853"/>
+                </a:lnTo>
+                <a:lnTo>
+                  <a:pt x="2901442" y="182011"/>
+                </a:lnTo>
+                <a:lnTo>
+                  <a:pt x="3015722" y="147286"/>
+                </a:lnTo>
+                <a:lnTo>
+                  <a:pt x="3130018" y="112649"/>
+                </a:lnTo>
+                <a:lnTo>
+                  <a:pt x="3243551" y="75688"/>
+                </a:lnTo>
+                <a:lnTo>
+                  <a:pt x="3356992" y="38197"/>
+                </a:lnTo>
+                <a:lnTo>
+                  <a:pt x="3470310" y="0"/>
+                </a:lnTo>
+                <a:close/>
+              </a:path>
+            </a:pathLst>
+          </a:custGeom>
+          <a:solidFill>
+            <a:schemeClr val="bg2">
+              <a:alpha val="20000"/>
+            </a:schemeClr>
+          </a:solidFill>
+          <a:ln>
+            <a:noFill/>
+          </a:ln>
+        </p:spPr>
+        <p:txBody>
+          <a:bodyPr rtlCol="0" anchor="ctr"/>
+          <a:lstStyle/>
+          <a:p>
+            <a:pPr algn="ctr"/>
+            <a:endParaRPr lang="en-US">
+              <a:solidFill>
+                <a:schemeClr val="tx1"/>
+              </a:solidFill>
+            </a:endParaRPr>
+          </a:p>
+        </p:txBody>
+      </p:sp>
+      <p:sp useBgFill="1">
+        <p:nvSpPr>
+          <p:cNvPr id="28" name="Freeform 5">
+            <a:extLst>
+              <a:ext uri="{FF2B5EF4-FFF2-40B4-BE49-F238E27FC236}">
+                <a16:creationId xmlns:a16="http://schemas.microsoft.com/office/drawing/2014/main" id="{423EDA5B-B414-4C7C-8CBA-3D9D79973ED0}"/>
+              </a:ext>
+              <a:ext uri="{C183D7F6-B498-43B3-948B-1728B52AA6E4}">
+                <adec:decorative xmlns:adec="http://schemas.microsoft.com/office/drawing/2017/decorative" val="1"/>
+              </a:ext>
+            </a:extLst>
+          </p:cNvPr>
+          <p:cNvSpPr>
+            <a:spLocks noGrp="1" noRot="1" noChangeAspect="1" noMove="1" noResize="1" noEditPoints="1" noAdjustHandles="1" noChangeArrowheads="1" noChangeShapeType="1" noTextEdit="1"/>
+          </p:cNvSpPr>
+          <p:nvPr>
+            <p:extLst>
+              <p:ext uri="{386F3935-93C4-4BCD-93E2-E3B085C9AB24}">
+                <p16:designElem xmlns:p16="http://schemas.microsoft.com/office/powerpoint/2015/main" val="1"/>
+              </p:ext>
+            </p:extLst>
+          </p:nvPr>
+        </p:nvSpPr>
+        <p:spPr bwMode="gray">
+          <a:xfrm>
+            <a:off x="1" y="4055532"/>
+            <a:ext cx="12191695" cy="2802467"/>
+          </a:xfrm>
+          <a:custGeom>
+            <a:avLst/>
+            <a:gdLst/>
+            <a:ahLst/>
+            <a:cxnLst/>
+            <a:rect l="l" t="t" r="r" b="b"/>
+            <a:pathLst>
+              <a:path w="10000" h="8000">
+                <a:moveTo>
+                  <a:pt x="0" y="0"/>
+                </a:moveTo>
+                <a:lnTo>
+                  <a:pt x="0" y="7970"/>
+                </a:lnTo>
+                <a:lnTo>
+                  <a:pt x="10000" y="8000"/>
+                </a:lnTo>
+                <a:lnTo>
+                  <a:pt x="10000" y="7"/>
+                </a:lnTo>
+                <a:lnTo>
+                  <a:pt x="10000" y="7"/>
+                </a:lnTo>
+                <a:lnTo>
+                  <a:pt x="9773" y="156"/>
+                </a:lnTo>
+                <a:lnTo>
+                  <a:pt x="9547" y="298"/>
+                </a:lnTo>
+                <a:lnTo>
+                  <a:pt x="9320" y="437"/>
+                </a:lnTo>
+                <a:lnTo>
+                  <a:pt x="9092" y="556"/>
+                </a:lnTo>
+                <a:lnTo>
+                  <a:pt x="8865" y="676"/>
+                </a:lnTo>
+                <a:lnTo>
+                  <a:pt x="8637" y="788"/>
+                </a:lnTo>
+                <a:lnTo>
+                  <a:pt x="8412" y="884"/>
+                </a:lnTo>
+                <a:lnTo>
+                  <a:pt x="8184" y="975"/>
+                </a:lnTo>
+                <a:lnTo>
+                  <a:pt x="7957" y="1058"/>
+                </a:lnTo>
+                <a:lnTo>
+                  <a:pt x="7734" y="1130"/>
+                </a:lnTo>
+                <a:lnTo>
+                  <a:pt x="7508" y="1202"/>
+                </a:lnTo>
+                <a:lnTo>
+                  <a:pt x="7285" y="1262"/>
+                </a:lnTo>
+                <a:lnTo>
+                  <a:pt x="7062" y="1309"/>
+                </a:lnTo>
+                <a:lnTo>
+                  <a:pt x="6840" y="1358"/>
+                </a:lnTo>
+                <a:lnTo>
+                  <a:pt x="6620" y="1399"/>
+                </a:lnTo>
+                <a:lnTo>
+                  <a:pt x="6402" y="1428"/>
+                </a:lnTo>
+                <a:lnTo>
+                  <a:pt x="6184" y="1453"/>
+                </a:lnTo>
+                <a:lnTo>
+                  <a:pt x="5968" y="1477"/>
+                </a:lnTo>
+                <a:lnTo>
+                  <a:pt x="5755" y="1488"/>
+                </a:lnTo>
+                <a:lnTo>
+                  <a:pt x="5542" y="1500"/>
+                </a:lnTo>
+                <a:lnTo>
+                  <a:pt x="5332" y="1506"/>
+                </a:lnTo>
+                <a:lnTo>
+                  <a:pt x="5124" y="1500"/>
+                </a:lnTo>
+                <a:lnTo>
+                  <a:pt x="4918" y="1500"/>
+                </a:lnTo>
+                <a:lnTo>
+                  <a:pt x="4714" y="1488"/>
+                </a:lnTo>
+                <a:lnTo>
+                  <a:pt x="4514" y="1470"/>
+                </a:lnTo>
+                <a:lnTo>
+                  <a:pt x="4316" y="1453"/>
+                </a:lnTo>
+                <a:lnTo>
+                  <a:pt x="4122" y="1434"/>
+                </a:lnTo>
+                <a:lnTo>
+                  <a:pt x="3929" y="1405"/>
+                </a:lnTo>
+                <a:lnTo>
+                  <a:pt x="3739" y="1374"/>
+                </a:lnTo>
+                <a:lnTo>
+                  <a:pt x="3553" y="1346"/>
+                </a:lnTo>
+                <a:lnTo>
+                  <a:pt x="3190" y="1267"/>
+                </a:lnTo>
+                <a:lnTo>
+                  <a:pt x="2842" y="1183"/>
+                </a:lnTo>
+                <a:lnTo>
+                  <a:pt x="2508" y="1095"/>
+                </a:lnTo>
+                <a:lnTo>
+                  <a:pt x="2192" y="998"/>
+                </a:lnTo>
+                <a:lnTo>
+                  <a:pt x="1890" y="897"/>
+                </a:lnTo>
+                <a:lnTo>
+                  <a:pt x="1610" y="788"/>
+                </a:lnTo>
+                <a:lnTo>
+                  <a:pt x="1347" y="681"/>
+                </a:lnTo>
+                <a:lnTo>
+                  <a:pt x="1105" y="574"/>
+                </a:lnTo>
+                <a:lnTo>
+                  <a:pt x="883" y="473"/>
+                </a:lnTo>
+                <a:lnTo>
+                  <a:pt x="686" y="377"/>
+                </a:lnTo>
+                <a:lnTo>
+                  <a:pt x="508" y="286"/>
+                </a:lnTo>
+                <a:lnTo>
+                  <a:pt x="358" y="210"/>
+                </a:lnTo>
+                <a:lnTo>
+                  <a:pt x="232" y="138"/>
+                </a:lnTo>
+                <a:lnTo>
+                  <a:pt x="59" y="35"/>
+                </a:lnTo>
+                <a:lnTo>
+                  <a:pt x="0" y="0"/>
+                </a:lnTo>
+                <a:lnTo>
+                  <a:pt x="0" y="0"/>
+                </a:lnTo>
+                <a:close/>
+              </a:path>
+            </a:pathLst>
+          </a:custGeom>
+          <a:ln>
+            <a:noFill/>
+          </a:ln>
+        </p:spPr>
+      </p:sp>
+      <p:sp>
+        <p:nvSpPr>
+          <p:cNvPr id="2" name="Title 1">
+            <a:extLst>
+              <a:ext uri="{FF2B5EF4-FFF2-40B4-BE49-F238E27FC236}">
+                <a16:creationId xmlns:a16="http://schemas.microsoft.com/office/drawing/2014/main" id="{F82929FA-CCA0-4699-9445-DC7A490639F9}"/>
+              </a:ext>
+            </a:extLst>
+          </p:cNvPr>
+          <p:cNvSpPr>
+            <a:spLocks noGrp="1"/>
+          </p:cNvSpPr>
+          <p:nvPr>
+            <p:ph type="title"/>
+          </p:nvPr>
+        </p:nvSpPr>
+        <p:spPr>
+          <a:xfrm>
+            <a:off x="636916" y="4854346"/>
+            <a:ext cx="9149350" cy="868026"/>
+          </a:xfrm>
+        </p:spPr>
+        <p:txBody>
+          <a:bodyPr vert="horz" lIns="91440" tIns="45720" rIns="91440" bIns="45720" rtlCol="0" anchor="b">
+            <a:normAutofit/>
+          </a:bodyPr>
+          <a:lstStyle/>
+          <a:p>
+            <a:r>
+              <a:rPr lang="en-US" sz="4800"/>
+              <a:t>GESTURES</a:t>
+            </a:r>
+          </a:p>
+        </p:txBody>
+      </p:sp>
+      <p:pic>
+        <p:nvPicPr>
+          <p:cNvPr id="5" name="Content Placeholder 4" descr="A picture containing ax&#10;&#10;Description automatically generated">
+            <a:extLst>
+              <a:ext uri="{FF2B5EF4-FFF2-40B4-BE49-F238E27FC236}">
+                <a16:creationId xmlns:a16="http://schemas.microsoft.com/office/drawing/2014/main" id="{C36C5F0C-16FC-4B09-86F1-5C1D020DF037}"/>
+              </a:ext>
+            </a:extLst>
+          </p:cNvPr>
+          <p:cNvPicPr>
+            <a:picLocks noGrp="1" noChangeAspect="1"/>
+          </p:cNvPicPr>
+          <p:nvPr>
+            <p:ph idx="1"/>
+          </p:nvPr>
+        </p:nvPicPr>
+        <p:blipFill>
+          <a:blip r:embed="rId7"/>
+          <a:stretch>
+            <a:fillRect/>
+          </a:stretch>
+        </p:blipFill>
+        <p:spPr>
+          <a:xfrm>
+            <a:off x="635458" y="1346823"/>
+            <a:ext cx="9150807" cy="2585102"/>
+          </a:xfrm>
+          <a:prstGeom prst="rect">
+            <a:avLst/>
+          </a:prstGeom>
+          <a:effectLst/>
+        </p:spPr>
+      </p:pic>
+    </p:spTree>
+    <p:extLst>
+      <p:ext uri="{BB962C8B-B14F-4D97-AF65-F5344CB8AC3E}">
+        <p14:creationId xmlns:p14="http://schemas.microsoft.com/office/powerpoint/2010/main" val="3421010312"/>
+      </p:ext>
+    </p:extLst>
+  </p:cSld>
+  <p:clrMapOvr>
+    <a:masterClrMapping/>
+  </p:clrMapOvr>
+</p:sld>
+</file>
+
+<file path=ppt/slides/slide7.xml><?xml version="1.0" encoding="utf-8"?>
 <p:sld xmlns:a="http://schemas.openxmlformats.org/drawingml/2006/main" xmlns:r="http://schemas.openxmlformats.org/officeDocument/2006/relationships" xmlns:p="http://schemas.openxmlformats.org/presentationml/2006/main">
   <p:cSld>
     <p:bg>
@@ -16708,7 +21932,91 @@
 </p:sld>
 </file>
 
-<file path=ppt/slides/slide6.xml><?xml version="1.0" encoding="utf-8"?>
+<file path=ppt/slides/slide8.xml><?xml version="1.0" encoding="utf-8"?>
+<p:sld xmlns:a="http://schemas.openxmlformats.org/drawingml/2006/main" xmlns:r="http://schemas.openxmlformats.org/officeDocument/2006/relationships" xmlns:p="http://schemas.openxmlformats.org/presentationml/2006/main">
+  <p:cSld>
+    <p:spTree>
+      <p:nvGrpSpPr>
+        <p:cNvPr id="1" name=""/>
+        <p:cNvGrpSpPr/>
+        <p:nvPr/>
+      </p:nvGrpSpPr>
+      <p:grpSpPr>
+        <a:xfrm>
+          <a:off x="0" y="0"/>
+          <a:ext cx="0" cy="0"/>
+          <a:chOff x="0" y="0"/>
+          <a:chExt cx="0" cy="0"/>
+        </a:xfrm>
+      </p:grpSpPr>
+      <p:sp>
+        <p:nvSpPr>
+          <p:cNvPr id="2" name="Title 1">
+            <a:extLst>
+              <a:ext uri="{FF2B5EF4-FFF2-40B4-BE49-F238E27FC236}">
+                <a16:creationId xmlns:a16="http://schemas.microsoft.com/office/drawing/2014/main" id="{1DF42C98-CBDB-4467-B477-3611DA0F128C}"/>
+              </a:ext>
+            </a:extLst>
+          </p:cNvPr>
+          <p:cNvSpPr>
+            <a:spLocks noGrp="1"/>
+          </p:cNvSpPr>
+          <p:nvPr>
+            <p:ph type="title"/>
+          </p:nvPr>
+        </p:nvSpPr>
+        <p:spPr/>
+        <p:txBody>
+          <a:bodyPr/>
+          <a:lstStyle/>
+          <a:p>
+            <a:pPr algn="ctr"/>
+            <a:r>
+              <a:rPr lang="en-IE" dirty="0"/>
+              <a:t>DEMO</a:t>
+            </a:r>
+          </a:p>
+        </p:txBody>
+      </p:sp>
+      <p:sp>
+        <p:nvSpPr>
+          <p:cNvPr id="3" name="Content Placeholder 2">
+            <a:extLst>
+              <a:ext uri="{FF2B5EF4-FFF2-40B4-BE49-F238E27FC236}">
+                <a16:creationId xmlns:a16="http://schemas.microsoft.com/office/drawing/2014/main" id="{5843789C-7D50-41E5-B9DD-BA7FA1334537}"/>
+              </a:ext>
+            </a:extLst>
+          </p:cNvPr>
+          <p:cNvSpPr>
+            <a:spLocks noGrp="1"/>
+          </p:cNvSpPr>
+          <p:nvPr>
+            <p:ph idx="1"/>
+          </p:nvPr>
+        </p:nvSpPr>
+        <p:spPr/>
+        <p:txBody>
+          <a:bodyPr/>
+          <a:lstStyle/>
+          <a:p>
+            <a:endParaRPr lang="en-IE"/>
+          </a:p>
+        </p:txBody>
+      </p:sp>
+    </p:spTree>
+    <p:extLst>
+      <p:ext uri="{BB962C8B-B14F-4D97-AF65-F5344CB8AC3E}">
+        <p14:creationId xmlns:p14="http://schemas.microsoft.com/office/powerpoint/2010/main" val="1019677924"/>
+      </p:ext>
+    </p:extLst>
+  </p:cSld>
+  <p:clrMapOvr>
+    <a:masterClrMapping/>
+  </p:clrMapOvr>
+</p:sld>
+</file>
+
+<file path=ppt/slides/slide9.xml><?xml version="1.0" encoding="utf-8"?>
 <p:sld xmlns:a="http://schemas.openxmlformats.org/drawingml/2006/main" xmlns:r="http://schemas.openxmlformats.org/officeDocument/2006/relationships" xmlns:p="http://schemas.openxmlformats.org/presentationml/2006/main">
   <p:cSld>
     <p:bg>

--- a/Presentation/PROJECT FOR GESTURE BASED UI DEVELOPMENT.pptx
+++ b/Presentation/PROJECT FOR GESTURE BASED UI DEVELOPMENT.pptx
@@ -21999,7 +21999,13 @@
           <a:bodyPr/>
           <a:lstStyle/>
           <a:p>
-            <a:endParaRPr lang="en-IE"/>
+            <a:r>
+              <a:rPr lang="en-IE" dirty="0">
+                <a:hlinkClick r:id="rId2"/>
+              </a:rPr>
+              <a:t>https://www.youtube.com/watch?v=izteI-euwgo&amp;feature=youtu.be</a:t>
+            </a:r>
+            <a:endParaRPr lang="en-IE" dirty="0"/>
           </a:p>
         </p:txBody>
       </p:sp>
